--- a/livrables/PosterSoutenance.pptx
+++ b/livrables/PosterSoutenance.pptx
@@ -760,7 +760,15 @@
             </a:r>
             <a:r>
               <a:rPr lang="fr-FR" baseline="0" noProof="0" dirty="0" smtClean="0"/>
-              <a:t> employés (1 PDG, 2 Informaticien, 2 Assistantes Commerciales, 1 Secrétaire/Comptable, 1 Livreur)</a:t>
+              <a:t> employés (1 PDG, 2 </a:t>
+            </a:r>
+            <a:r>
+              <a:rPr lang="fr-FR" baseline="0" noProof="0" dirty="0" smtClean="0"/>
+              <a:t>Informaticiens	, </a:t>
+            </a:r>
+            <a:r>
+              <a:rPr lang="fr-FR" baseline="0" noProof="0" dirty="0" smtClean="0"/>
+              <a:t>2 Assistantes Commerciales, 1 Secrétaire/Comptable, 1 Livreur)</a:t>
             </a:r>
           </a:p>
           <a:p>
@@ -4493,7 +4501,7 @@
               <a:graphicData uri="http://schemas.openxmlformats.org/presentationml/2006/ole">
                 <mc:AlternateContent xmlns:mc="http://schemas.openxmlformats.org/markup-compatibility/2006">
                   <mc:Choice xmlns:v="urn:schemas-microsoft-com:vml" Requires="v">
-                    <p:oleObj spid="_x0000_s2286" name="Image" r:id="rId8" imgW="1828440" imgH="1117440" progId="Photoshop.Image.13">
+                    <p:oleObj spid="_x0000_s2310" name="Image" r:id="rId8" imgW="1828440" imgH="1117440" progId="Photoshop.Image.13">
                       <p:embed/>
                     </p:oleObj>
                   </mc:Choice>
@@ -4550,7 +4558,7 @@
               <a:graphicData uri="http://schemas.openxmlformats.org/presentationml/2006/ole">
                 <mc:AlternateContent xmlns:mc="http://schemas.openxmlformats.org/markup-compatibility/2006">
                   <mc:Choice xmlns:v="urn:schemas-microsoft-com:vml" Requires="v">
-                    <p:oleObj spid="_x0000_s2287" name="Image" r:id="rId10" imgW="1828440" imgH="1117440" progId="Photoshop.Image.13">
+                    <p:oleObj spid="_x0000_s2311" name="Image" r:id="rId10" imgW="1828440" imgH="1117440" progId="Photoshop.Image.13">
                       <p:embed/>
                     </p:oleObj>
                   </mc:Choice>
@@ -5685,7 +5693,7 @@
             <a:graphicData uri="http://schemas.openxmlformats.org/presentationml/2006/ole">
               <mc:AlternateContent xmlns:mc="http://schemas.openxmlformats.org/markup-compatibility/2006">
                 <mc:Choice xmlns:v="urn:schemas-microsoft-com:vml" Requires="v">
-                  <p:oleObj spid="_x0000_s2288" name="Image" r:id="rId12" imgW="4571280" imgH="1688760" progId="Photoshop.Image.13">
+                  <p:oleObj spid="_x0000_s2312" name="Image" r:id="rId12" imgW="4571280" imgH="1688760" progId="Photoshop.Image.13">
                     <p:embed/>
                   </p:oleObj>
                 </mc:Choice>
@@ -5769,7 +5777,7 @@
             <a:graphicData uri="http://schemas.openxmlformats.org/presentationml/2006/ole">
               <mc:AlternateContent xmlns:mc="http://schemas.openxmlformats.org/markup-compatibility/2006">
                 <mc:Choice xmlns:v="urn:schemas-microsoft-com:vml" Requires="v">
-                  <p:oleObj spid="_x0000_s2289" name="Image" r:id="rId15" imgW="1574280" imgH="1053720" progId="Photoshop.Image.13">
+                  <p:oleObj spid="_x0000_s2313" name="Image" r:id="rId15" imgW="1574280" imgH="1053720" progId="Photoshop.Image.13">
                     <p:embed/>
                   </p:oleObj>
                 </mc:Choice>
@@ -6505,7 +6513,11 @@
           <a:bodyPr/>
           <a:lstStyle/>
           <a:p>
-            <a:endParaRPr lang="fr-FR"/>
+            <a:r>
+              <a:rPr lang="fr-FR" dirty="0" smtClean="0"/>
+              <a:t>Robin MAISANO – Florian VOUTERS</a:t>
+            </a:r>
+            <a:endParaRPr lang="fr-FR" dirty="0"/>
           </a:p>
         </p:txBody>
       </p:sp>
@@ -6524,7 +6536,31 @@
           <a:bodyPr/>
           <a:lstStyle/>
           <a:p>
-            <a:endParaRPr lang="fr-FR"/>
+            <a:r>
+              <a:rPr lang="fr-FR" dirty="0" smtClean="0"/>
+              <a:t>Projet : </a:t>
+            </a:r>
+            <a:r>
+              <a:rPr lang="fr-FR" dirty="0" err="1" smtClean="0"/>
+              <a:t>Pimp</a:t>
+            </a:r>
+            <a:r>
+              <a:rPr lang="fr-FR" dirty="0" smtClean="0"/>
+              <a:t> </a:t>
+            </a:r>
+            <a:r>
+              <a:rPr lang="fr-FR" dirty="0" err="1" smtClean="0"/>
+              <a:t>My</a:t>
+            </a:r>
+            <a:r>
+              <a:rPr lang="fr-FR" dirty="0" smtClean="0"/>
+              <a:t> </a:t>
+            </a:r>
+            <a:r>
+              <a:rPr lang="fr-FR" dirty="0" err="1" smtClean="0"/>
+              <a:t>Fridge</a:t>
+            </a:r>
+            <a:endParaRPr lang="fr-FR" dirty="0"/>
           </a:p>
         </p:txBody>
       </p:sp>
@@ -6543,7 +6579,11 @@
           <a:bodyPr/>
           <a:lstStyle/>
           <a:p>
-            <a:endParaRPr lang="fr-FR"/>
+            <a:r>
+              <a:rPr lang="fr-FR" dirty="0" smtClean="0"/>
+              <a:t>Projet Electronique A2 </a:t>
+            </a:r>
+            <a:endParaRPr lang="fr-FR" dirty="0"/>
           </a:p>
         </p:txBody>
       </p:sp>
@@ -6599,6 +6639,1532 @@
           </a:p>
         </p:txBody>
       </p:sp>
+      <p:grpSp>
+        <p:nvGrpSpPr>
+          <p:cNvPr id="36" name="Groupe 35"/>
+          <p:cNvGrpSpPr/>
+          <p:nvPr/>
+        </p:nvGrpSpPr>
+        <p:grpSpPr>
+          <a:xfrm>
+            <a:off x="6081957" y="4620446"/>
+            <a:ext cx="30889523" cy="21350201"/>
+            <a:chOff x="8012571" y="4862125"/>
+            <a:chExt cx="30889523" cy="21350201"/>
+          </a:xfrm>
+        </p:grpSpPr>
+        <p:sp>
+          <p:nvSpPr>
+            <p:cNvPr id="37" name="Flèche en arc 36"/>
+            <p:cNvSpPr/>
+            <p:nvPr/>
+          </p:nvSpPr>
+          <p:spPr>
+            <a:xfrm>
+              <a:off x="10582600" y="4862125"/>
+              <a:ext cx="21350201" cy="21350201"/>
+            </a:xfrm>
+            <a:prstGeom prst="circularArrow">
+              <a:avLst>
+                <a:gd name="adj1" fmla="val 4668"/>
+                <a:gd name="adj2" fmla="val 272909"/>
+                <a:gd name="adj3" fmla="val 14845281"/>
+                <a:gd name="adj4" fmla="val 16796173"/>
+                <a:gd name="adj5" fmla="val 4847"/>
+              </a:avLst>
+            </a:prstGeom>
+            <a:noFill/>
+          </p:spPr>
+          <p:style>
+            <a:lnRef idx="0">
+              <a:schemeClr val="dk1">
+                <a:hueOff val="0"/>
+                <a:satOff val="0"/>
+                <a:lumOff val="0"/>
+                <a:alphaOff val="0"/>
+              </a:schemeClr>
+            </a:lnRef>
+            <a:fillRef idx="1">
+              <a:scrgbClr r="0" g="0" b="0"/>
+            </a:fillRef>
+            <a:effectRef idx="0">
+              <a:schemeClr val="accent3">
+                <a:tint val="40000"/>
+                <a:hueOff val="0"/>
+                <a:satOff val="0"/>
+                <a:lumOff val="0"/>
+                <a:alphaOff val="0"/>
+              </a:schemeClr>
+            </a:effectRef>
+            <a:fontRef idx="minor">
+              <a:schemeClr val="dk1">
+                <a:hueOff val="0"/>
+                <a:satOff val="0"/>
+                <a:lumOff val="0"/>
+                <a:alphaOff val="0"/>
+              </a:schemeClr>
+            </a:fontRef>
+          </p:style>
+        </p:sp>
+        <p:sp>
+          <p:nvSpPr>
+            <p:cNvPr id="41" name="Forme libre 40"/>
+            <p:cNvSpPr/>
+            <p:nvPr/>
+          </p:nvSpPr>
+          <p:spPr>
+            <a:xfrm>
+              <a:off x="8012571" y="4895471"/>
+              <a:ext cx="5458143" cy="2818558"/>
+            </a:xfrm>
+            <a:custGeom>
+              <a:avLst/>
+              <a:gdLst>
+                <a:gd name="connsiteX0" fmla="*/ 0 w 5458143"/>
+                <a:gd name="connsiteY0" fmla="*/ 469769 h 2818558"/>
+                <a:gd name="connsiteX1" fmla="*/ 469769 w 5458143"/>
+                <a:gd name="connsiteY1" fmla="*/ 0 h 2818558"/>
+                <a:gd name="connsiteX2" fmla="*/ 4988374 w 5458143"/>
+                <a:gd name="connsiteY2" fmla="*/ 0 h 2818558"/>
+                <a:gd name="connsiteX3" fmla="*/ 5458143 w 5458143"/>
+                <a:gd name="connsiteY3" fmla="*/ 469769 h 2818558"/>
+                <a:gd name="connsiteX4" fmla="*/ 5458143 w 5458143"/>
+                <a:gd name="connsiteY4" fmla="*/ 2348789 h 2818558"/>
+                <a:gd name="connsiteX5" fmla="*/ 4988374 w 5458143"/>
+                <a:gd name="connsiteY5" fmla="*/ 2818558 h 2818558"/>
+                <a:gd name="connsiteX6" fmla="*/ 469769 w 5458143"/>
+                <a:gd name="connsiteY6" fmla="*/ 2818558 h 2818558"/>
+                <a:gd name="connsiteX7" fmla="*/ 0 w 5458143"/>
+                <a:gd name="connsiteY7" fmla="*/ 2348789 h 2818558"/>
+                <a:gd name="connsiteX8" fmla="*/ 0 w 5458143"/>
+                <a:gd name="connsiteY8" fmla="*/ 469769 h 2818558"/>
+              </a:gdLst>
+              <a:ahLst/>
+              <a:cxnLst>
+                <a:cxn ang="0">
+                  <a:pos x="connsiteX0" y="connsiteY0"/>
+                </a:cxn>
+                <a:cxn ang="0">
+                  <a:pos x="connsiteX1" y="connsiteY1"/>
+                </a:cxn>
+                <a:cxn ang="0">
+                  <a:pos x="connsiteX2" y="connsiteY2"/>
+                </a:cxn>
+                <a:cxn ang="0">
+                  <a:pos x="connsiteX3" y="connsiteY3"/>
+                </a:cxn>
+                <a:cxn ang="0">
+                  <a:pos x="connsiteX4" y="connsiteY4"/>
+                </a:cxn>
+                <a:cxn ang="0">
+                  <a:pos x="connsiteX5" y="connsiteY5"/>
+                </a:cxn>
+                <a:cxn ang="0">
+                  <a:pos x="connsiteX6" y="connsiteY6"/>
+                </a:cxn>
+                <a:cxn ang="0">
+                  <a:pos x="connsiteX7" y="connsiteY7"/>
+                </a:cxn>
+                <a:cxn ang="0">
+                  <a:pos x="connsiteX8" y="connsiteY8"/>
+                </a:cxn>
+              </a:cxnLst>
+              <a:rect l="l" t="t" r="r" b="b"/>
+              <a:pathLst>
+                <a:path w="5458143" h="2818558">
+                  <a:moveTo>
+                    <a:pt x="0" y="469769"/>
+                  </a:moveTo>
+                  <a:cubicBezTo>
+                    <a:pt x="0" y="210323"/>
+                    <a:pt x="210323" y="0"/>
+                    <a:pt x="469769" y="0"/>
+                  </a:cubicBezTo>
+                  <a:lnTo>
+                    <a:pt x="4988374" y="0"/>
+                  </a:lnTo>
+                  <a:cubicBezTo>
+                    <a:pt x="5247820" y="0"/>
+                    <a:pt x="5458143" y="210323"/>
+                    <a:pt x="5458143" y="469769"/>
+                  </a:cubicBezTo>
+                  <a:lnTo>
+                    <a:pt x="5458143" y="2348789"/>
+                  </a:lnTo>
+                  <a:cubicBezTo>
+                    <a:pt x="5458143" y="2608235"/>
+                    <a:pt x="5247820" y="2818558"/>
+                    <a:pt x="4988374" y="2818558"/>
+                  </a:cubicBezTo>
+                  <a:lnTo>
+                    <a:pt x="469769" y="2818558"/>
+                  </a:lnTo>
+                  <a:cubicBezTo>
+                    <a:pt x="210323" y="2818558"/>
+                    <a:pt x="0" y="2608235"/>
+                    <a:pt x="0" y="2348789"/>
+                  </a:cubicBezTo>
+                  <a:lnTo>
+                    <a:pt x="0" y="469769"/>
+                  </a:lnTo>
+                  <a:close/>
+                </a:path>
+              </a:pathLst>
+            </a:custGeom>
+            <a:solidFill>
+              <a:srgbClr val="00B0F0"/>
+            </a:solidFill>
+          </p:spPr>
+          <p:style>
+            <a:lnRef idx="2">
+              <a:schemeClr val="lt1">
+                <a:hueOff val="0"/>
+                <a:satOff val="0"/>
+                <a:lumOff val="0"/>
+                <a:alphaOff val="0"/>
+              </a:schemeClr>
+            </a:lnRef>
+            <a:fillRef idx="1">
+              <a:scrgbClr r="0" g="0" b="0"/>
+            </a:fillRef>
+            <a:effectRef idx="0">
+              <a:schemeClr val="accent3">
+                <a:hueOff val="0"/>
+                <a:satOff val="0"/>
+                <a:lumOff val="0"/>
+                <a:alphaOff val="0"/>
+              </a:schemeClr>
+            </a:effectRef>
+            <a:fontRef idx="minor">
+              <a:schemeClr val="lt1"/>
+            </a:fontRef>
+          </p:style>
+          <p:txBody>
+            <a:bodyPr spcFirstLastPara="0" vert="horz" wrap="square" lIns="385241" tIns="385241" rIns="385241" bIns="385241" numCol="1" spcCol="1270" anchor="ctr" anchorCtr="0">
+              <a:noAutofit/>
+            </a:bodyPr>
+            <a:lstStyle/>
+            <a:p>
+              <a:pPr lvl="0" algn="ctr" defTabSz="2889250">
+                <a:lnSpc>
+                  <a:spcPct val="90000"/>
+                </a:lnSpc>
+                <a:spcBef>
+                  <a:spcPct val="0"/>
+                </a:spcBef>
+                <a:spcAft>
+                  <a:spcPct val="35000"/>
+                </a:spcAft>
+              </a:pPr>
+              <a:r>
+                <a:rPr lang="fr-FR" sz="6500" kern="1200" dirty="0" smtClean="0"/>
+                <a:t>CONCEIVE</a:t>
+              </a:r>
+              <a:endParaRPr lang="fr-FR" sz="6500" kern="1200" dirty="0"/>
+            </a:p>
+          </p:txBody>
+        </p:sp>
+        <p:sp>
+          <p:nvSpPr>
+            <p:cNvPr id="42" name="Forme libre 41"/>
+            <p:cNvSpPr/>
+            <p:nvPr/>
+          </p:nvSpPr>
+          <p:spPr>
+            <a:xfrm>
+              <a:off x="33515301" y="4933048"/>
+              <a:ext cx="5386793" cy="2745043"/>
+            </a:xfrm>
+            <a:custGeom>
+              <a:avLst/>
+              <a:gdLst>
+                <a:gd name="connsiteX0" fmla="*/ 0 w 5386793"/>
+                <a:gd name="connsiteY0" fmla="*/ 457516 h 2745043"/>
+                <a:gd name="connsiteX1" fmla="*/ 457516 w 5386793"/>
+                <a:gd name="connsiteY1" fmla="*/ 0 h 2745043"/>
+                <a:gd name="connsiteX2" fmla="*/ 4929277 w 5386793"/>
+                <a:gd name="connsiteY2" fmla="*/ 0 h 2745043"/>
+                <a:gd name="connsiteX3" fmla="*/ 5386793 w 5386793"/>
+                <a:gd name="connsiteY3" fmla="*/ 457516 h 2745043"/>
+                <a:gd name="connsiteX4" fmla="*/ 5386793 w 5386793"/>
+                <a:gd name="connsiteY4" fmla="*/ 2287527 h 2745043"/>
+                <a:gd name="connsiteX5" fmla="*/ 4929277 w 5386793"/>
+                <a:gd name="connsiteY5" fmla="*/ 2745043 h 2745043"/>
+                <a:gd name="connsiteX6" fmla="*/ 457516 w 5386793"/>
+                <a:gd name="connsiteY6" fmla="*/ 2745043 h 2745043"/>
+                <a:gd name="connsiteX7" fmla="*/ 0 w 5386793"/>
+                <a:gd name="connsiteY7" fmla="*/ 2287527 h 2745043"/>
+                <a:gd name="connsiteX8" fmla="*/ 0 w 5386793"/>
+                <a:gd name="connsiteY8" fmla="*/ 457516 h 2745043"/>
+              </a:gdLst>
+              <a:ahLst/>
+              <a:cxnLst>
+                <a:cxn ang="0">
+                  <a:pos x="connsiteX0" y="connsiteY0"/>
+                </a:cxn>
+                <a:cxn ang="0">
+                  <a:pos x="connsiteX1" y="connsiteY1"/>
+                </a:cxn>
+                <a:cxn ang="0">
+                  <a:pos x="connsiteX2" y="connsiteY2"/>
+                </a:cxn>
+                <a:cxn ang="0">
+                  <a:pos x="connsiteX3" y="connsiteY3"/>
+                </a:cxn>
+                <a:cxn ang="0">
+                  <a:pos x="connsiteX4" y="connsiteY4"/>
+                </a:cxn>
+                <a:cxn ang="0">
+                  <a:pos x="connsiteX5" y="connsiteY5"/>
+                </a:cxn>
+                <a:cxn ang="0">
+                  <a:pos x="connsiteX6" y="connsiteY6"/>
+                </a:cxn>
+                <a:cxn ang="0">
+                  <a:pos x="connsiteX7" y="connsiteY7"/>
+                </a:cxn>
+                <a:cxn ang="0">
+                  <a:pos x="connsiteX8" y="connsiteY8"/>
+                </a:cxn>
+              </a:cxnLst>
+              <a:rect l="l" t="t" r="r" b="b"/>
+              <a:pathLst>
+                <a:path w="5386793" h="2745043">
+                  <a:moveTo>
+                    <a:pt x="0" y="457516"/>
+                  </a:moveTo>
+                  <a:cubicBezTo>
+                    <a:pt x="0" y="204837"/>
+                    <a:pt x="204837" y="0"/>
+                    <a:pt x="457516" y="0"/>
+                  </a:cubicBezTo>
+                  <a:lnTo>
+                    <a:pt x="4929277" y="0"/>
+                  </a:lnTo>
+                  <a:cubicBezTo>
+                    <a:pt x="5181956" y="0"/>
+                    <a:pt x="5386793" y="204837"/>
+                    <a:pt x="5386793" y="457516"/>
+                  </a:cubicBezTo>
+                  <a:lnTo>
+                    <a:pt x="5386793" y="2287527"/>
+                  </a:lnTo>
+                  <a:cubicBezTo>
+                    <a:pt x="5386793" y="2540206"/>
+                    <a:pt x="5181956" y="2745043"/>
+                    <a:pt x="4929277" y="2745043"/>
+                  </a:cubicBezTo>
+                  <a:lnTo>
+                    <a:pt x="457516" y="2745043"/>
+                  </a:lnTo>
+                  <a:cubicBezTo>
+                    <a:pt x="204837" y="2745043"/>
+                    <a:pt x="0" y="2540206"/>
+                    <a:pt x="0" y="2287527"/>
+                  </a:cubicBezTo>
+                  <a:lnTo>
+                    <a:pt x="0" y="457516"/>
+                  </a:lnTo>
+                  <a:close/>
+                </a:path>
+              </a:pathLst>
+            </a:custGeom>
+            <a:solidFill>
+              <a:srgbClr val="7030A0"/>
+            </a:solidFill>
+          </p:spPr>
+          <p:style>
+            <a:lnRef idx="2">
+              <a:schemeClr val="lt1">
+                <a:hueOff val="0"/>
+                <a:satOff val="0"/>
+                <a:lumOff val="0"/>
+                <a:alphaOff val="0"/>
+              </a:schemeClr>
+            </a:lnRef>
+            <a:fillRef idx="1">
+              <a:scrgbClr r="0" g="0" b="0"/>
+            </a:fillRef>
+            <a:effectRef idx="0">
+              <a:schemeClr val="accent3">
+                <a:hueOff val="3000641"/>
+                <a:satOff val="271"/>
+                <a:lumOff val="-2877"/>
+                <a:alphaOff val="0"/>
+              </a:schemeClr>
+            </a:effectRef>
+            <a:fontRef idx="minor">
+              <a:schemeClr val="lt1"/>
+            </a:fontRef>
+          </p:style>
+          <p:txBody>
+            <a:bodyPr spcFirstLastPara="0" vert="horz" wrap="square" lIns="381652" tIns="381652" rIns="381652" bIns="381652" numCol="1" spcCol="1270" anchor="ctr" anchorCtr="0">
+              <a:noAutofit/>
+            </a:bodyPr>
+            <a:lstStyle/>
+            <a:p>
+              <a:pPr lvl="0" algn="ctr" defTabSz="2889250">
+                <a:lnSpc>
+                  <a:spcPct val="90000"/>
+                </a:lnSpc>
+                <a:spcBef>
+                  <a:spcPct val="0"/>
+                </a:spcBef>
+                <a:spcAft>
+                  <a:spcPct val="35000"/>
+                </a:spcAft>
+              </a:pPr>
+              <a:r>
+                <a:rPr lang="fr-FR" sz="6500" kern="1200" dirty="0" smtClean="0"/>
+                <a:t>DESIGN</a:t>
+              </a:r>
+              <a:endParaRPr lang="fr-FR" sz="6500" kern="1200" dirty="0"/>
+            </a:p>
+          </p:txBody>
+        </p:sp>
+        <p:sp>
+          <p:nvSpPr>
+            <p:cNvPr id="43" name="Forme libre 42"/>
+            <p:cNvSpPr/>
+            <p:nvPr/>
+          </p:nvSpPr>
+          <p:spPr>
+            <a:xfrm>
+              <a:off x="33475148" y="17338435"/>
+              <a:ext cx="5426946" cy="2379411"/>
+            </a:xfrm>
+            <a:custGeom>
+              <a:avLst/>
+              <a:gdLst>
+                <a:gd name="connsiteX0" fmla="*/ 0 w 5426946"/>
+                <a:gd name="connsiteY0" fmla="*/ 396576 h 2379411"/>
+                <a:gd name="connsiteX1" fmla="*/ 396576 w 5426946"/>
+                <a:gd name="connsiteY1" fmla="*/ 0 h 2379411"/>
+                <a:gd name="connsiteX2" fmla="*/ 5030370 w 5426946"/>
+                <a:gd name="connsiteY2" fmla="*/ 0 h 2379411"/>
+                <a:gd name="connsiteX3" fmla="*/ 5426946 w 5426946"/>
+                <a:gd name="connsiteY3" fmla="*/ 396576 h 2379411"/>
+                <a:gd name="connsiteX4" fmla="*/ 5426946 w 5426946"/>
+                <a:gd name="connsiteY4" fmla="*/ 1982835 h 2379411"/>
+                <a:gd name="connsiteX5" fmla="*/ 5030370 w 5426946"/>
+                <a:gd name="connsiteY5" fmla="*/ 2379411 h 2379411"/>
+                <a:gd name="connsiteX6" fmla="*/ 396576 w 5426946"/>
+                <a:gd name="connsiteY6" fmla="*/ 2379411 h 2379411"/>
+                <a:gd name="connsiteX7" fmla="*/ 0 w 5426946"/>
+                <a:gd name="connsiteY7" fmla="*/ 1982835 h 2379411"/>
+                <a:gd name="connsiteX8" fmla="*/ 0 w 5426946"/>
+                <a:gd name="connsiteY8" fmla="*/ 396576 h 2379411"/>
+              </a:gdLst>
+              <a:ahLst/>
+              <a:cxnLst>
+                <a:cxn ang="0">
+                  <a:pos x="connsiteX0" y="connsiteY0"/>
+                </a:cxn>
+                <a:cxn ang="0">
+                  <a:pos x="connsiteX1" y="connsiteY1"/>
+                </a:cxn>
+                <a:cxn ang="0">
+                  <a:pos x="connsiteX2" y="connsiteY2"/>
+                </a:cxn>
+                <a:cxn ang="0">
+                  <a:pos x="connsiteX3" y="connsiteY3"/>
+                </a:cxn>
+                <a:cxn ang="0">
+                  <a:pos x="connsiteX4" y="connsiteY4"/>
+                </a:cxn>
+                <a:cxn ang="0">
+                  <a:pos x="connsiteX5" y="connsiteY5"/>
+                </a:cxn>
+                <a:cxn ang="0">
+                  <a:pos x="connsiteX6" y="connsiteY6"/>
+                </a:cxn>
+                <a:cxn ang="0">
+                  <a:pos x="connsiteX7" y="connsiteY7"/>
+                </a:cxn>
+                <a:cxn ang="0">
+                  <a:pos x="connsiteX8" y="connsiteY8"/>
+                </a:cxn>
+              </a:cxnLst>
+              <a:rect l="l" t="t" r="r" b="b"/>
+              <a:pathLst>
+                <a:path w="5426946" h="2379411">
+                  <a:moveTo>
+                    <a:pt x="0" y="396576"/>
+                  </a:moveTo>
+                  <a:cubicBezTo>
+                    <a:pt x="0" y="177553"/>
+                    <a:pt x="177553" y="0"/>
+                    <a:pt x="396576" y="0"/>
+                  </a:cubicBezTo>
+                  <a:lnTo>
+                    <a:pt x="5030370" y="0"/>
+                  </a:lnTo>
+                  <a:cubicBezTo>
+                    <a:pt x="5249393" y="0"/>
+                    <a:pt x="5426946" y="177553"/>
+                    <a:pt x="5426946" y="396576"/>
+                  </a:cubicBezTo>
+                  <a:lnTo>
+                    <a:pt x="5426946" y="1982835"/>
+                  </a:lnTo>
+                  <a:cubicBezTo>
+                    <a:pt x="5426946" y="2201858"/>
+                    <a:pt x="5249393" y="2379411"/>
+                    <a:pt x="5030370" y="2379411"/>
+                  </a:cubicBezTo>
+                  <a:lnTo>
+                    <a:pt x="396576" y="2379411"/>
+                  </a:lnTo>
+                  <a:cubicBezTo>
+                    <a:pt x="177553" y="2379411"/>
+                    <a:pt x="0" y="2201858"/>
+                    <a:pt x="0" y="1982835"/>
+                  </a:cubicBezTo>
+                  <a:lnTo>
+                    <a:pt x="0" y="396576"/>
+                  </a:lnTo>
+                  <a:close/>
+                </a:path>
+              </a:pathLst>
+            </a:custGeom>
+            <a:solidFill>
+              <a:srgbClr val="FC1C1C"/>
+            </a:solidFill>
+          </p:spPr>
+          <p:style>
+            <a:lnRef idx="2">
+              <a:schemeClr val="lt1">
+                <a:hueOff val="0"/>
+                <a:satOff val="0"/>
+                <a:lumOff val="0"/>
+                <a:alphaOff val="0"/>
+              </a:schemeClr>
+            </a:lnRef>
+            <a:fillRef idx="1">
+              <a:scrgbClr r="0" g="0" b="0"/>
+            </a:fillRef>
+            <a:effectRef idx="0">
+              <a:schemeClr val="accent3">
+                <a:hueOff val="6001281"/>
+                <a:satOff val="542"/>
+                <a:lumOff val="-5754"/>
+                <a:alphaOff val="0"/>
+              </a:schemeClr>
+            </a:effectRef>
+            <a:fontRef idx="minor">
+              <a:schemeClr val="lt1"/>
+            </a:fontRef>
+          </p:style>
+          <p:txBody>
+            <a:bodyPr spcFirstLastPara="0" vert="horz" wrap="square" lIns="363803" tIns="363803" rIns="363803" bIns="363803" numCol="1" spcCol="1270" anchor="ctr" anchorCtr="0">
+              <a:noAutofit/>
+            </a:bodyPr>
+            <a:lstStyle/>
+            <a:p>
+              <a:pPr lvl="0" algn="ctr" defTabSz="2889250">
+                <a:lnSpc>
+                  <a:spcPct val="90000"/>
+                </a:lnSpc>
+                <a:spcBef>
+                  <a:spcPct val="0"/>
+                </a:spcBef>
+                <a:spcAft>
+                  <a:spcPct val="35000"/>
+                </a:spcAft>
+              </a:pPr>
+              <a:r>
+                <a:rPr lang="fr-FR" sz="6500" kern="1200" dirty="0" smtClean="0"/>
+                <a:t>IMPLEMENTS</a:t>
+              </a:r>
+              <a:endParaRPr lang="fr-FR" sz="6500" kern="1200" dirty="0"/>
+            </a:p>
+          </p:txBody>
+        </p:sp>
+        <p:sp>
+          <p:nvSpPr>
+            <p:cNvPr id="44" name="Forme libre 43"/>
+            <p:cNvSpPr/>
+            <p:nvPr/>
+          </p:nvSpPr>
+          <p:spPr>
+            <a:xfrm>
+              <a:off x="8022123" y="17943404"/>
+              <a:ext cx="5439037" cy="2399338"/>
+            </a:xfrm>
+            <a:custGeom>
+              <a:avLst/>
+              <a:gdLst>
+                <a:gd name="connsiteX0" fmla="*/ 0 w 5439037"/>
+                <a:gd name="connsiteY0" fmla="*/ 399898 h 2399338"/>
+                <a:gd name="connsiteX1" fmla="*/ 399898 w 5439037"/>
+                <a:gd name="connsiteY1" fmla="*/ 0 h 2399338"/>
+                <a:gd name="connsiteX2" fmla="*/ 5039139 w 5439037"/>
+                <a:gd name="connsiteY2" fmla="*/ 0 h 2399338"/>
+                <a:gd name="connsiteX3" fmla="*/ 5439037 w 5439037"/>
+                <a:gd name="connsiteY3" fmla="*/ 399898 h 2399338"/>
+                <a:gd name="connsiteX4" fmla="*/ 5439037 w 5439037"/>
+                <a:gd name="connsiteY4" fmla="*/ 1999440 h 2399338"/>
+                <a:gd name="connsiteX5" fmla="*/ 5039139 w 5439037"/>
+                <a:gd name="connsiteY5" fmla="*/ 2399338 h 2399338"/>
+                <a:gd name="connsiteX6" fmla="*/ 399898 w 5439037"/>
+                <a:gd name="connsiteY6" fmla="*/ 2399338 h 2399338"/>
+                <a:gd name="connsiteX7" fmla="*/ 0 w 5439037"/>
+                <a:gd name="connsiteY7" fmla="*/ 1999440 h 2399338"/>
+                <a:gd name="connsiteX8" fmla="*/ 0 w 5439037"/>
+                <a:gd name="connsiteY8" fmla="*/ 399898 h 2399338"/>
+              </a:gdLst>
+              <a:ahLst/>
+              <a:cxnLst>
+                <a:cxn ang="0">
+                  <a:pos x="connsiteX0" y="connsiteY0"/>
+                </a:cxn>
+                <a:cxn ang="0">
+                  <a:pos x="connsiteX1" y="connsiteY1"/>
+                </a:cxn>
+                <a:cxn ang="0">
+                  <a:pos x="connsiteX2" y="connsiteY2"/>
+                </a:cxn>
+                <a:cxn ang="0">
+                  <a:pos x="connsiteX3" y="connsiteY3"/>
+                </a:cxn>
+                <a:cxn ang="0">
+                  <a:pos x="connsiteX4" y="connsiteY4"/>
+                </a:cxn>
+                <a:cxn ang="0">
+                  <a:pos x="connsiteX5" y="connsiteY5"/>
+                </a:cxn>
+                <a:cxn ang="0">
+                  <a:pos x="connsiteX6" y="connsiteY6"/>
+                </a:cxn>
+                <a:cxn ang="0">
+                  <a:pos x="connsiteX7" y="connsiteY7"/>
+                </a:cxn>
+                <a:cxn ang="0">
+                  <a:pos x="connsiteX8" y="connsiteY8"/>
+                </a:cxn>
+              </a:cxnLst>
+              <a:rect l="l" t="t" r="r" b="b"/>
+              <a:pathLst>
+                <a:path w="5439037" h="2399338">
+                  <a:moveTo>
+                    <a:pt x="0" y="399898"/>
+                  </a:moveTo>
+                  <a:cubicBezTo>
+                    <a:pt x="0" y="179040"/>
+                    <a:pt x="179040" y="0"/>
+                    <a:pt x="399898" y="0"/>
+                  </a:cubicBezTo>
+                  <a:lnTo>
+                    <a:pt x="5039139" y="0"/>
+                  </a:lnTo>
+                  <a:cubicBezTo>
+                    <a:pt x="5259997" y="0"/>
+                    <a:pt x="5439037" y="179040"/>
+                    <a:pt x="5439037" y="399898"/>
+                  </a:cubicBezTo>
+                  <a:lnTo>
+                    <a:pt x="5439037" y="1999440"/>
+                  </a:lnTo>
+                  <a:cubicBezTo>
+                    <a:pt x="5439037" y="2220298"/>
+                    <a:pt x="5259997" y="2399338"/>
+                    <a:pt x="5039139" y="2399338"/>
+                  </a:cubicBezTo>
+                  <a:lnTo>
+                    <a:pt x="399898" y="2399338"/>
+                  </a:lnTo>
+                  <a:cubicBezTo>
+                    <a:pt x="179040" y="2399338"/>
+                    <a:pt x="0" y="2220298"/>
+                    <a:pt x="0" y="1999440"/>
+                  </a:cubicBezTo>
+                  <a:lnTo>
+                    <a:pt x="0" y="399898"/>
+                  </a:lnTo>
+                  <a:close/>
+                </a:path>
+              </a:pathLst>
+            </a:custGeom>
+            <a:solidFill>
+              <a:schemeClr val="accent1">
+                <a:lumMod val="75000"/>
+              </a:schemeClr>
+            </a:solidFill>
+          </p:spPr>
+          <p:style>
+            <a:lnRef idx="2">
+              <a:schemeClr val="lt1">
+                <a:hueOff val="0"/>
+                <a:satOff val="0"/>
+                <a:lumOff val="0"/>
+                <a:alphaOff val="0"/>
+              </a:schemeClr>
+            </a:lnRef>
+            <a:fillRef idx="1">
+              <a:scrgbClr r="0" g="0" b="0"/>
+            </a:fillRef>
+            <a:effectRef idx="0">
+              <a:schemeClr val="accent3">
+                <a:hueOff val="9001922"/>
+                <a:satOff val="813"/>
+                <a:lumOff val="-8631"/>
+                <a:alphaOff val="0"/>
+              </a:schemeClr>
+            </a:effectRef>
+            <a:fontRef idx="minor">
+              <a:schemeClr val="lt1"/>
+            </a:fontRef>
+          </p:style>
+          <p:txBody>
+            <a:bodyPr spcFirstLastPara="0" vert="horz" wrap="square" lIns="364776" tIns="364776" rIns="364776" bIns="364776" numCol="1" spcCol="1270" anchor="ctr" anchorCtr="0">
+              <a:noAutofit/>
+            </a:bodyPr>
+            <a:lstStyle/>
+            <a:p>
+              <a:pPr lvl="0" algn="ctr" defTabSz="2889250">
+                <a:lnSpc>
+                  <a:spcPct val="90000"/>
+                </a:lnSpc>
+                <a:spcBef>
+                  <a:spcPct val="0"/>
+                </a:spcBef>
+                <a:spcAft>
+                  <a:spcPct val="35000"/>
+                </a:spcAft>
+              </a:pPr>
+              <a:r>
+                <a:rPr lang="fr-FR" sz="6500" kern="1200" dirty="0" smtClean="0"/>
+                <a:t>OPPERATE</a:t>
+              </a:r>
+              <a:endParaRPr lang="fr-FR" sz="6500" kern="1200" dirty="0"/>
+            </a:p>
+          </p:txBody>
+        </p:sp>
+      </p:grpSp>
+      <p:sp>
+        <p:nvSpPr>
+          <p:cNvPr id="45" name="Flèche droite 44"/>
+          <p:cNvSpPr/>
+          <p:nvPr/>
+        </p:nvSpPr>
+        <p:spPr>
+          <a:xfrm>
+            <a:off x="16077339" y="5240618"/>
+            <a:ext cx="10655129" cy="1341120"/>
+          </a:xfrm>
+          <a:prstGeom prst="rightArrow">
+            <a:avLst>
+              <a:gd name="adj1" fmla="val 40909"/>
+              <a:gd name="adj2" fmla="val 125000"/>
+            </a:avLst>
+          </a:prstGeom>
+          <a:solidFill>
+            <a:srgbClr val="FFC000"/>
+          </a:solidFill>
+          <a:ln>
+            <a:noFill/>
+          </a:ln>
+        </p:spPr>
+        <p:style>
+          <a:lnRef idx="2">
+            <a:schemeClr val="accent1">
+              <a:shade val="50000"/>
+            </a:schemeClr>
+          </a:lnRef>
+          <a:fillRef idx="1">
+            <a:schemeClr val="accent1"/>
+          </a:fillRef>
+          <a:effectRef idx="0">
+            <a:schemeClr val="accent1"/>
+          </a:effectRef>
+          <a:fontRef idx="minor">
+            <a:schemeClr val="lt1"/>
+          </a:fontRef>
+        </p:style>
+        <p:txBody>
+          <a:bodyPr rtlCol="0" anchor="ctr"/>
+          <a:lstStyle/>
+          <a:p>
+            <a:pPr algn="ctr"/>
+            <a:endParaRPr lang="fr-FR"/>
+          </a:p>
+        </p:txBody>
+      </p:sp>
+      <p:sp>
+        <p:nvSpPr>
+          <p:cNvPr id="46" name="Flèche droite 45"/>
+          <p:cNvSpPr/>
+          <p:nvPr/>
+        </p:nvSpPr>
+        <p:spPr>
+          <a:xfrm rot="5400000">
+            <a:off x="35567518" y="12165435"/>
+            <a:ext cx="10655129" cy="1341120"/>
+          </a:xfrm>
+          <a:prstGeom prst="rightArrow">
+            <a:avLst>
+              <a:gd name="adj1" fmla="val 40909"/>
+              <a:gd name="adj2" fmla="val 125000"/>
+            </a:avLst>
+          </a:prstGeom>
+          <a:solidFill>
+            <a:srgbClr val="FFC000"/>
+          </a:solidFill>
+          <a:ln>
+            <a:noFill/>
+          </a:ln>
+        </p:spPr>
+        <p:style>
+          <a:lnRef idx="2">
+            <a:schemeClr val="accent1">
+              <a:shade val="50000"/>
+            </a:schemeClr>
+          </a:lnRef>
+          <a:fillRef idx="1">
+            <a:schemeClr val="accent1"/>
+          </a:fillRef>
+          <a:effectRef idx="0">
+            <a:schemeClr val="accent1"/>
+          </a:effectRef>
+          <a:fontRef idx="minor">
+            <a:schemeClr val="lt1"/>
+          </a:fontRef>
+        </p:style>
+        <p:txBody>
+          <a:bodyPr rtlCol="0" anchor="ctr"/>
+          <a:lstStyle/>
+          <a:p>
+            <a:pPr algn="ctr"/>
+            <a:endParaRPr lang="fr-FR"/>
+          </a:p>
+        </p:txBody>
+      </p:sp>
+      <p:sp>
+        <p:nvSpPr>
+          <p:cNvPr id="47" name="Flèche droite 46"/>
+          <p:cNvSpPr/>
+          <p:nvPr/>
+        </p:nvSpPr>
+        <p:spPr>
+          <a:xfrm rot="10800000">
+            <a:off x="16074316" y="28353451"/>
+            <a:ext cx="10655129" cy="1341120"/>
+          </a:xfrm>
+          <a:prstGeom prst="rightArrow">
+            <a:avLst>
+              <a:gd name="adj1" fmla="val 40909"/>
+              <a:gd name="adj2" fmla="val 125000"/>
+            </a:avLst>
+          </a:prstGeom>
+          <a:solidFill>
+            <a:srgbClr val="FFC000"/>
+          </a:solidFill>
+          <a:ln>
+            <a:noFill/>
+          </a:ln>
+        </p:spPr>
+        <p:style>
+          <a:lnRef idx="2">
+            <a:schemeClr val="accent1">
+              <a:shade val="50000"/>
+            </a:schemeClr>
+          </a:lnRef>
+          <a:fillRef idx="1">
+            <a:schemeClr val="accent1"/>
+          </a:fillRef>
+          <a:effectRef idx="0">
+            <a:schemeClr val="accent1"/>
+          </a:effectRef>
+          <a:fontRef idx="minor">
+            <a:schemeClr val="lt1"/>
+          </a:fontRef>
+        </p:style>
+        <p:txBody>
+          <a:bodyPr rtlCol="0" anchor="ctr"/>
+          <a:lstStyle/>
+          <a:p>
+            <a:pPr algn="ctr"/>
+            <a:endParaRPr lang="fr-FR"/>
+          </a:p>
+        </p:txBody>
+      </p:sp>
+      <p:sp>
+        <p:nvSpPr>
+          <p:cNvPr id="48" name="Flèche droite 47"/>
+          <p:cNvSpPr/>
+          <p:nvPr/>
+        </p:nvSpPr>
+        <p:spPr>
+          <a:xfrm rot="16200000">
+            <a:off x="-3939370" y="13382347"/>
+            <a:ext cx="10655129" cy="1341120"/>
+          </a:xfrm>
+          <a:prstGeom prst="rightArrow">
+            <a:avLst>
+              <a:gd name="adj1" fmla="val 40909"/>
+              <a:gd name="adj2" fmla="val 125000"/>
+            </a:avLst>
+          </a:prstGeom>
+          <a:solidFill>
+            <a:srgbClr val="FFC000"/>
+          </a:solidFill>
+          <a:ln>
+            <a:noFill/>
+          </a:ln>
+        </p:spPr>
+        <p:style>
+          <a:lnRef idx="2">
+            <a:schemeClr val="accent1">
+              <a:shade val="50000"/>
+            </a:schemeClr>
+          </a:lnRef>
+          <a:fillRef idx="1">
+            <a:schemeClr val="accent1"/>
+          </a:fillRef>
+          <a:effectRef idx="0">
+            <a:schemeClr val="accent1"/>
+          </a:effectRef>
+          <a:fontRef idx="minor">
+            <a:schemeClr val="lt1"/>
+          </a:fontRef>
+        </p:style>
+        <p:txBody>
+          <a:bodyPr rtlCol="0" anchor="ctr"/>
+          <a:lstStyle/>
+          <a:p>
+            <a:pPr algn="ctr"/>
+            <a:endParaRPr lang="fr-FR"/>
+          </a:p>
+        </p:txBody>
+      </p:sp>
+      <p:sp>
+        <p:nvSpPr>
+          <p:cNvPr id="21" name="ZoneTexte 20"/>
+          <p:cNvSpPr txBox="1"/>
+          <p:nvPr/>
+        </p:nvSpPr>
+        <p:spPr>
+          <a:xfrm>
+            <a:off x="2776390" y="7698987"/>
+            <a:ext cx="10149558" cy="6370975"/>
+          </a:xfrm>
+          <a:prstGeom prst="rect">
+            <a:avLst/>
+          </a:prstGeom>
+          <a:noFill/>
+        </p:spPr>
+        <p:txBody>
+          <a:bodyPr wrap="square" rtlCol="0">
+            <a:spAutoFit/>
+          </a:bodyPr>
+          <a:lstStyle/>
+          <a:p>
+            <a:r>
+              <a:rPr lang="fr-FR" sz="4400" b="1" dirty="0" smtClean="0">
+                <a:latin typeface="Times New Roman" panose="02020603050405020304" pitchFamily="18" charset="0"/>
+                <a:cs typeface="Times New Roman" panose="02020603050405020304" pitchFamily="18" charset="0"/>
+              </a:rPr>
+              <a:t>Attendus Physiques :</a:t>
+            </a:r>
+          </a:p>
+          <a:p>
+            <a:pPr marL="857250" indent="-857250">
+              <a:buFont typeface="Arial" panose="020B0604020202020204" pitchFamily="34" charset="0"/>
+              <a:buChar char="•"/>
+            </a:pPr>
+            <a:r>
+              <a:rPr lang="fr-FR" sz="4000" dirty="0" smtClean="0">
+                <a:latin typeface="Times New Roman" panose="02020603050405020304" pitchFamily="18" charset="0"/>
+                <a:cs typeface="Times New Roman" panose="02020603050405020304" pitchFamily="18" charset="0"/>
+              </a:rPr>
+              <a:t>Mini frigo</a:t>
+            </a:r>
+          </a:p>
+          <a:p>
+            <a:pPr marL="857250" indent="-857250">
+              <a:buFont typeface="Arial" panose="020B0604020202020204" pitchFamily="34" charset="0"/>
+              <a:buChar char="•"/>
+            </a:pPr>
+            <a:r>
+              <a:rPr lang="fr-FR" sz="4000" dirty="0" smtClean="0">
+                <a:latin typeface="Times New Roman" panose="02020603050405020304" pitchFamily="18" charset="0"/>
+                <a:cs typeface="Times New Roman" panose="02020603050405020304" pitchFamily="18" charset="0"/>
+              </a:rPr>
+              <a:t>Régulation de la température</a:t>
+            </a:r>
+          </a:p>
+          <a:p>
+            <a:pPr marL="857250" indent="-857250">
+              <a:buFont typeface="Arial" panose="020B0604020202020204" pitchFamily="34" charset="0"/>
+              <a:buChar char="•"/>
+            </a:pPr>
+            <a:endParaRPr lang="fr-FR" sz="4000" dirty="0">
+              <a:latin typeface="Times New Roman" panose="02020603050405020304" pitchFamily="18" charset="0"/>
+              <a:cs typeface="Times New Roman" panose="02020603050405020304" pitchFamily="18" charset="0"/>
+            </a:endParaRPr>
+          </a:p>
+          <a:p>
+            <a:r>
+              <a:rPr lang="fr-FR" sz="4400" b="1" dirty="0" smtClean="0">
+                <a:latin typeface="Times New Roman" panose="02020603050405020304" pitchFamily="18" charset="0"/>
+                <a:cs typeface="Times New Roman" panose="02020603050405020304" pitchFamily="18" charset="0"/>
+              </a:rPr>
+              <a:t>Attendus Applicatifs :</a:t>
+            </a:r>
+          </a:p>
+          <a:p>
+            <a:pPr marL="857250" indent="-857250">
+              <a:buFont typeface="Arial" panose="020B0604020202020204" pitchFamily="34" charset="0"/>
+              <a:buChar char="•"/>
+            </a:pPr>
+            <a:r>
+              <a:rPr lang="fr-FR" sz="4000" dirty="0" smtClean="0">
+                <a:latin typeface="Times New Roman" panose="02020603050405020304" pitchFamily="18" charset="0"/>
+                <a:cs typeface="Times New Roman" panose="02020603050405020304" pitchFamily="18" charset="0"/>
+              </a:rPr>
+              <a:t>Visualisation de la température intérieure</a:t>
+            </a:r>
+          </a:p>
+          <a:p>
+            <a:pPr marL="857250" indent="-857250">
+              <a:buFont typeface="Arial" panose="020B0604020202020204" pitchFamily="34" charset="0"/>
+              <a:buChar char="•"/>
+            </a:pPr>
+            <a:r>
+              <a:rPr lang="fr-FR" sz="4000" dirty="0">
+                <a:latin typeface="Times New Roman" panose="02020603050405020304" pitchFamily="18" charset="0"/>
+                <a:cs typeface="Times New Roman" panose="02020603050405020304" pitchFamily="18" charset="0"/>
+              </a:rPr>
+              <a:t>Visualisation de </a:t>
+            </a:r>
+            <a:r>
+              <a:rPr lang="fr-FR" sz="4000" dirty="0" smtClean="0">
+                <a:latin typeface="Times New Roman" panose="02020603050405020304" pitchFamily="18" charset="0"/>
+                <a:cs typeface="Times New Roman" panose="02020603050405020304" pitchFamily="18" charset="0"/>
+              </a:rPr>
+              <a:t>la température extérieure</a:t>
+            </a:r>
+          </a:p>
+          <a:p>
+            <a:pPr marL="857250" indent="-857250">
+              <a:buFont typeface="Arial" panose="020B0604020202020204" pitchFamily="34" charset="0"/>
+              <a:buChar char="•"/>
+            </a:pPr>
+            <a:r>
+              <a:rPr lang="fr-FR" sz="4000" dirty="0">
+                <a:latin typeface="Times New Roman" panose="02020603050405020304" pitchFamily="18" charset="0"/>
+                <a:cs typeface="Times New Roman" panose="02020603050405020304" pitchFamily="18" charset="0"/>
+              </a:rPr>
+              <a:t>Visualisation de </a:t>
+            </a:r>
+            <a:r>
+              <a:rPr lang="fr-FR" sz="4000" dirty="0" smtClean="0">
+                <a:latin typeface="Times New Roman" panose="02020603050405020304" pitchFamily="18" charset="0"/>
+                <a:cs typeface="Times New Roman" panose="02020603050405020304" pitchFamily="18" charset="0"/>
+              </a:rPr>
+              <a:t>la température de consigne</a:t>
+            </a:r>
+          </a:p>
+          <a:p>
+            <a:pPr marL="857250" indent="-857250">
+              <a:buFont typeface="Arial" panose="020B0604020202020204" pitchFamily="34" charset="0"/>
+              <a:buChar char="•"/>
+            </a:pPr>
+            <a:r>
+              <a:rPr lang="fr-FR" sz="4000" dirty="0">
+                <a:latin typeface="Times New Roman" panose="02020603050405020304" pitchFamily="18" charset="0"/>
+                <a:cs typeface="Times New Roman" panose="02020603050405020304" pitchFamily="18" charset="0"/>
+              </a:rPr>
+              <a:t>Visualisation de </a:t>
+            </a:r>
+            <a:r>
+              <a:rPr lang="fr-FR" sz="4000" dirty="0" smtClean="0">
+                <a:latin typeface="Times New Roman" panose="02020603050405020304" pitchFamily="18" charset="0"/>
+                <a:cs typeface="Times New Roman" panose="02020603050405020304" pitchFamily="18" charset="0"/>
+              </a:rPr>
+              <a:t>l’humidité</a:t>
+            </a:r>
+          </a:p>
+          <a:p>
+            <a:pPr marL="857250" indent="-857250">
+              <a:buFont typeface="Arial" panose="020B0604020202020204" pitchFamily="34" charset="0"/>
+              <a:buChar char="•"/>
+            </a:pPr>
+            <a:r>
+              <a:rPr lang="fr-FR" sz="4000" dirty="0" smtClean="0">
+                <a:latin typeface="Times New Roman" panose="02020603050405020304" pitchFamily="18" charset="0"/>
+                <a:cs typeface="Times New Roman" panose="02020603050405020304" pitchFamily="18" charset="0"/>
+              </a:rPr>
+              <a:t>Modification de la température de consigne</a:t>
+            </a:r>
+            <a:endParaRPr lang="fr-FR" sz="4000" dirty="0">
+              <a:latin typeface="Times New Roman" panose="02020603050405020304" pitchFamily="18" charset="0"/>
+              <a:cs typeface="Times New Roman" panose="02020603050405020304" pitchFamily="18" charset="0"/>
+            </a:endParaRPr>
+          </a:p>
+        </p:txBody>
+      </p:sp>
+      <p:sp>
+        <p:nvSpPr>
+          <p:cNvPr id="49" name="ZoneTexte 48"/>
+          <p:cNvSpPr txBox="1"/>
+          <p:nvPr/>
+        </p:nvSpPr>
+        <p:spPr>
+          <a:xfrm>
+            <a:off x="22139627" y="13875199"/>
+            <a:ext cx="13670280" cy="3416320"/>
+          </a:xfrm>
+          <a:prstGeom prst="rect">
+            <a:avLst/>
+          </a:prstGeom>
+          <a:noFill/>
+        </p:spPr>
+        <p:txBody>
+          <a:bodyPr wrap="square" rtlCol="0">
+            <a:spAutoFit/>
+          </a:bodyPr>
+          <a:lstStyle/>
+          <a:p>
+            <a:r>
+              <a:rPr lang="fr-FR" sz="7200" dirty="0" err="1" smtClean="0">
+                <a:latin typeface="Times New Roman" panose="02020603050405020304" pitchFamily="18" charset="0"/>
+                <a:cs typeface="Times New Roman" panose="02020603050405020304" pitchFamily="18" charset="0"/>
+              </a:rPr>
+              <a:t>Diag</a:t>
+            </a:r>
+            <a:r>
+              <a:rPr lang="fr-FR" sz="7200" dirty="0" smtClean="0">
+                <a:latin typeface="Times New Roman" panose="02020603050405020304" pitchFamily="18" charset="0"/>
+                <a:cs typeface="Times New Roman" panose="02020603050405020304" pitchFamily="18" charset="0"/>
+              </a:rPr>
+              <a:t> Composant, Choix Techniques et fonctionnement : Peltier, Pont Diviseur, Sciences</a:t>
+            </a:r>
+            <a:endParaRPr lang="fr-FR" sz="7200" dirty="0">
+              <a:latin typeface="Times New Roman" panose="02020603050405020304" pitchFamily="18" charset="0"/>
+              <a:cs typeface="Times New Roman" panose="02020603050405020304" pitchFamily="18" charset="0"/>
+            </a:endParaRPr>
+          </a:p>
+        </p:txBody>
+      </p:sp>
+      <p:sp>
+        <p:nvSpPr>
+          <p:cNvPr id="50" name="ZoneTexte 49"/>
+          <p:cNvSpPr txBox="1"/>
+          <p:nvPr/>
+        </p:nvSpPr>
+        <p:spPr>
+          <a:xfrm>
+            <a:off x="25727524" y="20594051"/>
+            <a:ext cx="13670280" cy="1200329"/>
+          </a:xfrm>
+          <a:prstGeom prst="rect">
+            <a:avLst/>
+          </a:prstGeom>
+          <a:noFill/>
+        </p:spPr>
+        <p:txBody>
+          <a:bodyPr wrap="square" rtlCol="0">
+            <a:spAutoFit/>
+          </a:bodyPr>
+          <a:lstStyle/>
+          <a:p>
+            <a:r>
+              <a:rPr lang="fr-FR" sz="7200" dirty="0" smtClean="0">
+                <a:latin typeface="Times New Roman" panose="02020603050405020304" pitchFamily="18" charset="0"/>
+                <a:cs typeface="Times New Roman" panose="02020603050405020304" pitchFamily="18" charset="0"/>
+              </a:rPr>
+              <a:t>Code, UML, </a:t>
+            </a:r>
+            <a:r>
+              <a:rPr lang="fr-FR" sz="7200" dirty="0" err="1" smtClean="0">
+                <a:latin typeface="Times New Roman" panose="02020603050405020304" pitchFamily="18" charset="0"/>
+                <a:cs typeface="Times New Roman" panose="02020603050405020304" pitchFamily="18" charset="0"/>
+              </a:rPr>
+              <a:t>Diag</a:t>
+            </a:r>
+            <a:r>
+              <a:rPr lang="fr-FR" sz="7200" dirty="0" smtClean="0">
+                <a:latin typeface="Times New Roman" panose="02020603050405020304" pitchFamily="18" charset="0"/>
+                <a:cs typeface="Times New Roman" panose="02020603050405020304" pitchFamily="18" charset="0"/>
+              </a:rPr>
+              <a:t> </a:t>
+            </a:r>
+            <a:r>
+              <a:rPr lang="fr-FR" sz="7200" dirty="0" err="1" smtClean="0">
+                <a:latin typeface="Times New Roman" panose="02020603050405020304" pitchFamily="18" charset="0"/>
+                <a:cs typeface="Times New Roman" panose="02020603050405020304" pitchFamily="18" charset="0"/>
+              </a:rPr>
+              <a:t>Sequence</a:t>
+            </a:r>
+            <a:endParaRPr lang="fr-FR" sz="7200" dirty="0">
+              <a:latin typeface="Times New Roman" panose="02020603050405020304" pitchFamily="18" charset="0"/>
+              <a:cs typeface="Times New Roman" panose="02020603050405020304" pitchFamily="18" charset="0"/>
+            </a:endParaRPr>
+          </a:p>
+        </p:txBody>
+      </p:sp>
+      <p:sp>
+        <p:nvSpPr>
+          <p:cNvPr id="51" name="ZoneTexte 50"/>
+          <p:cNvSpPr txBox="1"/>
+          <p:nvPr/>
+        </p:nvSpPr>
+        <p:spPr>
+          <a:xfrm>
+            <a:off x="3246120" y="20594050"/>
+            <a:ext cx="13670280" cy="2308324"/>
+          </a:xfrm>
+          <a:prstGeom prst="rect">
+            <a:avLst/>
+          </a:prstGeom>
+          <a:noFill/>
+        </p:spPr>
+        <p:txBody>
+          <a:bodyPr wrap="square" rtlCol="0">
+            <a:spAutoFit/>
+          </a:bodyPr>
+          <a:lstStyle/>
+          <a:p>
+            <a:r>
+              <a:rPr lang="fr-FR" sz="7200" dirty="0" smtClean="0">
+                <a:latin typeface="Times New Roman" panose="02020603050405020304" pitchFamily="18" charset="0"/>
+                <a:cs typeface="Times New Roman" panose="02020603050405020304" pitchFamily="18" charset="0"/>
+              </a:rPr>
+              <a:t>Tests fonctionnels, Retour d’expérience</a:t>
+            </a:r>
+            <a:endParaRPr lang="fr-FR" sz="7200" dirty="0">
+              <a:latin typeface="Times New Roman" panose="02020603050405020304" pitchFamily="18" charset="0"/>
+              <a:cs typeface="Times New Roman" panose="02020603050405020304" pitchFamily="18" charset="0"/>
+            </a:endParaRPr>
+          </a:p>
+        </p:txBody>
+      </p:sp>
+      <p:sp>
+        <p:nvSpPr>
+          <p:cNvPr id="23" name="ZoneTexte 22"/>
+          <p:cNvSpPr txBox="1"/>
+          <p:nvPr/>
+        </p:nvSpPr>
+        <p:spPr>
+          <a:xfrm>
+            <a:off x="12925948" y="7698987"/>
+            <a:ext cx="7408984" cy="10002738"/>
+          </a:xfrm>
+          <a:prstGeom prst="rect">
+            <a:avLst/>
+          </a:prstGeom>
+          <a:noFill/>
+        </p:spPr>
+        <p:txBody>
+          <a:bodyPr wrap="square" rtlCol="0">
+            <a:spAutoFit/>
+          </a:bodyPr>
+          <a:lstStyle/>
+          <a:p>
+            <a:r>
+              <a:rPr lang="fr-FR" sz="4400" b="1" dirty="0" smtClean="0">
+                <a:latin typeface="Times New Roman" panose="02020603050405020304" pitchFamily="18" charset="0"/>
+                <a:cs typeface="Times New Roman" panose="02020603050405020304" pitchFamily="18" charset="0"/>
+              </a:rPr>
+              <a:t>Livrables :</a:t>
+            </a:r>
+          </a:p>
+          <a:p>
+            <a:pPr marL="571500" indent="-571500">
+              <a:buFont typeface="Arial" panose="020B0604020202020204" pitchFamily="34" charset="0"/>
+              <a:buChar char="•"/>
+            </a:pPr>
+            <a:r>
+              <a:rPr lang="fr-FR" sz="4000" dirty="0" smtClean="0">
+                <a:latin typeface="Times New Roman" panose="02020603050405020304" pitchFamily="18" charset="0"/>
+                <a:cs typeface="Times New Roman" panose="02020603050405020304" pitchFamily="18" charset="0"/>
+              </a:rPr>
+              <a:t>Gestion de Projet</a:t>
+            </a:r>
+          </a:p>
+          <a:p>
+            <a:pPr marL="2720705" lvl="1" indent="-571500">
+              <a:buFont typeface="Arial" panose="020B0604020202020204" pitchFamily="34" charset="0"/>
+              <a:buChar char="•"/>
+            </a:pPr>
+            <a:r>
+              <a:rPr lang="fr-FR" sz="4000" dirty="0" smtClean="0">
+                <a:latin typeface="Times New Roman" panose="02020603050405020304" pitchFamily="18" charset="0"/>
+                <a:cs typeface="Times New Roman" panose="02020603050405020304" pitchFamily="18" charset="0"/>
+              </a:rPr>
+              <a:t>OBS</a:t>
+            </a:r>
+          </a:p>
+          <a:p>
+            <a:pPr marL="2720705" lvl="1" indent="-571500">
+              <a:buFont typeface="Arial" panose="020B0604020202020204" pitchFamily="34" charset="0"/>
+              <a:buChar char="•"/>
+            </a:pPr>
+            <a:r>
+              <a:rPr lang="fr-FR" sz="4000" dirty="0" smtClean="0">
+                <a:latin typeface="Times New Roman" panose="02020603050405020304" pitchFamily="18" charset="0"/>
+                <a:cs typeface="Times New Roman" panose="02020603050405020304" pitchFamily="18" charset="0"/>
+              </a:rPr>
+              <a:t>WBS</a:t>
+            </a:r>
+          </a:p>
+          <a:p>
+            <a:pPr marL="2720705" lvl="1" indent="-571500">
+              <a:buFont typeface="Arial" panose="020B0604020202020204" pitchFamily="34" charset="0"/>
+              <a:buChar char="•"/>
+            </a:pPr>
+            <a:r>
+              <a:rPr lang="fr-FR" sz="4000" dirty="0" smtClean="0">
+                <a:latin typeface="Times New Roman" panose="02020603050405020304" pitchFamily="18" charset="0"/>
+                <a:cs typeface="Times New Roman" panose="02020603050405020304" pitchFamily="18" charset="0"/>
+              </a:rPr>
+              <a:t>Planning Prévisionnel</a:t>
+            </a:r>
+          </a:p>
+          <a:p>
+            <a:pPr marL="571500" indent="-571500">
+              <a:buFont typeface="Arial" panose="020B0604020202020204" pitchFamily="34" charset="0"/>
+              <a:buChar char="•"/>
+            </a:pPr>
+            <a:r>
+              <a:rPr lang="fr-FR" sz="4000" dirty="0" smtClean="0">
+                <a:latin typeface="Times New Roman" panose="02020603050405020304" pitchFamily="18" charset="0"/>
+                <a:cs typeface="Times New Roman" panose="02020603050405020304" pitchFamily="18" charset="0"/>
+              </a:rPr>
+              <a:t>Diagrammes</a:t>
+            </a:r>
+            <a:endParaRPr lang="fr-FR" sz="4000" dirty="0" smtClean="0">
+              <a:latin typeface="Times New Roman" panose="02020603050405020304" pitchFamily="18" charset="0"/>
+              <a:cs typeface="Times New Roman" panose="02020603050405020304" pitchFamily="18" charset="0"/>
+            </a:endParaRPr>
+          </a:p>
+          <a:p>
+            <a:pPr marL="2720705" lvl="1" indent="-571500">
+              <a:buFont typeface="Arial" panose="020B0604020202020204" pitchFamily="34" charset="0"/>
+              <a:buChar char="•"/>
+            </a:pPr>
+            <a:r>
+              <a:rPr lang="fr-FR" sz="4000" dirty="0" smtClean="0">
+                <a:latin typeface="Times New Roman" panose="02020603050405020304" pitchFamily="18" charset="0"/>
+                <a:cs typeface="Times New Roman" panose="02020603050405020304" pitchFamily="18" charset="0"/>
+              </a:rPr>
+              <a:t>Cas d’Utilisation</a:t>
+            </a:r>
+          </a:p>
+          <a:p>
+            <a:pPr marL="2720705" lvl="1" indent="-571500">
+              <a:buFont typeface="Arial" panose="020B0604020202020204" pitchFamily="34" charset="0"/>
+              <a:buChar char="•"/>
+            </a:pPr>
+            <a:r>
+              <a:rPr lang="fr-FR" sz="4000" dirty="0" smtClean="0">
+                <a:latin typeface="Times New Roman" panose="02020603050405020304" pitchFamily="18" charset="0"/>
+                <a:cs typeface="Times New Roman" panose="02020603050405020304" pitchFamily="18" charset="0"/>
+              </a:rPr>
+              <a:t>Composants</a:t>
+            </a:r>
+          </a:p>
+          <a:p>
+            <a:pPr marL="2720705" lvl="1" indent="-571500">
+              <a:buFont typeface="Arial" panose="020B0604020202020204" pitchFamily="34" charset="0"/>
+              <a:buChar char="•"/>
+            </a:pPr>
+            <a:r>
+              <a:rPr lang="fr-FR" sz="4000" dirty="0" smtClean="0">
+                <a:latin typeface="Times New Roman" panose="02020603050405020304" pitchFamily="18" charset="0"/>
+                <a:cs typeface="Times New Roman" panose="02020603050405020304" pitchFamily="18" charset="0"/>
+              </a:rPr>
+              <a:t>Classes</a:t>
+            </a:r>
+          </a:p>
+          <a:p>
+            <a:pPr marL="2720705" lvl="1" indent="-571500">
+              <a:buFont typeface="Arial" panose="020B0604020202020204" pitchFamily="34" charset="0"/>
+              <a:buChar char="•"/>
+            </a:pPr>
+            <a:r>
+              <a:rPr lang="fr-FR" sz="4000" dirty="0" smtClean="0">
+                <a:latin typeface="Times New Roman" panose="02020603050405020304" pitchFamily="18" charset="0"/>
+                <a:cs typeface="Times New Roman" panose="02020603050405020304" pitchFamily="18" charset="0"/>
+              </a:rPr>
+              <a:t>Séquence</a:t>
+            </a:r>
+          </a:p>
+          <a:p>
+            <a:pPr marL="571500" indent="-571500">
+              <a:buFont typeface="Arial" panose="020B0604020202020204" pitchFamily="34" charset="0"/>
+              <a:buChar char="•"/>
+            </a:pPr>
+            <a:r>
+              <a:rPr lang="fr-FR" sz="4000" dirty="0" smtClean="0">
+                <a:latin typeface="Times New Roman" panose="02020603050405020304" pitchFamily="18" charset="0"/>
+                <a:cs typeface="Times New Roman" panose="02020603050405020304" pitchFamily="18" charset="0"/>
+              </a:rPr>
+              <a:t>Documentation</a:t>
+            </a:r>
+          </a:p>
+          <a:p>
+            <a:pPr marL="571500" indent="-571500">
+              <a:buFont typeface="Arial" panose="020B0604020202020204" pitchFamily="34" charset="0"/>
+              <a:buChar char="•"/>
+            </a:pPr>
+            <a:r>
+              <a:rPr lang="fr-FR" sz="4000" dirty="0" smtClean="0">
+                <a:latin typeface="Times New Roman" panose="02020603050405020304" pitchFamily="18" charset="0"/>
+                <a:cs typeface="Times New Roman" panose="02020603050405020304" pitchFamily="18" charset="0"/>
+              </a:rPr>
+              <a:t>Tests fonctionnels</a:t>
+            </a:r>
+          </a:p>
+          <a:p>
+            <a:pPr marL="571500" indent="-571500">
+              <a:buFont typeface="Arial" panose="020B0604020202020204" pitchFamily="34" charset="0"/>
+              <a:buChar char="•"/>
+            </a:pPr>
+            <a:r>
+              <a:rPr lang="fr-FR" sz="4000" dirty="0" smtClean="0">
+                <a:latin typeface="Times New Roman" panose="02020603050405020304" pitchFamily="18" charset="0"/>
+                <a:cs typeface="Times New Roman" panose="02020603050405020304" pitchFamily="18" charset="0"/>
+              </a:rPr>
+              <a:t>Application</a:t>
+            </a:r>
+          </a:p>
+          <a:p>
+            <a:pPr marL="571500" indent="-571500">
+              <a:buFont typeface="Arial" panose="020B0604020202020204" pitchFamily="34" charset="0"/>
+              <a:buChar char="•"/>
+            </a:pPr>
+            <a:r>
+              <a:rPr lang="fr-FR" sz="4000" dirty="0" smtClean="0">
+                <a:latin typeface="Times New Roman" panose="02020603050405020304" pitchFamily="18" charset="0"/>
+                <a:cs typeface="Times New Roman" panose="02020603050405020304" pitchFamily="18" charset="0"/>
+              </a:rPr>
+              <a:t>Mini Frigo</a:t>
+            </a:r>
+          </a:p>
+          <a:p>
+            <a:pPr marL="571500" indent="-571500">
+              <a:buFont typeface="Arial" panose="020B0604020202020204" pitchFamily="34" charset="0"/>
+              <a:buChar char="•"/>
+            </a:pPr>
+            <a:r>
+              <a:rPr lang="fr-FR" sz="4000" dirty="0" smtClean="0">
+                <a:latin typeface="Times New Roman" panose="02020603050405020304" pitchFamily="18" charset="0"/>
+                <a:cs typeface="Times New Roman" panose="02020603050405020304" pitchFamily="18" charset="0"/>
+              </a:rPr>
+              <a:t>Poster</a:t>
+            </a:r>
+          </a:p>
+          <a:p>
+            <a:pPr marL="571500" indent="-571500">
+              <a:buFont typeface="Arial" panose="020B0604020202020204" pitchFamily="34" charset="0"/>
+              <a:buChar char="•"/>
+            </a:pPr>
+            <a:r>
+              <a:rPr lang="fr-FR" sz="4000" dirty="0" smtClean="0">
+                <a:latin typeface="Times New Roman" panose="02020603050405020304" pitchFamily="18" charset="0"/>
+                <a:cs typeface="Times New Roman" panose="02020603050405020304" pitchFamily="18" charset="0"/>
+              </a:rPr>
+              <a:t>Rapport de Projet	</a:t>
+            </a:r>
+            <a:endParaRPr lang="fr-FR" sz="4000" dirty="0">
+              <a:latin typeface="Times New Roman" panose="02020603050405020304" pitchFamily="18" charset="0"/>
+              <a:cs typeface="Times New Roman" panose="02020603050405020304" pitchFamily="18" charset="0"/>
+            </a:endParaRPr>
+          </a:p>
+        </p:txBody>
+      </p:sp>
+      <p:sp>
+        <p:nvSpPr>
+          <p:cNvPr id="52" name="ZoneTexte 51"/>
+          <p:cNvSpPr txBox="1"/>
+          <p:nvPr/>
+        </p:nvSpPr>
+        <p:spPr>
+          <a:xfrm>
+            <a:off x="32641829" y="7846482"/>
+            <a:ext cx="7408984" cy="769441"/>
+          </a:xfrm>
+          <a:prstGeom prst="rect">
+            <a:avLst/>
+          </a:prstGeom>
+          <a:noFill/>
+        </p:spPr>
+        <p:txBody>
+          <a:bodyPr wrap="square" rtlCol="0">
+            <a:spAutoFit/>
+          </a:bodyPr>
+          <a:lstStyle/>
+          <a:p>
+            <a:r>
+              <a:rPr lang="fr-FR" sz="4400" b="1" dirty="0" err="1" smtClean="0">
+                <a:latin typeface="Times New Roman" panose="02020603050405020304" pitchFamily="18" charset="0"/>
+                <a:cs typeface="Times New Roman" panose="02020603050405020304" pitchFamily="18" charset="0"/>
+              </a:rPr>
+              <a:t>fsfsd</a:t>
+            </a:r>
+            <a:endParaRPr lang="fr-FR" sz="4400" b="1" dirty="0">
+              <a:latin typeface="Times New Roman" panose="02020603050405020304" pitchFamily="18" charset="0"/>
+              <a:cs typeface="Times New Roman" panose="02020603050405020304" pitchFamily="18" charset="0"/>
+            </a:endParaRPr>
+          </a:p>
+        </p:txBody>
+      </p:sp>
+      <p:pic>
+        <p:nvPicPr>
+          <p:cNvPr id="28" name="Image 27"/>
+          <p:cNvPicPr>
+            <a:picLocks noChangeAspect="1"/>
+          </p:cNvPicPr>
+          <p:nvPr/>
+        </p:nvPicPr>
+        <p:blipFill>
+          <a:blip r:embed="rId3">
+            <a:extLst>
+              <a:ext uri="{28A0092B-C50C-407E-A947-70E740481C1C}">
+                <a14:useLocalDpi xmlns:a14="http://schemas.microsoft.com/office/drawing/2010/main" val="0"/>
+              </a:ext>
+            </a:extLst>
+          </a:blip>
+          <a:stretch>
+            <a:fillRect/>
+          </a:stretch>
+        </p:blipFill>
+        <p:spPr>
+          <a:xfrm>
+            <a:off x="21565783" y="7508827"/>
+            <a:ext cx="10902338" cy="6561135"/>
+          </a:xfrm>
+          <a:prstGeom prst="rect">
+            <a:avLst/>
+          </a:prstGeom>
+        </p:spPr>
+      </p:pic>
+      <p:pic>
+        <p:nvPicPr>
+          <p:cNvPr id="29" name="Image 28"/>
+          <p:cNvPicPr>
+            <a:picLocks noChangeAspect="1"/>
+          </p:cNvPicPr>
+          <p:nvPr/>
+        </p:nvPicPr>
+        <p:blipFill>
+          <a:blip r:embed="rId4"/>
+          <a:stretch>
+            <a:fillRect/>
+          </a:stretch>
+        </p:blipFill>
+        <p:spPr>
+          <a:xfrm>
+            <a:off x="31979629" y="9040316"/>
+            <a:ext cx="6267450" cy="7458075"/>
+          </a:xfrm>
+          <a:prstGeom prst="rect">
+            <a:avLst/>
+          </a:prstGeom>
+        </p:spPr>
+      </p:pic>
     </p:spTree>
     <p:extLst>
       <p:ext uri="{BB962C8B-B14F-4D97-AF65-F5344CB8AC3E}">

--- a/livrables/PosterSoutenance.pptx
+++ b/livrables/PosterSoutenance.pptx
@@ -744,43 +744,27 @@
         <p:spPr/>
         <p:txBody>
           <a:bodyPr>
-            <a:normAutofit fontScale="40000" lnSpcReduction="20000"/>
+            <a:normAutofit fontScale="92500"/>
           </a:bodyPr>
           <a:lstStyle/>
           <a:p>
+            <a:endParaRPr lang="fr-FR" sz="6000" b="1" noProof="0" dirty="0"/>
+          </a:p>
+          <a:p>
+            <a:endParaRPr lang="fr-FR" sz="6000" b="1" noProof="0" dirty="0"/>
+          </a:p>
+          <a:p>
             <a:r>
-              <a:rPr lang="fr-FR" sz="6000" b="1" noProof="0" dirty="0" smtClean="0"/>
-              <a:t>Présentation entreprise</a:t>
-            </a:r>
-          </a:p>
-          <a:p>
-            <a:r>
-              <a:rPr lang="fr-FR" noProof="0" dirty="0" smtClean="0"/>
-              <a:t>7</a:t>
+              <a:rPr lang="fr-FR" sz="6000" b="1" noProof="0" dirty="0"/>
+              <a:t>Problèmes rencontré on peut pas </a:t>
             </a:r>
             <a:r>
-              <a:rPr lang="fr-FR" baseline="0" noProof="0" dirty="0" smtClean="0"/>
-              <a:t> employés (1 PDG, 2 </a:t>
+              <a:rPr lang="fr-FR" sz="6000" b="1" noProof="0" dirty="0" err="1"/>
+              <a:t>extend</a:t>
             </a:r>
             <a:r>
-              <a:rPr lang="fr-FR" baseline="0" noProof="0" dirty="0" smtClean="0"/>
-              <a:t>Informaticiens	, </a:t>
-            </a:r>
-            <a:r>
-              <a:rPr lang="fr-FR" baseline="0" noProof="0" dirty="0" smtClean="0"/>
-              <a:t>2 Assistantes Commerciales, 1 Secrétaire/Comptable, 1 Livreur)</a:t>
-            </a:r>
-          </a:p>
-          <a:p>
-            <a:r>
-              <a:rPr lang="fr-FR" baseline="0" noProof="0" dirty="0" smtClean="0"/>
-              <a:t>SARL Unipersonnelle (Société A Responsabilité Limité)</a:t>
-            </a:r>
-          </a:p>
-          <a:p>
-            <a:r>
-              <a:rPr lang="fr-FR" baseline="0" noProof="0" dirty="0" smtClean="0"/>
-              <a:t>Secteur d’activité : Commerce de gros, ventes aux entreprises, Consommables, Papeterie, Matériel Informatique, Impression</a:t>
+              <a:rPr lang="fr-FR" sz="6000" b="1" noProof="0" dirty="0"/>
+              <a:t> une interface</a:t>
             </a:r>
           </a:p>
         </p:txBody>
@@ -3654,15 +3638,6 @@
                 </a:rPr>
                 <a:t>PosterPresentations.com</a:t>
               </a:r>
-              <a:r>
-                <a:rPr lang="en-US" sz="2546" dirty="0">
-                  <a:solidFill>
-                    <a:schemeClr val="bg1"/>
-                  </a:solidFill>
-                  <a:latin typeface="Trebuchet MS" pitchFamily="34" charset="0"/>
-                </a:rPr>
-                <a:t/>
-              </a:r>
               <a:br>
                 <a:rPr lang="en-US" sz="2546" dirty="0">
                   <a:solidFill>
@@ -3875,15 +3850,6 @@
             </a:p>
             <a:p>
               <a:pPr algn="l"/>
-              <a:r>
-                <a:rPr lang="en-US" sz="2546" b="1" baseline="0" dirty="0">
-                  <a:solidFill>
-                    <a:schemeClr val="bg1"/>
-                  </a:solidFill>
-                  <a:latin typeface="Trebuchet MS" pitchFamily="34" charset="0"/>
-                </a:rPr>
-                <a:t/>
-              </a:r>
               <a:br>
                 <a:rPr lang="en-US" sz="2546" b="1" baseline="0" dirty="0">
                   <a:solidFill>
@@ -4501,7 +4467,7 @@
               <a:graphicData uri="http://schemas.openxmlformats.org/presentationml/2006/ole">
                 <mc:AlternateContent xmlns:mc="http://schemas.openxmlformats.org/markup-compatibility/2006">
                   <mc:Choice xmlns:v="urn:schemas-microsoft-com:vml" Requires="v">
-                    <p:oleObj spid="_x0000_s2310" name="Image" r:id="rId8" imgW="1828440" imgH="1117440" progId="Photoshop.Image.13">
+                    <p:oleObj spid="_x0000_s2318" name="Image" r:id="rId8" imgW="1828440" imgH="1117440" progId="Photoshop.Image.13">
                       <p:embed/>
                     </p:oleObj>
                   </mc:Choice>
@@ -4558,7 +4524,7 @@
               <a:graphicData uri="http://schemas.openxmlformats.org/presentationml/2006/ole">
                 <mc:AlternateContent xmlns:mc="http://schemas.openxmlformats.org/markup-compatibility/2006">
                   <mc:Choice xmlns:v="urn:schemas-microsoft-com:vml" Requires="v">
-                    <p:oleObj spid="_x0000_s2311" name="Image" r:id="rId10" imgW="1828440" imgH="1117440" progId="Photoshop.Image.13">
+                    <p:oleObj spid="_x0000_s2319" name="Image" r:id="rId10" imgW="1828440" imgH="1117440" progId="Photoshop.Image.13">
                       <p:embed/>
                     </p:oleObj>
                   </mc:Choice>
@@ -5693,7 +5659,7 @@
             <a:graphicData uri="http://schemas.openxmlformats.org/presentationml/2006/ole">
               <mc:AlternateContent xmlns:mc="http://schemas.openxmlformats.org/markup-compatibility/2006">
                 <mc:Choice xmlns:v="urn:schemas-microsoft-com:vml" Requires="v">
-                  <p:oleObj spid="_x0000_s2312" name="Image" r:id="rId12" imgW="4571280" imgH="1688760" progId="Photoshop.Image.13">
+                  <p:oleObj spid="_x0000_s2320" name="Image" r:id="rId12" imgW="4571280" imgH="1688760" progId="Photoshop.Image.13">
                     <p:embed/>
                   </p:oleObj>
                 </mc:Choice>
@@ -5777,7 +5743,7 @@
             <a:graphicData uri="http://schemas.openxmlformats.org/presentationml/2006/ole">
               <mc:AlternateContent xmlns:mc="http://schemas.openxmlformats.org/markup-compatibility/2006">
                 <mc:Choice xmlns:v="urn:schemas-microsoft-com:vml" Requires="v">
-                  <p:oleObj spid="_x0000_s2313" name="Image" r:id="rId15" imgW="1574280" imgH="1053720" progId="Photoshop.Image.13">
+                  <p:oleObj spid="_x0000_s2321" name="Image" r:id="rId15" imgW="1574280" imgH="1053720" progId="Photoshop.Image.13">
                     <p:embed/>
                   </p:oleObj>
                 </mc:Choice>
@@ -6106,14 +6072,6 @@
                 </a:solidFill>
               </a:rPr>
               <a:t>94710</a:t>
-            </a:r>
-            <a:r>
-              <a:rPr lang="en-US" sz="1698" baseline="0" dirty="0">
-                <a:solidFill>
-                  <a:schemeClr val="bg1"/>
-                </a:solidFill>
-              </a:rPr>
-              <a:t/>
             </a:r>
             <a:br>
               <a:rPr lang="en-US" sz="1698" baseline="0" dirty="0">
@@ -6514,10 +6472,9 @@
           <a:lstStyle/>
           <a:p>
             <a:r>
-              <a:rPr lang="fr-FR" dirty="0" smtClean="0"/>
+              <a:rPr lang="fr-FR" dirty="0"/>
               <a:t>Robin MAISANO – Florian VOUTERS</a:t>
             </a:r>
-            <a:endParaRPr lang="fr-FR" dirty="0"/>
           </a:p>
         </p:txBody>
       </p:sp>
@@ -6537,27 +6494,27 @@
           <a:lstStyle/>
           <a:p>
             <a:r>
-              <a:rPr lang="fr-FR" dirty="0" smtClean="0"/>
+              <a:rPr lang="fr-FR" dirty="0"/>
               <a:t>Projet : </a:t>
             </a:r>
             <a:r>
-              <a:rPr lang="fr-FR" dirty="0" err="1" smtClean="0"/>
+              <a:rPr lang="fr-FR" dirty="0" err="1"/>
               <a:t>Pimp</a:t>
             </a:r>
             <a:r>
-              <a:rPr lang="fr-FR" dirty="0" smtClean="0"/>
+              <a:rPr lang="fr-FR" dirty="0"/>
               <a:t> </a:t>
             </a:r>
             <a:r>
-              <a:rPr lang="fr-FR" dirty="0" err="1" smtClean="0"/>
+              <a:rPr lang="fr-FR" dirty="0" err="1"/>
               <a:t>My</a:t>
             </a:r>
             <a:r>
-              <a:rPr lang="fr-FR" dirty="0" smtClean="0"/>
+              <a:rPr lang="fr-FR" dirty="0"/>
               <a:t> </a:t>
             </a:r>
             <a:r>
-              <a:rPr lang="fr-FR" dirty="0" err="1" smtClean="0"/>
+              <a:rPr lang="fr-FR" dirty="0" err="1"/>
               <a:t>Fridge</a:t>
             </a:r>
             <a:endParaRPr lang="fr-FR" dirty="0"/>
@@ -6580,10 +6537,9 @@
           <a:lstStyle/>
           <a:p>
             <a:r>
-              <a:rPr lang="fr-FR" dirty="0" smtClean="0"/>
+              <a:rPr lang="fr-FR" dirty="0"/>
               <a:t>Projet Electronique A2 </a:t>
             </a:r>
-            <a:endParaRPr lang="fr-FR" dirty="0"/>
           </a:p>
         </p:txBody>
       </p:sp>
@@ -6632,10 +6588,9 @@
           <a:p>
             <a:pPr algn="ctr"/>
             <a:r>
-              <a:rPr lang="fr-FR" dirty="0" smtClean="0"/>
+              <a:rPr lang="fr-FR" dirty="0"/>
               <a:t>s</a:t>
             </a:r>
-            <a:endParaRPr lang="fr-FR" dirty="0"/>
           </a:p>
         </p:txBody>
       </p:sp>
@@ -6857,10 +6812,9 @@
                 </a:spcAft>
               </a:pPr>
               <a:r>
-                <a:rPr lang="fr-FR" sz="6500" kern="1200" dirty="0" smtClean="0"/>
+                <a:rPr lang="fr-FR" sz="6500" kern="1200" dirty="0"/>
                 <a:t>CONCEIVE</a:t>
               </a:r>
-              <a:endParaRPr lang="fr-FR" sz="6500" kern="1200" dirty="0"/>
             </a:p>
           </p:txBody>
         </p:sp>
@@ -7015,10 +6969,9 @@
                 </a:spcAft>
               </a:pPr>
               <a:r>
-                <a:rPr lang="fr-FR" sz="6500" kern="1200" dirty="0" smtClean="0"/>
+                <a:rPr lang="fr-FR" sz="6500" kern="1200" dirty="0"/>
                 <a:t>DESIGN</a:t>
               </a:r>
-              <a:endParaRPr lang="fr-FR" sz="6500" kern="1200" dirty="0"/>
             </a:p>
           </p:txBody>
         </p:sp>
@@ -7173,10 +7126,9 @@
                 </a:spcAft>
               </a:pPr>
               <a:r>
-                <a:rPr lang="fr-FR" sz="6500" kern="1200" dirty="0" smtClean="0"/>
+                <a:rPr lang="fr-FR" sz="6500" kern="1200" dirty="0"/>
                 <a:t>IMPLEMENTS</a:t>
               </a:r>
-              <a:endParaRPr lang="fr-FR" sz="6500" kern="1200" dirty="0"/>
             </a:p>
           </p:txBody>
         </p:sp>
@@ -7333,10 +7285,9 @@
                 </a:spcAft>
               </a:pPr>
               <a:r>
-                <a:rPr lang="fr-FR" sz="6500" kern="1200" dirty="0" smtClean="0"/>
+                <a:rPr lang="fr-FR" sz="6500" kern="1200" dirty="0"/>
                 <a:t>OPPERATE</a:t>
               </a:r>
-              <a:endParaRPr lang="fr-FR" sz="6500" kern="1200" dirty="0"/>
             </a:p>
           </p:txBody>
         </p:sp>
@@ -7560,69 +7511,11 @@
           <a:lstStyle/>
           <a:p>
             <a:r>
-              <a:rPr lang="fr-FR" sz="4400" b="1" dirty="0" smtClean="0">
+              <a:rPr lang="fr-FR" sz="4400" b="1" dirty="0">
                 <a:latin typeface="Times New Roman" panose="02020603050405020304" pitchFamily="18" charset="0"/>
                 <a:cs typeface="Times New Roman" panose="02020603050405020304" pitchFamily="18" charset="0"/>
               </a:rPr>
               <a:t>Attendus Physiques :</a:t>
-            </a:r>
-          </a:p>
-          <a:p>
-            <a:pPr marL="857250" indent="-857250">
-              <a:buFont typeface="Arial" panose="020B0604020202020204" pitchFamily="34" charset="0"/>
-              <a:buChar char="•"/>
-            </a:pPr>
-            <a:r>
-              <a:rPr lang="fr-FR" sz="4000" dirty="0" smtClean="0">
-                <a:latin typeface="Times New Roman" panose="02020603050405020304" pitchFamily="18" charset="0"/>
-                <a:cs typeface="Times New Roman" panose="02020603050405020304" pitchFamily="18" charset="0"/>
-              </a:rPr>
-              <a:t>Mini frigo</a:t>
-            </a:r>
-          </a:p>
-          <a:p>
-            <a:pPr marL="857250" indent="-857250">
-              <a:buFont typeface="Arial" panose="020B0604020202020204" pitchFamily="34" charset="0"/>
-              <a:buChar char="•"/>
-            </a:pPr>
-            <a:r>
-              <a:rPr lang="fr-FR" sz="4000" dirty="0" smtClean="0">
-                <a:latin typeface="Times New Roman" panose="02020603050405020304" pitchFamily="18" charset="0"/>
-                <a:cs typeface="Times New Roman" panose="02020603050405020304" pitchFamily="18" charset="0"/>
-              </a:rPr>
-              <a:t>Régulation de la température</a:t>
-            </a:r>
-          </a:p>
-          <a:p>
-            <a:pPr marL="857250" indent="-857250">
-              <a:buFont typeface="Arial" panose="020B0604020202020204" pitchFamily="34" charset="0"/>
-              <a:buChar char="•"/>
-            </a:pPr>
-            <a:endParaRPr lang="fr-FR" sz="4000" dirty="0">
-              <a:latin typeface="Times New Roman" panose="02020603050405020304" pitchFamily="18" charset="0"/>
-              <a:cs typeface="Times New Roman" panose="02020603050405020304" pitchFamily="18" charset="0"/>
-            </a:endParaRPr>
-          </a:p>
-          <a:p>
-            <a:r>
-              <a:rPr lang="fr-FR" sz="4400" b="1" dirty="0" smtClean="0">
-                <a:latin typeface="Times New Roman" panose="02020603050405020304" pitchFamily="18" charset="0"/>
-                <a:cs typeface="Times New Roman" panose="02020603050405020304" pitchFamily="18" charset="0"/>
-              </a:rPr>
-              <a:t>Attendus Applicatifs :</a:t>
-            </a:r>
-          </a:p>
-          <a:p>
-            <a:pPr marL="857250" indent="-857250">
-              <a:buFont typeface="Arial" panose="020B0604020202020204" pitchFamily="34" charset="0"/>
-              <a:buChar char="•"/>
-            </a:pPr>
-            <a:r>
-              <a:rPr lang="fr-FR" sz="4000" dirty="0" smtClean="0">
-                <a:latin typeface="Times New Roman" panose="02020603050405020304" pitchFamily="18" charset="0"/>
-                <a:cs typeface="Times New Roman" panose="02020603050405020304" pitchFamily="18" charset="0"/>
-              </a:rPr>
-              <a:t>Visualisation de la température intérieure</a:t>
             </a:r>
           </a:p>
           <a:p>
@@ -7635,14 +7528,7 @@
                 <a:latin typeface="Times New Roman" panose="02020603050405020304" pitchFamily="18" charset="0"/>
                 <a:cs typeface="Times New Roman" panose="02020603050405020304" pitchFamily="18" charset="0"/>
               </a:rPr>
-              <a:t>Visualisation de </a:t>
-            </a:r>
-            <a:r>
-              <a:rPr lang="fr-FR" sz="4000" dirty="0" smtClean="0">
-                <a:latin typeface="Times New Roman" panose="02020603050405020304" pitchFamily="18" charset="0"/>
-                <a:cs typeface="Times New Roman" panose="02020603050405020304" pitchFamily="18" charset="0"/>
-              </a:rPr>
-              <a:t>la température extérieure</a:t>
+              <a:t>Mini frigo</a:t>
             </a:r>
           </a:p>
           <a:p>
@@ -7655,14 +7541,26 @@
                 <a:latin typeface="Times New Roman" panose="02020603050405020304" pitchFamily="18" charset="0"/>
                 <a:cs typeface="Times New Roman" panose="02020603050405020304" pitchFamily="18" charset="0"/>
               </a:rPr>
-              <a:t>Visualisation de </a:t>
+              <a:t>Régulation de la température</a:t>
             </a:r>
+          </a:p>
+          <a:p>
+            <a:pPr marL="857250" indent="-857250">
+              <a:buFont typeface="Arial" panose="020B0604020202020204" pitchFamily="34" charset="0"/>
+              <a:buChar char="•"/>
+            </a:pPr>
+            <a:endParaRPr lang="fr-FR" sz="4000" dirty="0">
+              <a:latin typeface="Times New Roman" panose="02020603050405020304" pitchFamily="18" charset="0"/>
+              <a:cs typeface="Times New Roman" panose="02020603050405020304" pitchFamily="18" charset="0"/>
+            </a:endParaRPr>
+          </a:p>
+          <a:p>
             <a:r>
-              <a:rPr lang="fr-FR" sz="4000" dirty="0" smtClean="0">
+              <a:rPr lang="fr-FR" sz="4400" b="1" dirty="0">
                 <a:latin typeface="Times New Roman" panose="02020603050405020304" pitchFamily="18" charset="0"/>
                 <a:cs typeface="Times New Roman" panose="02020603050405020304" pitchFamily="18" charset="0"/>
               </a:rPr>
-              <a:t>la température de consigne</a:t>
+              <a:t>Attendus Applicatifs :</a:t>
             </a:r>
           </a:p>
           <a:p>
@@ -7675,14 +7573,7 @@
                 <a:latin typeface="Times New Roman" panose="02020603050405020304" pitchFamily="18" charset="0"/>
                 <a:cs typeface="Times New Roman" panose="02020603050405020304" pitchFamily="18" charset="0"/>
               </a:rPr>
-              <a:t>Visualisation de </a:t>
-            </a:r>
-            <a:r>
-              <a:rPr lang="fr-FR" sz="4000" dirty="0" smtClean="0">
-                <a:latin typeface="Times New Roman" panose="02020603050405020304" pitchFamily="18" charset="0"/>
-                <a:cs typeface="Times New Roman" panose="02020603050405020304" pitchFamily="18" charset="0"/>
-              </a:rPr>
-              <a:t>l’humidité</a:t>
+              <a:t>Visualisation de la température intérieure</a:t>
             </a:r>
           </a:p>
           <a:p>
@@ -7691,16 +7582,51 @@
               <a:buChar char="•"/>
             </a:pPr>
             <a:r>
-              <a:rPr lang="fr-FR" sz="4000" dirty="0" smtClean="0">
+              <a:rPr lang="fr-FR" sz="4000" dirty="0">
+                <a:latin typeface="Times New Roman" panose="02020603050405020304" pitchFamily="18" charset="0"/>
+                <a:cs typeface="Times New Roman" panose="02020603050405020304" pitchFamily="18" charset="0"/>
+              </a:rPr>
+              <a:t>Visualisation de la température extérieure</a:t>
+            </a:r>
+          </a:p>
+          <a:p>
+            <a:pPr marL="857250" indent="-857250">
+              <a:buFont typeface="Arial" panose="020B0604020202020204" pitchFamily="34" charset="0"/>
+              <a:buChar char="•"/>
+            </a:pPr>
+            <a:r>
+              <a:rPr lang="fr-FR" sz="4000" dirty="0">
+                <a:latin typeface="Times New Roman" panose="02020603050405020304" pitchFamily="18" charset="0"/>
+                <a:cs typeface="Times New Roman" panose="02020603050405020304" pitchFamily="18" charset="0"/>
+              </a:rPr>
+              <a:t>Visualisation de la température de consigne</a:t>
+            </a:r>
+          </a:p>
+          <a:p>
+            <a:pPr marL="857250" indent="-857250">
+              <a:buFont typeface="Arial" panose="020B0604020202020204" pitchFamily="34" charset="0"/>
+              <a:buChar char="•"/>
+            </a:pPr>
+            <a:r>
+              <a:rPr lang="fr-FR" sz="4000" dirty="0">
+                <a:latin typeface="Times New Roman" panose="02020603050405020304" pitchFamily="18" charset="0"/>
+                <a:cs typeface="Times New Roman" panose="02020603050405020304" pitchFamily="18" charset="0"/>
+              </a:rPr>
+              <a:t>Visualisation de l’humidité</a:t>
+            </a:r>
+          </a:p>
+          <a:p>
+            <a:pPr marL="857250" indent="-857250">
+              <a:buFont typeface="Arial" panose="020B0604020202020204" pitchFamily="34" charset="0"/>
+              <a:buChar char="•"/>
+            </a:pPr>
+            <a:r>
+              <a:rPr lang="fr-FR" sz="4000" dirty="0">
                 <a:latin typeface="Times New Roman" panose="02020603050405020304" pitchFamily="18" charset="0"/>
                 <a:cs typeface="Times New Roman" panose="02020603050405020304" pitchFamily="18" charset="0"/>
               </a:rPr>
               <a:t>Modification de la température de consigne</a:t>
             </a:r>
-            <a:endParaRPr lang="fr-FR" sz="4000" dirty="0">
-              <a:latin typeface="Times New Roman" panose="02020603050405020304" pitchFamily="18" charset="0"/>
-              <a:cs typeface="Times New Roman" panose="02020603050405020304" pitchFamily="18" charset="0"/>
-            </a:endParaRPr>
           </a:p>
         </p:txBody>
       </p:sp>
@@ -7727,23 +7653,19 @@
           <a:lstStyle/>
           <a:p>
             <a:r>
-              <a:rPr lang="fr-FR" sz="7200" dirty="0" err="1" smtClean="0">
+              <a:rPr lang="fr-FR" sz="7200" dirty="0" err="1">
                 <a:latin typeface="Times New Roman" panose="02020603050405020304" pitchFamily="18" charset="0"/>
                 <a:cs typeface="Times New Roman" panose="02020603050405020304" pitchFamily="18" charset="0"/>
               </a:rPr>
               <a:t>Diag</a:t>
             </a:r>
             <a:r>
-              <a:rPr lang="fr-FR" sz="7200" dirty="0" smtClean="0">
+              <a:rPr lang="fr-FR" sz="7200" dirty="0">
                 <a:latin typeface="Times New Roman" panose="02020603050405020304" pitchFamily="18" charset="0"/>
                 <a:cs typeface="Times New Roman" panose="02020603050405020304" pitchFamily="18" charset="0"/>
               </a:rPr>
               <a:t> Composant, Choix Techniques et fonctionnement : Peltier, Pont Diviseur, Sciences</a:t>
             </a:r>
-            <a:endParaRPr lang="fr-FR" sz="7200" dirty="0">
-              <a:latin typeface="Times New Roman" panose="02020603050405020304" pitchFamily="18" charset="0"/>
-              <a:cs typeface="Times New Roman" panose="02020603050405020304" pitchFamily="18" charset="0"/>
-            </a:endParaRPr>
           </a:p>
         </p:txBody>
       </p:sp>
@@ -7755,8 +7677,8 @@
         </p:nvSpPr>
         <p:spPr>
           <a:xfrm>
-            <a:off x="25727524" y="20594051"/>
-            <a:ext cx="13670280" cy="1200329"/>
+            <a:off x="24400014" y="21333274"/>
+            <a:ext cx="13670280" cy="2308324"/>
           </a:xfrm>
           <a:prstGeom prst="rect">
             <a:avLst/>
@@ -7770,37 +7692,12 @@
           <a:lstStyle/>
           <a:p>
             <a:r>
-              <a:rPr lang="fr-FR" sz="7200" dirty="0" smtClean="0">
+              <a:rPr lang="fr-FR" sz="7200" dirty="0">
                 <a:latin typeface="Times New Roman" panose="02020603050405020304" pitchFamily="18" charset="0"/>
                 <a:cs typeface="Times New Roman" panose="02020603050405020304" pitchFamily="18" charset="0"/>
               </a:rPr>
-              <a:t>Code, UML, </a:t>
+              <a:t>Code, UML, Diag Instanciation-création</a:t>
             </a:r>
-            <a:r>
-              <a:rPr lang="fr-FR" sz="7200" dirty="0" err="1" smtClean="0">
-                <a:latin typeface="Times New Roman" panose="02020603050405020304" pitchFamily="18" charset="0"/>
-                <a:cs typeface="Times New Roman" panose="02020603050405020304" pitchFamily="18" charset="0"/>
-              </a:rPr>
-              <a:t>Diag</a:t>
-            </a:r>
-            <a:r>
-              <a:rPr lang="fr-FR" sz="7200" dirty="0" smtClean="0">
-                <a:latin typeface="Times New Roman" panose="02020603050405020304" pitchFamily="18" charset="0"/>
-                <a:cs typeface="Times New Roman" panose="02020603050405020304" pitchFamily="18" charset="0"/>
-              </a:rPr>
-              <a:t> </a:t>
-            </a:r>
-            <a:r>
-              <a:rPr lang="fr-FR" sz="7200" dirty="0" err="1" smtClean="0">
-                <a:latin typeface="Times New Roman" panose="02020603050405020304" pitchFamily="18" charset="0"/>
-                <a:cs typeface="Times New Roman" panose="02020603050405020304" pitchFamily="18" charset="0"/>
-              </a:rPr>
-              <a:t>Sequence</a:t>
-            </a:r>
-            <a:endParaRPr lang="fr-FR" sz="7200" dirty="0">
-              <a:latin typeface="Times New Roman" panose="02020603050405020304" pitchFamily="18" charset="0"/>
-              <a:cs typeface="Times New Roman" panose="02020603050405020304" pitchFamily="18" charset="0"/>
-            </a:endParaRPr>
           </a:p>
         </p:txBody>
       </p:sp>
@@ -7827,16 +7724,12 @@
           <a:lstStyle/>
           <a:p>
             <a:r>
-              <a:rPr lang="fr-FR" sz="7200" dirty="0" smtClean="0">
+              <a:rPr lang="fr-FR" sz="7200" dirty="0">
                 <a:latin typeface="Times New Roman" panose="02020603050405020304" pitchFamily="18" charset="0"/>
                 <a:cs typeface="Times New Roman" panose="02020603050405020304" pitchFamily="18" charset="0"/>
               </a:rPr>
               <a:t>Tests fonctionnels, Retour d’expérience</a:t>
             </a:r>
-            <a:endParaRPr lang="fr-FR" sz="7200" dirty="0">
-              <a:latin typeface="Times New Roman" panose="02020603050405020304" pitchFamily="18" charset="0"/>
-              <a:cs typeface="Times New Roman" panose="02020603050405020304" pitchFamily="18" charset="0"/>
-            </a:endParaRPr>
           </a:p>
         </p:txBody>
       </p:sp>
@@ -7863,7 +7756,7 @@
           <a:lstStyle/>
           <a:p>
             <a:r>
-              <a:rPr lang="fr-FR" sz="4400" b="1" dirty="0" smtClean="0">
+              <a:rPr lang="fr-FR" sz="4400" b="1" dirty="0">
                 <a:latin typeface="Times New Roman" panose="02020603050405020304" pitchFamily="18" charset="0"/>
                 <a:cs typeface="Times New Roman" panose="02020603050405020304" pitchFamily="18" charset="0"/>
               </a:rPr>
@@ -7876,7 +7769,7 @@
               <a:buChar char="•"/>
             </a:pPr>
             <a:r>
-              <a:rPr lang="fr-FR" sz="4000" dirty="0" smtClean="0">
+              <a:rPr lang="fr-FR" sz="4000" dirty="0">
                 <a:latin typeface="Times New Roman" panose="02020603050405020304" pitchFamily="18" charset="0"/>
                 <a:cs typeface="Times New Roman" panose="02020603050405020304" pitchFamily="18" charset="0"/>
               </a:rPr>
@@ -7889,7 +7782,7 @@
               <a:buChar char="•"/>
             </a:pPr>
             <a:r>
-              <a:rPr lang="fr-FR" sz="4000" dirty="0" smtClean="0">
+              <a:rPr lang="fr-FR" sz="4000" dirty="0">
                 <a:latin typeface="Times New Roman" panose="02020603050405020304" pitchFamily="18" charset="0"/>
                 <a:cs typeface="Times New Roman" panose="02020603050405020304" pitchFamily="18" charset="0"/>
               </a:rPr>
@@ -7902,7 +7795,7 @@
               <a:buChar char="•"/>
             </a:pPr>
             <a:r>
-              <a:rPr lang="fr-FR" sz="4000" dirty="0" smtClean="0">
+              <a:rPr lang="fr-FR" sz="4000" dirty="0">
                 <a:latin typeface="Times New Roman" panose="02020603050405020304" pitchFamily="18" charset="0"/>
                 <a:cs typeface="Times New Roman" panose="02020603050405020304" pitchFamily="18" charset="0"/>
               </a:rPr>
@@ -7915,7 +7808,7 @@
               <a:buChar char="•"/>
             </a:pPr>
             <a:r>
-              <a:rPr lang="fr-FR" sz="4000" dirty="0" smtClean="0">
+              <a:rPr lang="fr-FR" sz="4000" dirty="0">
                 <a:latin typeface="Times New Roman" panose="02020603050405020304" pitchFamily="18" charset="0"/>
                 <a:cs typeface="Times New Roman" panose="02020603050405020304" pitchFamily="18" charset="0"/>
               </a:rPr>
@@ -7928,16 +7821,12 @@
               <a:buChar char="•"/>
             </a:pPr>
             <a:r>
-              <a:rPr lang="fr-FR" sz="4000" dirty="0" smtClean="0">
+              <a:rPr lang="fr-FR" sz="4000" dirty="0">
                 <a:latin typeface="Times New Roman" panose="02020603050405020304" pitchFamily="18" charset="0"/>
                 <a:cs typeface="Times New Roman" panose="02020603050405020304" pitchFamily="18" charset="0"/>
               </a:rPr>
               <a:t>Diagrammes</a:t>
             </a:r>
-            <a:endParaRPr lang="fr-FR" sz="4000" dirty="0" smtClean="0">
-              <a:latin typeface="Times New Roman" panose="02020603050405020304" pitchFamily="18" charset="0"/>
-              <a:cs typeface="Times New Roman" panose="02020603050405020304" pitchFamily="18" charset="0"/>
-            </a:endParaRPr>
           </a:p>
           <a:p>
             <a:pPr marL="2720705" lvl="1" indent="-571500">
@@ -7945,7 +7834,7 @@
               <a:buChar char="•"/>
             </a:pPr>
             <a:r>
-              <a:rPr lang="fr-FR" sz="4000" dirty="0" smtClean="0">
+              <a:rPr lang="fr-FR" sz="4000" dirty="0">
                 <a:latin typeface="Times New Roman" panose="02020603050405020304" pitchFamily="18" charset="0"/>
                 <a:cs typeface="Times New Roman" panose="02020603050405020304" pitchFamily="18" charset="0"/>
               </a:rPr>
@@ -7958,7 +7847,7 @@
               <a:buChar char="•"/>
             </a:pPr>
             <a:r>
-              <a:rPr lang="fr-FR" sz="4000" dirty="0" smtClean="0">
+              <a:rPr lang="fr-FR" sz="4000" dirty="0">
                 <a:latin typeface="Times New Roman" panose="02020603050405020304" pitchFamily="18" charset="0"/>
                 <a:cs typeface="Times New Roman" panose="02020603050405020304" pitchFamily="18" charset="0"/>
               </a:rPr>
@@ -7971,7 +7860,7 @@
               <a:buChar char="•"/>
             </a:pPr>
             <a:r>
-              <a:rPr lang="fr-FR" sz="4000" dirty="0" smtClean="0">
+              <a:rPr lang="fr-FR" sz="4000" dirty="0">
                 <a:latin typeface="Times New Roman" panose="02020603050405020304" pitchFamily="18" charset="0"/>
                 <a:cs typeface="Times New Roman" panose="02020603050405020304" pitchFamily="18" charset="0"/>
               </a:rPr>
@@ -7984,7 +7873,7 @@
               <a:buChar char="•"/>
             </a:pPr>
             <a:r>
-              <a:rPr lang="fr-FR" sz="4000" dirty="0" smtClean="0">
+              <a:rPr lang="fr-FR" sz="4000" dirty="0">
                 <a:latin typeface="Times New Roman" panose="02020603050405020304" pitchFamily="18" charset="0"/>
                 <a:cs typeface="Times New Roman" panose="02020603050405020304" pitchFamily="18" charset="0"/>
               </a:rPr>
@@ -7997,7 +7886,7 @@
               <a:buChar char="•"/>
             </a:pPr>
             <a:r>
-              <a:rPr lang="fr-FR" sz="4000" dirty="0" smtClean="0">
+              <a:rPr lang="fr-FR" sz="4000" dirty="0">
                 <a:latin typeface="Times New Roman" panose="02020603050405020304" pitchFamily="18" charset="0"/>
                 <a:cs typeface="Times New Roman" panose="02020603050405020304" pitchFamily="18" charset="0"/>
               </a:rPr>
@@ -8010,7 +7899,7 @@
               <a:buChar char="•"/>
             </a:pPr>
             <a:r>
-              <a:rPr lang="fr-FR" sz="4000" dirty="0" smtClean="0">
+              <a:rPr lang="fr-FR" sz="4000" dirty="0">
                 <a:latin typeface="Times New Roman" panose="02020603050405020304" pitchFamily="18" charset="0"/>
                 <a:cs typeface="Times New Roman" panose="02020603050405020304" pitchFamily="18" charset="0"/>
               </a:rPr>
@@ -8023,7 +7912,7 @@
               <a:buChar char="•"/>
             </a:pPr>
             <a:r>
-              <a:rPr lang="fr-FR" sz="4000" dirty="0" smtClean="0">
+              <a:rPr lang="fr-FR" sz="4000" dirty="0">
                 <a:latin typeface="Times New Roman" panose="02020603050405020304" pitchFamily="18" charset="0"/>
                 <a:cs typeface="Times New Roman" panose="02020603050405020304" pitchFamily="18" charset="0"/>
               </a:rPr>
@@ -8036,7 +7925,7 @@
               <a:buChar char="•"/>
             </a:pPr>
             <a:r>
-              <a:rPr lang="fr-FR" sz="4000" dirty="0" smtClean="0">
+              <a:rPr lang="fr-FR" sz="4000" dirty="0">
                 <a:latin typeface="Times New Roman" panose="02020603050405020304" pitchFamily="18" charset="0"/>
                 <a:cs typeface="Times New Roman" panose="02020603050405020304" pitchFamily="18" charset="0"/>
               </a:rPr>
@@ -8049,7 +7938,7 @@
               <a:buChar char="•"/>
             </a:pPr>
             <a:r>
-              <a:rPr lang="fr-FR" sz="4000" dirty="0" smtClean="0">
+              <a:rPr lang="fr-FR" sz="4000" dirty="0">
                 <a:latin typeface="Times New Roman" panose="02020603050405020304" pitchFamily="18" charset="0"/>
                 <a:cs typeface="Times New Roman" panose="02020603050405020304" pitchFamily="18" charset="0"/>
               </a:rPr>
@@ -8062,16 +7951,12 @@
               <a:buChar char="•"/>
             </a:pPr>
             <a:r>
-              <a:rPr lang="fr-FR" sz="4000" dirty="0" smtClean="0">
+              <a:rPr lang="fr-FR" sz="4000" dirty="0">
                 <a:latin typeface="Times New Roman" panose="02020603050405020304" pitchFamily="18" charset="0"/>
                 <a:cs typeface="Times New Roman" panose="02020603050405020304" pitchFamily="18" charset="0"/>
               </a:rPr>
               <a:t>Rapport de Projet	</a:t>
             </a:r>
-            <a:endParaRPr lang="fr-FR" sz="4000" dirty="0">
-              <a:latin typeface="Times New Roman" panose="02020603050405020304" pitchFamily="18" charset="0"/>
-              <a:cs typeface="Times New Roman" panose="02020603050405020304" pitchFamily="18" charset="0"/>
-            </a:endParaRPr>
           </a:p>
         </p:txBody>
       </p:sp>
@@ -8097,13 +7982,6 @@
           </a:bodyPr>
           <a:lstStyle/>
           <a:p>
-            <a:r>
-              <a:rPr lang="fr-FR" sz="4400" b="1" dirty="0" err="1" smtClean="0">
-                <a:latin typeface="Times New Roman" panose="02020603050405020304" pitchFamily="18" charset="0"/>
-                <a:cs typeface="Times New Roman" panose="02020603050405020304" pitchFamily="18" charset="0"/>
-              </a:rPr>
-              <a:t>fsfsd</a:t>
-            </a:r>
             <a:endParaRPr lang="fr-FR" sz="4400" b="1" dirty="0">
               <a:latin typeface="Times New Roman" panose="02020603050405020304" pitchFamily="18" charset="0"/>
               <a:cs typeface="Times New Roman" panose="02020603050405020304" pitchFamily="18" charset="0"/>
@@ -8165,6 +8043,42 @@
           </a:prstGeom>
         </p:spPr>
       </p:pic>
+      <p:pic>
+        <p:nvPicPr>
+          <p:cNvPr id="3" name="Image 2">
+            <a:extLst>
+              <a:ext uri="{FF2B5EF4-FFF2-40B4-BE49-F238E27FC236}">
+                <a16:creationId xmlns:a16="http://schemas.microsoft.com/office/drawing/2014/main" id="{C0B61347-EBBF-4104-BA12-BE3A2BAA892E}"/>
+              </a:ext>
+            </a:extLst>
+          </p:cNvPr>
+          <p:cNvPicPr>
+            <a:picLocks noChangeAspect="1"/>
+          </p:cNvPicPr>
+          <p:nvPr/>
+        </p:nvPicPr>
+        <p:blipFill>
+          <a:blip r:embed="rId5">
+            <a:extLst>
+              <a:ext uri="{28A0092B-C50C-407E-A947-70E740481C1C}">
+                <a14:useLocalDpi xmlns:a14="http://schemas.microsoft.com/office/drawing/2010/main" val="0"/>
+              </a:ext>
+            </a:extLst>
+          </a:blip>
+          <a:stretch>
+            <a:fillRect/>
+          </a:stretch>
+        </p:blipFill>
+        <p:spPr>
+          <a:xfrm>
+            <a:off x="29296963" y="22902374"/>
+            <a:ext cx="11941575" cy="5342083"/>
+          </a:xfrm>
+          <a:prstGeom prst="rect">
+            <a:avLst/>
+          </a:prstGeom>
+        </p:spPr>
+      </p:pic>
     </p:spTree>
     <p:extLst>
       <p:ext uri="{BB962C8B-B14F-4D97-AF65-F5344CB8AC3E}">
@@ -8175,13 +8089,6 @@
   <p:clrMapOvr>
     <a:masterClrMapping/>
   </p:clrMapOvr>
-  <p:timing>
-    <p:tnLst>
-      <p:par>
-        <p:cTn id="1" dur="indefinite" restart="never" nodeType="tmRoot"/>
-      </p:par>
-    </p:tnLst>
-  </p:timing>
 </p:sld>
 </file>
 

--- a/livrables/PosterSoutenance.pptx
+++ b/livrables/PosterSoutenance.pptx
@@ -6,13 +6,14 @@
     <p:sldMasterId id="2147483653" r:id="rId2"/>
   </p:sldMasterIdLst>
   <p:notesMasterIdLst>
-    <p:notesMasterId r:id="rId4"/>
+    <p:notesMasterId r:id="rId5"/>
   </p:notesMasterIdLst>
   <p:handoutMasterIdLst>
-    <p:handoutMasterId r:id="rId5"/>
+    <p:handoutMasterId r:id="rId6"/>
   </p:handoutMasterIdLst>
   <p:sldIdLst>
     <p:sldId id="256" r:id="rId3"/>
+    <p:sldId id="257" r:id="rId4"/>
   </p:sldIdLst>
   <p:sldSz cx="42803763" cy="30275213"/>
   <p:notesSz cx="9144000" cy="6858000"/>
@@ -797,6 +798,118 @@
     <p:extLst>
       <p:ext uri="{BB962C8B-B14F-4D97-AF65-F5344CB8AC3E}">
         <p14:creationId xmlns:p14="http://schemas.microsoft.com/office/powerpoint/2010/main" val="807660202"/>
+      </p:ext>
+    </p:extLst>
+  </p:cSld>
+  <p:clrMapOvr>
+    <a:masterClrMapping/>
+  </p:clrMapOvr>
+</p:notes>
+</file>
+
+<file path=ppt/notesSlides/notesSlide2.xml><?xml version="1.0" encoding="utf-8"?>
+<p:notes xmlns:a="http://schemas.openxmlformats.org/drawingml/2006/main" xmlns:r="http://schemas.openxmlformats.org/officeDocument/2006/relationships" xmlns:p="http://schemas.openxmlformats.org/presentationml/2006/main">
+  <p:cSld>
+    <p:spTree>
+      <p:nvGrpSpPr>
+        <p:cNvPr id="1" name=""/>
+        <p:cNvGrpSpPr/>
+        <p:nvPr/>
+      </p:nvGrpSpPr>
+      <p:grpSpPr>
+        <a:xfrm>
+          <a:off x="0" y="0"/>
+          <a:ext cx="0" cy="0"/>
+          <a:chOff x="0" y="0"/>
+          <a:chExt cx="0" cy="0"/>
+        </a:xfrm>
+      </p:grpSpPr>
+      <p:sp>
+        <p:nvSpPr>
+          <p:cNvPr id="2" name="Slide Image Placeholder 1"/>
+          <p:cNvSpPr>
+            <a:spLocks noGrp="1" noRot="1" noChangeAspect="1"/>
+          </p:cNvSpPr>
+          <p:nvPr>
+            <p:ph type="sldImg"/>
+          </p:nvPr>
+        </p:nvSpPr>
+        <p:spPr>
+          <a:xfrm>
+            <a:off x="2754313" y="514350"/>
+            <a:ext cx="3635375" cy="2571750"/>
+          </a:xfrm>
+        </p:spPr>
+      </p:sp>
+      <p:sp>
+        <p:nvSpPr>
+          <p:cNvPr id="3" name="Notes Placeholder 2"/>
+          <p:cNvSpPr>
+            <a:spLocks noGrp="1"/>
+          </p:cNvSpPr>
+          <p:nvPr>
+            <p:ph type="body" idx="1"/>
+          </p:nvPr>
+        </p:nvSpPr>
+        <p:spPr/>
+        <p:txBody>
+          <a:bodyPr>
+            <a:normAutofit fontScale="77500" lnSpcReduction="20000"/>
+          </a:bodyPr>
+          <a:lstStyle/>
+          <a:p>
+            <a:r>
+              <a:rPr lang="fr-FR" sz="6000" b="1" noProof="0" dirty="0"/>
+              <a:t>Bilan : Gestion de projet toujours aussi longue, mais une meilleure organisation</a:t>
+            </a:r>
+          </a:p>
+          <a:p>
+            <a:r>
+              <a:rPr lang="fr-FR" sz="6000" b="1" noProof="0" dirty="0"/>
+              <a:t>Réaliser les tests</a:t>
+            </a:r>
+          </a:p>
+          <a:p>
+            <a:r>
+              <a:rPr lang="fr-FR" sz="6000" b="1" noProof="0" dirty="0"/>
+              <a:t>Mauvaise vision de l’aboutissement du projet, donc les tests unitaires n’ont pas </a:t>
+            </a:r>
+            <a:r>
+              <a:rPr lang="fr-FR" sz="6000" b="1" noProof="0"/>
+              <a:t>pu être faits.</a:t>
+            </a:r>
+            <a:endParaRPr lang="fr-FR" sz="6000" b="1" noProof="0" dirty="0"/>
+          </a:p>
+        </p:txBody>
+      </p:sp>
+      <p:sp>
+        <p:nvSpPr>
+          <p:cNvPr id="4" name="Slide Number Placeholder 3"/>
+          <p:cNvSpPr>
+            <a:spLocks noGrp="1"/>
+          </p:cNvSpPr>
+          <p:nvPr>
+            <p:ph type="sldNum" sz="quarter" idx="10"/>
+          </p:nvPr>
+        </p:nvSpPr>
+        <p:spPr/>
+        <p:txBody>
+          <a:bodyPr/>
+          <a:lstStyle/>
+          <a:p>
+            <a:fld id="{26A1A87D-CAF7-4BDC-A0D3-C0DBEDE81619}" type="slidenum">
+              <a:rPr lang="en-US" smtClean="0"/>
+              <a:pPr/>
+              <a:t>2</a:t>
+            </a:fld>
+            <a:endParaRPr lang="en-US" dirty="0"/>
+          </a:p>
+        </p:txBody>
+      </p:sp>
+    </p:spTree>
+    <p:extLst>
+      <p:ext uri="{BB962C8B-B14F-4D97-AF65-F5344CB8AC3E}">
+        <p14:creationId xmlns:p14="http://schemas.microsoft.com/office/powerpoint/2010/main" val="1841422749"/>
       </p:ext>
     </p:extLst>
   </p:cSld>
@@ -4467,7 +4580,7 @@
               <a:graphicData uri="http://schemas.openxmlformats.org/presentationml/2006/ole">
                 <mc:AlternateContent xmlns:mc="http://schemas.openxmlformats.org/markup-compatibility/2006">
                   <mc:Choice xmlns:v="urn:schemas-microsoft-com:vml" Requires="v">
-                    <p:oleObj spid="_x0000_s2318" name="Image" r:id="rId8" imgW="1828440" imgH="1117440" progId="Photoshop.Image.13">
+                    <p:oleObj spid="_x0000_s2326" name="Image" r:id="rId8" imgW="1828440" imgH="1117440" progId="Photoshop.Image.13">
                       <p:embed/>
                     </p:oleObj>
                   </mc:Choice>
@@ -4524,7 +4637,7 @@
               <a:graphicData uri="http://schemas.openxmlformats.org/presentationml/2006/ole">
                 <mc:AlternateContent xmlns:mc="http://schemas.openxmlformats.org/markup-compatibility/2006">
                   <mc:Choice xmlns:v="urn:schemas-microsoft-com:vml" Requires="v">
-                    <p:oleObj spid="_x0000_s2319" name="Image" r:id="rId10" imgW="1828440" imgH="1117440" progId="Photoshop.Image.13">
+                    <p:oleObj spid="_x0000_s2327" name="Image" r:id="rId10" imgW="1828440" imgH="1117440" progId="Photoshop.Image.13">
                       <p:embed/>
                     </p:oleObj>
                   </mc:Choice>
@@ -5659,7 +5772,7 @@
             <a:graphicData uri="http://schemas.openxmlformats.org/presentationml/2006/ole">
               <mc:AlternateContent xmlns:mc="http://schemas.openxmlformats.org/markup-compatibility/2006">
                 <mc:Choice xmlns:v="urn:schemas-microsoft-com:vml" Requires="v">
-                  <p:oleObj spid="_x0000_s2320" name="Image" r:id="rId12" imgW="4571280" imgH="1688760" progId="Photoshop.Image.13">
+                  <p:oleObj spid="_x0000_s2328" name="Image" r:id="rId12" imgW="4571280" imgH="1688760" progId="Photoshop.Image.13">
                     <p:embed/>
                   </p:oleObj>
                 </mc:Choice>
@@ -5743,7 +5856,7 @@
             <a:graphicData uri="http://schemas.openxmlformats.org/presentationml/2006/ole">
               <mc:AlternateContent xmlns:mc="http://schemas.openxmlformats.org/markup-compatibility/2006">
                 <mc:Choice xmlns:v="urn:schemas-microsoft-com:vml" Requires="v">
-                  <p:oleObj spid="_x0000_s2321" name="Image" r:id="rId15" imgW="1574280" imgH="1053720" progId="Photoshop.Image.13">
+                  <p:oleObj spid="_x0000_s2329" name="Image" r:id="rId15" imgW="1574280" imgH="1053720" progId="Photoshop.Image.13">
                     <p:embed/>
                   </p:oleObj>
                 </mc:Choice>
@@ -7671,14 +7784,14 @@
       </p:sp>
       <p:sp>
         <p:nvSpPr>
-          <p:cNvPr id="50" name="ZoneTexte 49"/>
+          <p:cNvPr id="51" name="ZoneTexte 50"/>
           <p:cNvSpPr txBox="1"/>
           <p:nvPr/>
         </p:nvSpPr>
         <p:spPr>
           <a:xfrm>
-            <a:off x="24400014" y="21333274"/>
-            <a:ext cx="13670280" cy="2308324"/>
+            <a:off x="2609580" y="21883702"/>
+            <a:ext cx="13670280" cy="6740307"/>
           </a:xfrm>
           <a:prstGeom prst="rect">
             <a:avLst/>
@@ -7696,39 +7809,72 @@
                 <a:latin typeface="Times New Roman" panose="02020603050405020304" pitchFamily="18" charset="0"/>
                 <a:cs typeface="Times New Roman" panose="02020603050405020304" pitchFamily="18" charset="0"/>
               </a:rPr>
-              <a:t>Code, UML, Diag Instanciation-création</a:t>
-            </a:r>
-          </a:p>
-        </p:txBody>
-      </p:sp>
-      <p:sp>
-        <p:nvSpPr>
-          <p:cNvPr id="51" name="ZoneTexte 50"/>
-          <p:cNvSpPr txBox="1"/>
-          <p:nvPr/>
-        </p:nvSpPr>
-        <p:spPr>
-          <a:xfrm>
-            <a:off x="3246120" y="20594050"/>
-            <a:ext cx="13670280" cy="2308324"/>
-          </a:xfrm>
-          <a:prstGeom prst="rect">
-            <a:avLst/>
-          </a:prstGeom>
-          <a:noFill/>
-        </p:spPr>
-        <p:txBody>
-          <a:bodyPr wrap="square" rtlCol="0">
-            <a:spAutoFit/>
-          </a:bodyPr>
-          <a:lstStyle/>
-          <a:p>
+              <a:t>Problèmes rencontrés :</a:t>
+            </a:r>
+          </a:p>
+          <a:p>
+            <a:pPr marL="857250" indent="-857250">
+              <a:buFont typeface="Arial" panose="020B0604020202020204" pitchFamily="34" charset="0"/>
+              <a:buChar char="•"/>
+            </a:pPr>
+            <a:r>
+              <a:rPr lang="fr-FR" sz="7200" dirty="0" err="1">
+                <a:latin typeface="Times New Roman" panose="02020603050405020304" pitchFamily="18" charset="0"/>
+                <a:cs typeface="Times New Roman" panose="02020603050405020304" pitchFamily="18" charset="0"/>
+              </a:rPr>
+              <a:t>Extends</a:t>
+            </a:r>
             <a:r>
               <a:rPr lang="fr-FR" sz="7200" dirty="0">
                 <a:latin typeface="Times New Roman" panose="02020603050405020304" pitchFamily="18" charset="0"/>
                 <a:cs typeface="Times New Roman" panose="02020603050405020304" pitchFamily="18" charset="0"/>
               </a:rPr>
-              <a:t>Tests fonctionnels, Retour d’expérience</a:t>
+              <a:t> – Interface</a:t>
+            </a:r>
+          </a:p>
+          <a:p>
+            <a:pPr marL="857250" indent="-857250">
+              <a:buFont typeface="Arial" panose="020B0604020202020204" pitchFamily="34" charset="0"/>
+              <a:buChar char="•"/>
+            </a:pPr>
+            <a:r>
+              <a:rPr lang="fr-FR" sz="7200" dirty="0">
+                <a:latin typeface="Times New Roman" panose="02020603050405020304" pitchFamily="18" charset="0"/>
+                <a:cs typeface="Times New Roman" panose="02020603050405020304" pitchFamily="18" charset="0"/>
+              </a:rPr>
+              <a:t>Communication Arduino</a:t>
+            </a:r>
+          </a:p>
+          <a:p>
+            <a:pPr marL="857250" indent="-857250">
+              <a:buFont typeface="Arial" panose="020B0604020202020204" pitchFamily="34" charset="0"/>
+              <a:buChar char="•"/>
+            </a:pPr>
+            <a:r>
+              <a:rPr lang="fr-FR" sz="7200" dirty="0" err="1">
+                <a:latin typeface="Times New Roman" panose="02020603050405020304" pitchFamily="18" charset="0"/>
+                <a:cs typeface="Times New Roman" panose="02020603050405020304" pitchFamily="18" charset="0"/>
+              </a:rPr>
+              <a:t>JFreeChart</a:t>
+            </a:r>
+            <a:endParaRPr lang="fr-FR" sz="7200" dirty="0">
+              <a:latin typeface="Times New Roman" panose="02020603050405020304" pitchFamily="18" charset="0"/>
+              <a:cs typeface="Times New Roman" panose="02020603050405020304" pitchFamily="18" charset="0"/>
+            </a:endParaRPr>
+          </a:p>
+          <a:p>
+            <a:endParaRPr lang="fr-FR" sz="7200" dirty="0">
+              <a:latin typeface="Times New Roman" panose="02020603050405020304" pitchFamily="18" charset="0"/>
+              <a:cs typeface="Times New Roman" panose="02020603050405020304" pitchFamily="18" charset="0"/>
+            </a:endParaRPr>
+          </a:p>
+          <a:p>
+            <a:r>
+              <a:rPr lang="fr-FR" sz="7200" dirty="0">
+                <a:latin typeface="Times New Roman" panose="02020603050405020304" pitchFamily="18" charset="0"/>
+                <a:cs typeface="Times New Roman" panose="02020603050405020304" pitchFamily="18" charset="0"/>
+              </a:rPr>
+              <a:t>	Bilan</a:t>
             </a:r>
           </a:p>
         </p:txBody>
@@ -8079,10 +8225,1768 @@
           </a:prstGeom>
         </p:spPr>
       </p:pic>
+      <p:pic>
+        <p:nvPicPr>
+          <p:cNvPr id="5" name="Image 4">
+            <a:extLst>
+              <a:ext uri="{FF2B5EF4-FFF2-40B4-BE49-F238E27FC236}">
+                <a16:creationId xmlns:a16="http://schemas.microsoft.com/office/drawing/2014/main" id="{F29AFDD1-9B61-484B-9A03-D46D3CB2A434}"/>
+              </a:ext>
+            </a:extLst>
+          </p:cNvPr>
+          <p:cNvPicPr>
+            <a:picLocks noChangeAspect="1"/>
+          </p:cNvPicPr>
+          <p:nvPr/>
+        </p:nvPicPr>
+        <p:blipFill>
+          <a:blip r:embed="rId6">
+            <a:extLst>
+              <a:ext uri="{28A0092B-C50C-407E-A947-70E740481C1C}">
+                <a14:useLocalDpi xmlns:a14="http://schemas.microsoft.com/office/drawing/2010/main" val="0"/>
+              </a:ext>
+            </a:extLst>
+          </a:blip>
+          <a:stretch>
+            <a:fillRect/>
+          </a:stretch>
+        </p:blipFill>
+        <p:spPr>
+          <a:xfrm>
+            <a:off x="15818859" y="22596097"/>
+            <a:ext cx="12292125" cy="5395428"/>
+          </a:xfrm>
+          <a:prstGeom prst="rect">
+            <a:avLst/>
+          </a:prstGeom>
+        </p:spPr>
+      </p:pic>
     </p:spTree>
     <p:extLst>
       <p:ext uri="{BB962C8B-B14F-4D97-AF65-F5344CB8AC3E}">
         <p14:creationId xmlns:p14="http://schemas.microsoft.com/office/powerpoint/2010/main" val="3874869272"/>
+      </p:ext>
+    </p:extLst>
+  </p:cSld>
+  <p:clrMapOvr>
+    <a:masterClrMapping/>
+  </p:clrMapOvr>
+</p:sld>
+</file>
+
+<file path=ppt/slides/slide2.xml><?xml version="1.0" encoding="utf-8"?>
+<p:sld xmlns:a="http://schemas.openxmlformats.org/drawingml/2006/main" xmlns:r="http://schemas.openxmlformats.org/officeDocument/2006/relationships" xmlns:p="http://schemas.openxmlformats.org/presentationml/2006/main">
+  <p:cSld>
+    <p:spTree>
+      <p:nvGrpSpPr>
+        <p:cNvPr id="1" name=""/>
+        <p:cNvGrpSpPr/>
+        <p:nvPr/>
+      </p:nvGrpSpPr>
+      <p:grpSpPr>
+        <a:xfrm>
+          <a:off x="0" y="0"/>
+          <a:ext cx="0" cy="0"/>
+          <a:chOff x="0" y="0"/>
+          <a:chExt cx="0" cy="0"/>
+        </a:xfrm>
+      </p:grpSpPr>
+      <p:sp>
+        <p:nvSpPr>
+          <p:cNvPr id="8" name="Espace réservé du texte 7"/>
+          <p:cNvSpPr>
+            <a:spLocks noGrp="1"/>
+          </p:cNvSpPr>
+          <p:nvPr>
+            <p:ph type="body" sz="quarter" idx="151"/>
+          </p:nvPr>
+        </p:nvSpPr>
+        <p:spPr/>
+        <p:txBody>
+          <a:bodyPr/>
+          <a:lstStyle/>
+          <a:p>
+            <a:r>
+              <a:rPr lang="fr-FR" dirty="0"/>
+              <a:t>Robin MAISANO – Florian VOUTERS</a:t>
+            </a:r>
+          </a:p>
+        </p:txBody>
+      </p:sp>
+      <p:sp>
+        <p:nvSpPr>
+          <p:cNvPr id="11" name="Espace réservé du texte 10"/>
+          <p:cNvSpPr>
+            <a:spLocks noGrp="1"/>
+          </p:cNvSpPr>
+          <p:nvPr>
+            <p:ph type="body" sz="quarter" idx="153"/>
+          </p:nvPr>
+        </p:nvSpPr>
+        <p:spPr/>
+        <p:txBody>
+          <a:bodyPr/>
+          <a:lstStyle/>
+          <a:p>
+            <a:r>
+              <a:rPr lang="fr-FR" dirty="0"/>
+              <a:t>Projet : </a:t>
+            </a:r>
+            <a:r>
+              <a:rPr lang="fr-FR" dirty="0" err="1"/>
+              <a:t>Pimp</a:t>
+            </a:r>
+            <a:r>
+              <a:rPr lang="fr-FR" dirty="0"/>
+              <a:t> </a:t>
+            </a:r>
+            <a:r>
+              <a:rPr lang="fr-FR" dirty="0" err="1"/>
+              <a:t>My</a:t>
+            </a:r>
+            <a:r>
+              <a:rPr lang="fr-FR" dirty="0"/>
+              <a:t> </a:t>
+            </a:r>
+            <a:r>
+              <a:rPr lang="fr-FR" dirty="0" err="1"/>
+              <a:t>Fridge</a:t>
+            </a:r>
+            <a:endParaRPr lang="fr-FR" dirty="0"/>
+          </a:p>
+        </p:txBody>
+      </p:sp>
+      <p:sp>
+        <p:nvSpPr>
+          <p:cNvPr id="12" name="Espace réservé du texte 11"/>
+          <p:cNvSpPr>
+            <a:spLocks noGrp="1"/>
+          </p:cNvSpPr>
+          <p:nvPr>
+            <p:ph type="body" sz="quarter" idx="150"/>
+          </p:nvPr>
+        </p:nvSpPr>
+        <p:spPr/>
+        <p:txBody>
+          <a:bodyPr/>
+          <a:lstStyle/>
+          <a:p>
+            <a:r>
+              <a:rPr lang="fr-FR" dirty="0"/>
+              <a:t>Projet Electronique A2 </a:t>
+            </a:r>
+          </a:p>
+        </p:txBody>
+      </p:sp>
+      <p:sp>
+        <p:nvSpPr>
+          <p:cNvPr id="35" name="Rectangle 34"/>
+          <p:cNvSpPr/>
+          <p:nvPr/>
+        </p:nvSpPr>
+        <p:spPr>
+          <a:xfrm>
+            <a:off x="0" y="4032738"/>
+            <a:ext cx="42803763" cy="26242475"/>
+          </a:xfrm>
+          <a:prstGeom prst="rect">
+            <a:avLst/>
+          </a:prstGeom>
+          <a:solidFill>
+            <a:schemeClr val="bg1"/>
+          </a:solidFill>
+          <a:ln>
+            <a:solidFill>
+              <a:schemeClr val="bg1"/>
+            </a:solidFill>
+          </a:ln>
+        </p:spPr>
+        <p:style>
+          <a:lnRef idx="2">
+            <a:schemeClr val="accent1">
+              <a:shade val="50000"/>
+            </a:schemeClr>
+          </a:lnRef>
+          <a:fillRef idx="1">
+            <a:schemeClr val="accent1"/>
+          </a:fillRef>
+          <a:effectRef idx="0">
+            <a:schemeClr val="accent1"/>
+          </a:effectRef>
+          <a:fontRef idx="minor">
+            <a:schemeClr val="lt1"/>
+          </a:fontRef>
+        </p:style>
+        <p:txBody>
+          <a:bodyPr rtlCol="0" anchor="ctr"/>
+          <a:lstStyle/>
+          <a:p>
+            <a:pPr algn="ctr"/>
+            <a:r>
+              <a:rPr lang="fr-FR" dirty="0"/>
+              <a:t>s</a:t>
+            </a:r>
+          </a:p>
+        </p:txBody>
+      </p:sp>
+      <p:grpSp>
+        <p:nvGrpSpPr>
+          <p:cNvPr id="36" name="Groupe 35"/>
+          <p:cNvGrpSpPr/>
+          <p:nvPr/>
+        </p:nvGrpSpPr>
+        <p:grpSpPr>
+          <a:xfrm>
+            <a:off x="6081957" y="4620446"/>
+            <a:ext cx="30889523" cy="21350201"/>
+            <a:chOff x="8012571" y="4862125"/>
+            <a:chExt cx="30889523" cy="21350201"/>
+          </a:xfrm>
+        </p:grpSpPr>
+        <p:sp>
+          <p:nvSpPr>
+            <p:cNvPr id="37" name="Flèche en arc 36"/>
+            <p:cNvSpPr/>
+            <p:nvPr/>
+          </p:nvSpPr>
+          <p:spPr>
+            <a:xfrm>
+              <a:off x="10582600" y="4862125"/>
+              <a:ext cx="21350201" cy="21350201"/>
+            </a:xfrm>
+            <a:prstGeom prst="circularArrow">
+              <a:avLst>
+                <a:gd name="adj1" fmla="val 4668"/>
+                <a:gd name="adj2" fmla="val 272909"/>
+                <a:gd name="adj3" fmla="val 14845281"/>
+                <a:gd name="adj4" fmla="val 16796173"/>
+                <a:gd name="adj5" fmla="val 4847"/>
+              </a:avLst>
+            </a:prstGeom>
+            <a:noFill/>
+          </p:spPr>
+          <p:style>
+            <a:lnRef idx="0">
+              <a:schemeClr val="dk1">
+                <a:hueOff val="0"/>
+                <a:satOff val="0"/>
+                <a:lumOff val="0"/>
+                <a:alphaOff val="0"/>
+              </a:schemeClr>
+            </a:lnRef>
+            <a:fillRef idx="1">
+              <a:scrgbClr r="0" g="0" b="0"/>
+            </a:fillRef>
+            <a:effectRef idx="0">
+              <a:schemeClr val="accent3">
+                <a:tint val="40000"/>
+                <a:hueOff val="0"/>
+                <a:satOff val="0"/>
+                <a:lumOff val="0"/>
+                <a:alphaOff val="0"/>
+              </a:schemeClr>
+            </a:effectRef>
+            <a:fontRef idx="minor">
+              <a:schemeClr val="dk1">
+                <a:hueOff val="0"/>
+                <a:satOff val="0"/>
+                <a:lumOff val="0"/>
+                <a:alphaOff val="0"/>
+              </a:schemeClr>
+            </a:fontRef>
+          </p:style>
+        </p:sp>
+        <p:sp>
+          <p:nvSpPr>
+            <p:cNvPr id="41" name="Forme libre 40"/>
+            <p:cNvSpPr/>
+            <p:nvPr/>
+          </p:nvSpPr>
+          <p:spPr>
+            <a:xfrm>
+              <a:off x="8012571" y="4895471"/>
+              <a:ext cx="5458143" cy="2818558"/>
+            </a:xfrm>
+            <a:custGeom>
+              <a:avLst/>
+              <a:gdLst>
+                <a:gd name="connsiteX0" fmla="*/ 0 w 5458143"/>
+                <a:gd name="connsiteY0" fmla="*/ 469769 h 2818558"/>
+                <a:gd name="connsiteX1" fmla="*/ 469769 w 5458143"/>
+                <a:gd name="connsiteY1" fmla="*/ 0 h 2818558"/>
+                <a:gd name="connsiteX2" fmla="*/ 4988374 w 5458143"/>
+                <a:gd name="connsiteY2" fmla="*/ 0 h 2818558"/>
+                <a:gd name="connsiteX3" fmla="*/ 5458143 w 5458143"/>
+                <a:gd name="connsiteY3" fmla="*/ 469769 h 2818558"/>
+                <a:gd name="connsiteX4" fmla="*/ 5458143 w 5458143"/>
+                <a:gd name="connsiteY4" fmla="*/ 2348789 h 2818558"/>
+                <a:gd name="connsiteX5" fmla="*/ 4988374 w 5458143"/>
+                <a:gd name="connsiteY5" fmla="*/ 2818558 h 2818558"/>
+                <a:gd name="connsiteX6" fmla="*/ 469769 w 5458143"/>
+                <a:gd name="connsiteY6" fmla="*/ 2818558 h 2818558"/>
+                <a:gd name="connsiteX7" fmla="*/ 0 w 5458143"/>
+                <a:gd name="connsiteY7" fmla="*/ 2348789 h 2818558"/>
+                <a:gd name="connsiteX8" fmla="*/ 0 w 5458143"/>
+                <a:gd name="connsiteY8" fmla="*/ 469769 h 2818558"/>
+              </a:gdLst>
+              <a:ahLst/>
+              <a:cxnLst>
+                <a:cxn ang="0">
+                  <a:pos x="connsiteX0" y="connsiteY0"/>
+                </a:cxn>
+                <a:cxn ang="0">
+                  <a:pos x="connsiteX1" y="connsiteY1"/>
+                </a:cxn>
+                <a:cxn ang="0">
+                  <a:pos x="connsiteX2" y="connsiteY2"/>
+                </a:cxn>
+                <a:cxn ang="0">
+                  <a:pos x="connsiteX3" y="connsiteY3"/>
+                </a:cxn>
+                <a:cxn ang="0">
+                  <a:pos x="connsiteX4" y="connsiteY4"/>
+                </a:cxn>
+                <a:cxn ang="0">
+                  <a:pos x="connsiteX5" y="connsiteY5"/>
+                </a:cxn>
+                <a:cxn ang="0">
+                  <a:pos x="connsiteX6" y="connsiteY6"/>
+                </a:cxn>
+                <a:cxn ang="0">
+                  <a:pos x="connsiteX7" y="connsiteY7"/>
+                </a:cxn>
+                <a:cxn ang="0">
+                  <a:pos x="connsiteX8" y="connsiteY8"/>
+                </a:cxn>
+              </a:cxnLst>
+              <a:rect l="l" t="t" r="r" b="b"/>
+              <a:pathLst>
+                <a:path w="5458143" h="2818558">
+                  <a:moveTo>
+                    <a:pt x="0" y="469769"/>
+                  </a:moveTo>
+                  <a:cubicBezTo>
+                    <a:pt x="0" y="210323"/>
+                    <a:pt x="210323" y="0"/>
+                    <a:pt x="469769" y="0"/>
+                  </a:cubicBezTo>
+                  <a:lnTo>
+                    <a:pt x="4988374" y="0"/>
+                  </a:lnTo>
+                  <a:cubicBezTo>
+                    <a:pt x="5247820" y="0"/>
+                    <a:pt x="5458143" y="210323"/>
+                    <a:pt x="5458143" y="469769"/>
+                  </a:cubicBezTo>
+                  <a:lnTo>
+                    <a:pt x="5458143" y="2348789"/>
+                  </a:lnTo>
+                  <a:cubicBezTo>
+                    <a:pt x="5458143" y="2608235"/>
+                    <a:pt x="5247820" y="2818558"/>
+                    <a:pt x="4988374" y="2818558"/>
+                  </a:cubicBezTo>
+                  <a:lnTo>
+                    <a:pt x="469769" y="2818558"/>
+                  </a:lnTo>
+                  <a:cubicBezTo>
+                    <a:pt x="210323" y="2818558"/>
+                    <a:pt x="0" y="2608235"/>
+                    <a:pt x="0" y="2348789"/>
+                  </a:cubicBezTo>
+                  <a:lnTo>
+                    <a:pt x="0" y="469769"/>
+                  </a:lnTo>
+                  <a:close/>
+                </a:path>
+              </a:pathLst>
+            </a:custGeom>
+            <a:solidFill>
+              <a:srgbClr val="00B0F0"/>
+            </a:solidFill>
+          </p:spPr>
+          <p:style>
+            <a:lnRef idx="2">
+              <a:schemeClr val="lt1">
+                <a:hueOff val="0"/>
+                <a:satOff val="0"/>
+                <a:lumOff val="0"/>
+                <a:alphaOff val="0"/>
+              </a:schemeClr>
+            </a:lnRef>
+            <a:fillRef idx="1">
+              <a:scrgbClr r="0" g="0" b="0"/>
+            </a:fillRef>
+            <a:effectRef idx="0">
+              <a:schemeClr val="accent3">
+                <a:hueOff val="0"/>
+                <a:satOff val="0"/>
+                <a:lumOff val="0"/>
+                <a:alphaOff val="0"/>
+              </a:schemeClr>
+            </a:effectRef>
+            <a:fontRef idx="minor">
+              <a:schemeClr val="lt1"/>
+            </a:fontRef>
+          </p:style>
+          <p:txBody>
+            <a:bodyPr spcFirstLastPara="0" vert="horz" wrap="square" lIns="385241" tIns="385241" rIns="385241" bIns="385241" numCol="1" spcCol="1270" anchor="ctr" anchorCtr="0">
+              <a:noAutofit/>
+            </a:bodyPr>
+            <a:lstStyle/>
+            <a:p>
+              <a:pPr lvl="0" algn="ctr" defTabSz="2889250">
+                <a:lnSpc>
+                  <a:spcPct val="90000"/>
+                </a:lnSpc>
+                <a:spcBef>
+                  <a:spcPct val="0"/>
+                </a:spcBef>
+                <a:spcAft>
+                  <a:spcPct val="35000"/>
+                </a:spcAft>
+              </a:pPr>
+              <a:r>
+                <a:rPr lang="fr-FR" sz="6500" kern="1200" dirty="0"/>
+                <a:t>CONCEIVE</a:t>
+              </a:r>
+            </a:p>
+          </p:txBody>
+        </p:sp>
+        <p:sp>
+          <p:nvSpPr>
+            <p:cNvPr id="42" name="Forme libre 41"/>
+            <p:cNvSpPr/>
+            <p:nvPr/>
+          </p:nvSpPr>
+          <p:spPr>
+            <a:xfrm>
+              <a:off x="33515301" y="4933048"/>
+              <a:ext cx="5386793" cy="2745043"/>
+            </a:xfrm>
+            <a:custGeom>
+              <a:avLst/>
+              <a:gdLst>
+                <a:gd name="connsiteX0" fmla="*/ 0 w 5386793"/>
+                <a:gd name="connsiteY0" fmla="*/ 457516 h 2745043"/>
+                <a:gd name="connsiteX1" fmla="*/ 457516 w 5386793"/>
+                <a:gd name="connsiteY1" fmla="*/ 0 h 2745043"/>
+                <a:gd name="connsiteX2" fmla="*/ 4929277 w 5386793"/>
+                <a:gd name="connsiteY2" fmla="*/ 0 h 2745043"/>
+                <a:gd name="connsiteX3" fmla="*/ 5386793 w 5386793"/>
+                <a:gd name="connsiteY3" fmla="*/ 457516 h 2745043"/>
+                <a:gd name="connsiteX4" fmla="*/ 5386793 w 5386793"/>
+                <a:gd name="connsiteY4" fmla="*/ 2287527 h 2745043"/>
+                <a:gd name="connsiteX5" fmla="*/ 4929277 w 5386793"/>
+                <a:gd name="connsiteY5" fmla="*/ 2745043 h 2745043"/>
+                <a:gd name="connsiteX6" fmla="*/ 457516 w 5386793"/>
+                <a:gd name="connsiteY6" fmla="*/ 2745043 h 2745043"/>
+                <a:gd name="connsiteX7" fmla="*/ 0 w 5386793"/>
+                <a:gd name="connsiteY7" fmla="*/ 2287527 h 2745043"/>
+                <a:gd name="connsiteX8" fmla="*/ 0 w 5386793"/>
+                <a:gd name="connsiteY8" fmla="*/ 457516 h 2745043"/>
+              </a:gdLst>
+              <a:ahLst/>
+              <a:cxnLst>
+                <a:cxn ang="0">
+                  <a:pos x="connsiteX0" y="connsiteY0"/>
+                </a:cxn>
+                <a:cxn ang="0">
+                  <a:pos x="connsiteX1" y="connsiteY1"/>
+                </a:cxn>
+                <a:cxn ang="0">
+                  <a:pos x="connsiteX2" y="connsiteY2"/>
+                </a:cxn>
+                <a:cxn ang="0">
+                  <a:pos x="connsiteX3" y="connsiteY3"/>
+                </a:cxn>
+                <a:cxn ang="0">
+                  <a:pos x="connsiteX4" y="connsiteY4"/>
+                </a:cxn>
+                <a:cxn ang="0">
+                  <a:pos x="connsiteX5" y="connsiteY5"/>
+                </a:cxn>
+                <a:cxn ang="0">
+                  <a:pos x="connsiteX6" y="connsiteY6"/>
+                </a:cxn>
+                <a:cxn ang="0">
+                  <a:pos x="connsiteX7" y="connsiteY7"/>
+                </a:cxn>
+                <a:cxn ang="0">
+                  <a:pos x="connsiteX8" y="connsiteY8"/>
+                </a:cxn>
+              </a:cxnLst>
+              <a:rect l="l" t="t" r="r" b="b"/>
+              <a:pathLst>
+                <a:path w="5386793" h="2745043">
+                  <a:moveTo>
+                    <a:pt x="0" y="457516"/>
+                  </a:moveTo>
+                  <a:cubicBezTo>
+                    <a:pt x="0" y="204837"/>
+                    <a:pt x="204837" y="0"/>
+                    <a:pt x="457516" y="0"/>
+                  </a:cubicBezTo>
+                  <a:lnTo>
+                    <a:pt x="4929277" y="0"/>
+                  </a:lnTo>
+                  <a:cubicBezTo>
+                    <a:pt x="5181956" y="0"/>
+                    <a:pt x="5386793" y="204837"/>
+                    <a:pt x="5386793" y="457516"/>
+                  </a:cubicBezTo>
+                  <a:lnTo>
+                    <a:pt x="5386793" y="2287527"/>
+                  </a:lnTo>
+                  <a:cubicBezTo>
+                    <a:pt x="5386793" y="2540206"/>
+                    <a:pt x="5181956" y="2745043"/>
+                    <a:pt x="4929277" y="2745043"/>
+                  </a:cubicBezTo>
+                  <a:lnTo>
+                    <a:pt x="457516" y="2745043"/>
+                  </a:lnTo>
+                  <a:cubicBezTo>
+                    <a:pt x="204837" y="2745043"/>
+                    <a:pt x="0" y="2540206"/>
+                    <a:pt x="0" y="2287527"/>
+                  </a:cubicBezTo>
+                  <a:lnTo>
+                    <a:pt x="0" y="457516"/>
+                  </a:lnTo>
+                  <a:close/>
+                </a:path>
+              </a:pathLst>
+            </a:custGeom>
+            <a:solidFill>
+              <a:srgbClr val="7030A0"/>
+            </a:solidFill>
+          </p:spPr>
+          <p:style>
+            <a:lnRef idx="2">
+              <a:schemeClr val="lt1">
+                <a:hueOff val="0"/>
+                <a:satOff val="0"/>
+                <a:lumOff val="0"/>
+                <a:alphaOff val="0"/>
+              </a:schemeClr>
+            </a:lnRef>
+            <a:fillRef idx="1">
+              <a:scrgbClr r="0" g="0" b="0"/>
+            </a:fillRef>
+            <a:effectRef idx="0">
+              <a:schemeClr val="accent3">
+                <a:hueOff val="3000641"/>
+                <a:satOff val="271"/>
+                <a:lumOff val="-2877"/>
+                <a:alphaOff val="0"/>
+              </a:schemeClr>
+            </a:effectRef>
+            <a:fontRef idx="minor">
+              <a:schemeClr val="lt1"/>
+            </a:fontRef>
+          </p:style>
+          <p:txBody>
+            <a:bodyPr spcFirstLastPara="0" vert="horz" wrap="square" lIns="381652" tIns="381652" rIns="381652" bIns="381652" numCol="1" spcCol="1270" anchor="ctr" anchorCtr="0">
+              <a:noAutofit/>
+            </a:bodyPr>
+            <a:lstStyle/>
+            <a:p>
+              <a:pPr lvl="0" algn="ctr" defTabSz="2889250">
+                <a:lnSpc>
+                  <a:spcPct val="90000"/>
+                </a:lnSpc>
+                <a:spcBef>
+                  <a:spcPct val="0"/>
+                </a:spcBef>
+                <a:spcAft>
+                  <a:spcPct val="35000"/>
+                </a:spcAft>
+              </a:pPr>
+              <a:r>
+                <a:rPr lang="fr-FR" sz="6500" kern="1200" dirty="0"/>
+                <a:t>DESIGN</a:t>
+              </a:r>
+            </a:p>
+          </p:txBody>
+        </p:sp>
+        <p:sp>
+          <p:nvSpPr>
+            <p:cNvPr id="43" name="Forme libre 42"/>
+            <p:cNvSpPr/>
+            <p:nvPr/>
+          </p:nvSpPr>
+          <p:spPr>
+            <a:xfrm>
+              <a:off x="33475148" y="17338435"/>
+              <a:ext cx="5426946" cy="2379411"/>
+            </a:xfrm>
+            <a:custGeom>
+              <a:avLst/>
+              <a:gdLst>
+                <a:gd name="connsiteX0" fmla="*/ 0 w 5426946"/>
+                <a:gd name="connsiteY0" fmla="*/ 396576 h 2379411"/>
+                <a:gd name="connsiteX1" fmla="*/ 396576 w 5426946"/>
+                <a:gd name="connsiteY1" fmla="*/ 0 h 2379411"/>
+                <a:gd name="connsiteX2" fmla="*/ 5030370 w 5426946"/>
+                <a:gd name="connsiteY2" fmla="*/ 0 h 2379411"/>
+                <a:gd name="connsiteX3" fmla="*/ 5426946 w 5426946"/>
+                <a:gd name="connsiteY3" fmla="*/ 396576 h 2379411"/>
+                <a:gd name="connsiteX4" fmla="*/ 5426946 w 5426946"/>
+                <a:gd name="connsiteY4" fmla="*/ 1982835 h 2379411"/>
+                <a:gd name="connsiteX5" fmla="*/ 5030370 w 5426946"/>
+                <a:gd name="connsiteY5" fmla="*/ 2379411 h 2379411"/>
+                <a:gd name="connsiteX6" fmla="*/ 396576 w 5426946"/>
+                <a:gd name="connsiteY6" fmla="*/ 2379411 h 2379411"/>
+                <a:gd name="connsiteX7" fmla="*/ 0 w 5426946"/>
+                <a:gd name="connsiteY7" fmla="*/ 1982835 h 2379411"/>
+                <a:gd name="connsiteX8" fmla="*/ 0 w 5426946"/>
+                <a:gd name="connsiteY8" fmla="*/ 396576 h 2379411"/>
+              </a:gdLst>
+              <a:ahLst/>
+              <a:cxnLst>
+                <a:cxn ang="0">
+                  <a:pos x="connsiteX0" y="connsiteY0"/>
+                </a:cxn>
+                <a:cxn ang="0">
+                  <a:pos x="connsiteX1" y="connsiteY1"/>
+                </a:cxn>
+                <a:cxn ang="0">
+                  <a:pos x="connsiteX2" y="connsiteY2"/>
+                </a:cxn>
+                <a:cxn ang="0">
+                  <a:pos x="connsiteX3" y="connsiteY3"/>
+                </a:cxn>
+                <a:cxn ang="0">
+                  <a:pos x="connsiteX4" y="connsiteY4"/>
+                </a:cxn>
+                <a:cxn ang="0">
+                  <a:pos x="connsiteX5" y="connsiteY5"/>
+                </a:cxn>
+                <a:cxn ang="0">
+                  <a:pos x="connsiteX6" y="connsiteY6"/>
+                </a:cxn>
+                <a:cxn ang="0">
+                  <a:pos x="connsiteX7" y="connsiteY7"/>
+                </a:cxn>
+                <a:cxn ang="0">
+                  <a:pos x="connsiteX8" y="connsiteY8"/>
+                </a:cxn>
+              </a:cxnLst>
+              <a:rect l="l" t="t" r="r" b="b"/>
+              <a:pathLst>
+                <a:path w="5426946" h="2379411">
+                  <a:moveTo>
+                    <a:pt x="0" y="396576"/>
+                  </a:moveTo>
+                  <a:cubicBezTo>
+                    <a:pt x="0" y="177553"/>
+                    <a:pt x="177553" y="0"/>
+                    <a:pt x="396576" y="0"/>
+                  </a:cubicBezTo>
+                  <a:lnTo>
+                    <a:pt x="5030370" y="0"/>
+                  </a:lnTo>
+                  <a:cubicBezTo>
+                    <a:pt x="5249393" y="0"/>
+                    <a:pt x="5426946" y="177553"/>
+                    <a:pt x="5426946" y="396576"/>
+                  </a:cubicBezTo>
+                  <a:lnTo>
+                    <a:pt x="5426946" y="1982835"/>
+                  </a:lnTo>
+                  <a:cubicBezTo>
+                    <a:pt x="5426946" y="2201858"/>
+                    <a:pt x="5249393" y="2379411"/>
+                    <a:pt x="5030370" y="2379411"/>
+                  </a:cubicBezTo>
+                  <a:lnTo>
+                    <a:pt x="396576" y="2379411"/>
+                  </a:lnTo>
+                  <a:cubicBezTo>
+                    <a:pt x="177553" y="2379411"/>
+                    <a:pt x="0" y="2201858"/>
+                    <a:pt x="0" y="1982835"/>
+                  </a:cubicBezTo>
+                  <a:lnTo>
+                    <a:pt x="0" y="396576"/>
+                  </a:lnTo>
+                  <a:close/>
+                </a:path>
+              </a:pathLst>
+            </a:custGeom>
+            <a:solidFill>
+              <a:srgbClr val="FC1C1C"/>
+            </a:solidFill>
+          </p:spPr>
+          <p:style>
+            <a:lnRef idx="2">
+              <a:schemeClr val="lt1">
+                <a:hueOff val="0"/>
+                <a:satOff val="0"/>
+                <a:lumOff val="0"/>
+                <a:alphaOff val="0"/>
+              </a:schemeClr>
+            </a:lnRef>
+            <a:fillRef idx="1">
+              <a:scrgbClr r="0" g="0" b="0"/>
+            </a:fillRef>
+            <a:effectRef idx="0">
+              <a:schemeClr val="accent3">
+                <a:hueOff val="6001281"/>
+                <a:satOff val="542"/>
+                <a:lumOff val="-5754"/>
+                <a:alphaOff val="0"/>
+              </a:schemeClr>
+            </a:effectRef>
+            <a:fontRef idx="minor">
+              <a:schemeClr val="lt1"/>
+            </a:fontRef>
+          </p:style>
+          <p:txBody>
+            <a:bodyPr spcFirstLastPara="0" vert="horz" wrap="square" lIns="363803" tIns="363803" rIns="363803" bIns="363803" numCol="1" spcCol="1270" anchor="ctr" anchorCtr="0">
+              <a:noAutofit/>
+            </a:bodyPr>
+            <a:lstStyle/>
+            <a:p>
+              <a:pPr lvl="0" algn="ctr" defTabSz="2889250">
+                <a:lnSpc>
+                  <a:spcPct val="90000"/>
+                </a:lnSpc>
+                <a:spcBef>
+                  <a:spcPct val="0"/>
+                </a:spcBef>
+                <a:spcAft>
+                  <a:spcPct val="35000"/>
+                </a:spcAft>
+              </a:pPr>
+              <a:r>
+                <a:rPr lang="fr-FR" sz="6500" kern="1200" dirty="0"/>
+                <a:t>IMPLEMENTS</a:t>
+              </a:r>
+            </a:p>
+          </p:txBody>
+        </p:sp>
+        <p:sp>
+          <p:nvSpPr>
+            <p:cNvPr id="44" name="Forme libre 43"/>
+            <p:cNvSpPr/>
+            <p:nvPr/>
+          </p:nvSpPr>
+          <p:spPr>
+            <a:xfrm>
+              <a:off x="8022123" y="17943404"/>
+              <a:ext cx="5439037" cy="2399338"/>
+            </a:xfrm>
+            <a:custGeom>
+              <a:avLst/>
+              <a:gdLst>
+                <a:gd name="connsiteX0" fmla="*/ 0 w 5439037"/>
+                <a:gd name="connsiteY0" fmla="*/ 399898 h 2399338"/>
+                <a:gd name="connsiteX1" fmla="*/ 399898 w 5439037"/>
+                <a:gd name="connsiteY1" fmla="*/ 0 h 2399338"/>
+                <a:gd name="connsiteX2" fmla="*/ 5039139 w 5439037"/>
+                <a:gd name="connsiteY2" fmla="*/ 0 h 2399338"/>
+                <a:gd name="connsiteX3" fmla="*/ 5439037 w 5439037"/>
+                <a:gd name="connsiteY3" fmla="*/ 399898 h 2399338"/>
+                <a:gd name="connsiteX4" fmla="*/ 5439037 w 5439037"/>
+                <a:gd name="connsiteY4" fmla="*/ 1999440 h 2399338"/>
+                <a:gd name="connsiteX5" fmla="*/ 5039139 w 5439037"/>
+                <a:gd name="connsiteY5" fmla="*/ 2399338 h 2399338"/>
+                <a:gd name="connsiteX6" fmla="*/ 399898 w 5439037"/>
+                <a:gd name="connsiteY6" fmla="*/ 2399338 h 2399338"/>
+                <a:gd name="connsiteX7" fmla="*/ 0 w 5439037"/>
+                <a:gd name="connsiteY7" fmla="*/ 1999440 h 2399338"/>
+                <a:gd name="connsiteX8" fmla="*/ 0 w 5439037"/>
+                <a:gd name="connsiteY8" fmla="*/ 399898 h 2399338"/>
+              </a:gdLst>
+              <a:ahLst/>
+              <a:cxnLst>
+                <a:cxn ang="0">
+                  <a:pos x="connsiteX0" y="connsiteY0"/>
+                </a:cxn>
+                <a:cxn ang="0">
+                  <a:pos x="connsiteX1" y="connsiteY1"/>
+                </a:cxn>
+                <a:cxn ang="0">
+                  <a:pos x="connsiteX2" y="connsiteY2"/>
+                </a:cxn>
+                <a:cxn ang="0">
+                  <a:pos x="connsiteX3" y="connsiteY3"/>
+                </a:cxn>
+                <a:cxn ang="0">
+                  <a:pos x="connsiteX4" y="connsiteY4"/>
+                </a:cxn>
+                <a:cxn ang="0">
+                  <a:pos x="connsiteX5" y="connsiteY5"/>
+                </a:cxn>
+                <a:cxn ang="0">
+                  <a:pos x="connsiteX6" y="connsiteY6"/>
+                </a:cxn>
+                <a:cxn ang="0">
+                  <a:pos x="connsiteX7" y="connsiteY7"/>
+                </a:cxn>
+                <a:cxn ang="0">
+                  <a:pos x="connsiteX8" y="connsiteY8"/>
+                </a:cxn>
+              </a:cxnLst>
+              <a:rect l="l" t="t" r="r" b="b"/>
+              <a:pathLst>
+                <a:path w="5439037" h="2399338">
+                  <a:moveTo>
+                    <a:pt x="0" y="399898"/>
+                  </a:moveTo>
+                  <a:cubicBezTo>
+                    <a:pt x="0" y="179040"/>
+                    <a:pt x="179040" y="0"/>
+                    <a:pt x="399898" y="0"/>
+                  </a:cubicBezTo>
+                  <a:lnTo>
+                    <a:pt x="5039139" y="0"/>
+                  </a:lnTo>
+                  <a:cubicBezTo>
+                    <a:pt x="5259997" y="0"/>
+                    <a:pt x="5439037" y="179040"/>
+                    <a:pt x="5439037" y="399898"/>
+                  </a:cubicBezTo>
+                  <a:lnTo>
+                    <a:pt x="5439037" y="1999440"/>
+                  </a:lnTo>
+                  <a:cubicBezTo>
+                    <a:pt x="5439037" y="2220298"/>
+                    <a:pt x="5259997" y="2399338"/>
+                    <a:pt x="5039139" y="2399338"/>
+                  </a:cubicBezTo>
+                  <a:lnTo>
+                    <a:pt x="399898" y="2399338"/>
+                  </a:lnTo>
+                  <a:cubicBezTo>
+                    <a:pt x="179040" y="2399338"/>
+                    <a:pt x="0" y="2220298"/>
+                    <a:pt x="0" y="1999440"/>
+                  </a:cubicBezTo>
+                  <a:lnTo>
+                    <a:pt x="0" y="399898"/>
+                  </a:lnTo>
+                  <a:close/>
+                </a:path>
+              </a:pathLst>
+            </a:custGeom>
+            <a:solidFill>
+              <a:schemeClr val="accent1">
+                <a:lumMod val="75000"/>
+              </a:schemeClr>
+            </a:solidFill>
+          </p:spPr>
+          <p:style>
+            <a:lnRef idx="2">
+              <a:schemeClr val="lt1">
+                <a:hueOff val="0"/>
+                <a:satOff val="0"/>
+                <a:lumOff val="0"/>
+                <a:alphaOff val="0"/>
+              </a:schemeClr>
+            </a:lnRef>
+            <a:fillRef idx="1">
+              <a:scrgbClr r="0" g="0" b="0"/>
+            </a:fillRef>
+            <a:effectRef idx="0">
+              <a:schemeClr val="accent3">
+                <a:hueOff val="9001922"/>
+                <a:satOff val="813"/>
+                <a:lumOff val="-8631"/>
+                <a:alphaOff val="0"/>
+              </a:schemeClr>
+            </a:effectRef>
+            <a:fontRef idx="minor">
+              <a:schemeClr val="lt1"/>
+            </a:fontRef>
+          </p:style>
+          <p:txBody>
+            <a:bodyPr spcFirstLastPara="0" vert="horz" wrap="square" lIns="364776" tIns="364776" rIns="364776" bIns="364776" numCol="1" spcCol="1270" anchor="ctr" anchorCtr="0">
+              <a:noAutofit/>
+            </a:bodyPr>
+            <a:lstStyle/>
+            <a:p>
+              <a:pPr lvl="0" algn="ctr" defTabSz="2889250">
+                <a:lnSpc>
+                  <a:spcPct val="90000"/>
+                </a:lnSpc>
+                <a:spcBef>
+                  <a:spcPct val="0"/>
+                </a:spcBef>
+                <a:spcAft>
+                  <a:spcPct val="35000"/>
+                </a:spcAft>
+              </a:pPr>
+              <a:r>
+                <a:rPr lang="fr-FR" sz="6500" kern="1200" dirty="0"/>
+                <a:t>OPPERATE</a:t>
+              </a:r>
+            </a:p>
+          </p:txBody>
+        </p:sp>
+      </p:grpSp>
+      <p:sp>
+        <p:nvSpPr>
+          <p:cNvPr id="45" name="Flèche droite 44"/>
+          <p:cNvSpPr/>
+          <p:nvPr/>
+        </p:nvSpPr>
+        <p:spPr>
+          <a:xfrm>
+            <a:off x="16077339" y="5240618"/>
+            <a:ext cx="10655129" cy="1341120"/>
+          </a:xfrm>
+          <a:prstGeom prst="rightArrow">
+            <a:avLst>
+              <a:gd name="adj1" fmla="val 40909"/>
+              <a:gd name="adj2" fmla="val 125000"/>
+            </a:avLst>
+          </a:prstGeom>
+          <a:solidFill>
+            <a:srgbClr val="FFC000"/>
+          </a:solidFill>
+          <a:ln>
+            <a:noFill/>
+          </a:ln>
+        </p:spPr>
+        <p:style>
+          <a:lnRef idx="2">
+            <a:schemeClr val="accent1">
+              <a:shade val="50000"/>
+            </a:schemeClr>
+          </a:lnRef>
+          <a:fillRef idx="1">
+            <a:schemeClr val="accent1"/>
+          </a:fillRef>
+          <a:effectRef idx="0">
+            <a:schemeClr val="accent1"/>
+          </a:effectRef>
+          <a:fontRef idx="minor">
+            <a:schemeClr val="lt1"/>
+          </a:fontRef>
+        </p:style>
+        <p:txBody>
+          <a:bodyPr rtlCol="0" anchor="ctr"/>
+          <a:lstStyle/>
+          <a:p>
+            <a:pPr algn="ctr"/>
+            <a:endParaRPr lang="fr-FR"/>
+          </a:p>
+        </p:txBody>
+      </p:sp>
+      <p:sp>
+        <p:nvSpPr>
+          <p:cNvPr id="46" name="Flèche droite 45"/>
+          <p:cNvSpPr/>
+          <p:nvPr/>
+        </p:nvSpPr>
+        <p:spPr>
+          <a:xfrm rot="5400000">
+            <a:off x="35567518" y="12165435"/>
+            <a:ext cx="10655129" cy="1341120"/>
+          </a:xfrm>
+          <a:prstGeom prst="rightArrow">
+            <a:avLst>
+              <a:gd name="adj1" fmla="val 40909"/>
+              <a:gd name="adj2" fmla="val 125000"/>
+            </a:avLst>
+          </a:prstGeom>
+          <a:solidFill>
+            <a:srgbClr val="FFC000"/>
+          </a:solidFill>
+          <a:ln>
+            <a:noFill/>
+          </a:ln>
+        </p:spPr>
+        <p:style>
+          <a:lnRef idx="2">
+            <a:schemeClr val="accent1">
+              <a:shade val="50000"/>
+            </a:schemeClr>
+          </a:lnRef>
+          <a:fillRef idx="1">
+            <a:schemeClr val="accent1"/>
+          </a:fillRef>
+          <a:effectRef idx="0">
+            <a:schemeClr val="accent1"/>
+          </a:effectRef>
+          <a:fontRef idx="minor">
+            <a:schemeClr val="lt1"/>
+          </a:fontRef>
+        </p:style>
+        <p:txBody>
+          <a:bodyPr rtlCol="0" anchor="ctr"/>
+          <a:lstStyle/>
+          <a:p>
+            <a:pPr algn="ctr"/>
+            <a:endParaRPr lang="fr-FR"/>
+          </a:p>
+        </p:txBody>
+      </p:sp>
+      <p:sp>
+        <p:nvSpPr>
+          <p:cNvPr id="47" name="Flèche droite 46"/>
+          <p:cNvSpPr/>
+          <p:nvPr/>
+        </p:nvSpPr>
+        <p:spPr>
+          <a:xfrm rot="10800000">
+            <a:off x="16074316" y="28353451"/>
+            <a:ext cx="10655129" cy="1341120"/>
+          </a:xfrm>
+          <a:prstGeom prst="rightArrow">
+            <a:avLst>
+              <a:gd name="adj1" fmla="val 40909"/>
+              <a:gd name="adj2" fmla="val 125000"/>
+            </a:avLst>
+          </a:prstGeom>
+          <a:solidFill>
+            <a:srgbClr val="FFC000"/>
+          </a:solidFill>
+          <a:ln>
+            <a:noFill/>
+          </a:ln>
+        </p:spPr>
+        <p:style>
+          <a:lnRef idx="2">
+            <a:schemeClr val="accent1">
+              <a:shade val="50000"/>
+            </a:schemeClr>
+          </a:lnRef>
+          <a:fillRef idx="1">
+            <a:schemeClr val="accent1"/>
+          </a:fillRef>
+          <a:effectRef idx="0">
+            <a:schemeClr val="accent1"/>
+          </a:effectRef>
+          <a:fontRef idx="minor">
+            <a:schemeClr val="lt1"/>
+          </a:fontRef>
+        </p:style>
+        <p:txBody>
+          <a:bodyPr rtlCol="0" anchor="ctr"/>
+          <a:lstStyle/>
+          <a:p>
+            <a:pPr algn="ctr"/>
+            <a:endParaRPr lang="fr-FR"/>
+          </a:p>
+        </p:txBody>
+      </p:sp>
+      <p:sp>
+        <p:nvSpPr>
+          <p:cNvPr id="48" name="Flèche droite 47"/>
+          <p:cNvSpPr/>
+          <p:nvPr/>
+        </p:nvSpPr>
+        <p:spPr>
+          <a:xfrm rot="16200000">
+            <a:off x="-3939370" y="13382347"/>
+            <a:ext cx="10655129" cy="1341120"/>
+          </a:xfrm>
+          <a:prstGeom prst="rightArrow">
+            <a:avLst>
+              <a:gd name="adj1" fmla="val 40909"/>
+              <a:gd name="adj2" fmla="val 125000"/>
+            </a:avLst>
+          </a:prstGeom>
+          <a:solidFill>
+            <a:srgbClr val="FFC000"/>
+          </a:solidFill>
+          <a:ln>
+            <a:noFill/>
+          </a:ln>
+        </p:spPr>
+        <p:style>
+          <a:lnRef idx="2">
+            <a:schemeClr val="accent1">
+              <a:shade val="50000"/>
+            </a:schemeClr>
+          </a:lnRef>
+          <a:fillRef idx="1">
+            <a:schemeClr val="accent1"/>
+          </a:fillRef>
+          <a:effectRef idx="0">
+            <a:schemeClr val="accent1"/>
+          </a:effectRef>
+          <a:fontRef idx="minor">
+            <a:schemeClr val="lt1"/>
+          </a:fontRef>
+        </p:style>
+        <p:txBody>
+          <a:bodyPr rtlCol="0" anchor="ctr"/>
+          <a:lstStyle/>
+          <a:p>
+            <a:pPr algn="ctr"/>
+            <a:endParaRPr lang="fr-FR"/>
+          </a:p>
+        </p:txBody>
+      </p:sp>
+      <p:sp>
+        <p:nvSpPr>
+          <p:cNvPr id="21" name="ZoneTexte 20"/>
+          <p:cNvSpPr txBox="1"/>
+          <p:nvPr/>
+        </p:nvSpPr>
+        <p:spPr>
+          <a:xfrm>
+            <a:off x="2776390" y="7698987"/>
+            <a:ext cx="10149558" cy="6370975"/>
+          </a:xfrm>
+          <a:prstGeom prst="rect">
+            <a:avLst/>
+          </a:prstGeom>
+          <a:noFill/>
+        </p:spPr>
+        <p:txBody>
+          <a:bodyPr wrap="square" rtlCol="0">
+            <a:spAutoFit/>
+          </a:bodyPr>
+          <a:lstStyle/>
+          <a:p>
+            <a:r>
+              <a:rPr lang="fr-FR" sz="4400" b="1" dirty="0">
+                <a:latin typeface="Times New Roman" panose="02020603050405020304" pitchFamily="18" charset="0"/>
+                <a:cs typeface="Times New Roman" panose="02020603050405020304" pitchFamily="18" charset="0"/>
+              </a:rPr>
+              <a:t>Attendus Physiques :</a:t>
+            </a:r>
+          </a:p>
+          <a:p>
+            <a:pPr marL="857250" indent="-857250">
+              <a:buFont typeface="Arial" panose="020B0604020202020204" pitchFamily="34" charset="0"/>
+              <a:buChar char="•"/>
+            </a:pPr>
+            <a:r>
+              <a:rPr lang="fr-FR" sz="4000" dirty="0">
+                <a:latin typeface="Times New Roman" panose="02020603050405020304" pitchFamily="18" charset="0"/>
+                <a:cs typeface="Times New Roman" panose="02020603050405020304" pitchFamily="18" charset="0"/>
+              </a:rPr>
+              <a:t>Mini frigo</a:t>
+            </a:r>
+          </a:p>
+          <a:p>
+            <a:pPr marL="857250" indent="-857250">
+              <a:buFont typeface="Arial" panose="020B0604020202020204" pitchFamily="34" charset="0"/>
+              <a:buChar char="•"/>
+            </a:pPr>
+            <a:r>
+              <a:rPr lang="fr-FR" sz="4000" dirty="0">
+                <a:latin typeface="Times New Roman" panose="02020603050405020304" pitchFamily="18" charset="0"/>
+                <a:cs typeface="Times New Roman" panose="02020603050405020304" pitchFamily="18" charset="0"/>
+              </a:rPr>
+              <a:t>Régulation de la température</a:t>
+            </a:r>
+          </a:p>
+          <a:p>
+            <a:pPr marL="857250" indent="-857250">
+              <a:buFont typeface="Arial" panose="020B0604020202020204" pitchFamily="34" charset="0"/>
+              <a:buChar char="•"/>
+            </a:pPr>
+            <a:endParaRPr lang="fr-FR" sz="4000" dirty="0">
+              <a:latin typeface="Times New Roman" panose="02020603050405020304" pitchFamily="18" charset="0"/>
+              <a:cs typeface="Times New Roman" panose="02020603050405020304" pitchFamily="18" charset="0"/>
+            </a:endParaRPr>
+          </a:p>
+          <a:p>
+            <a:r>
+              <a:rPr lang="fr-FR" sz="4400" b="1" dirty="0">
+                <a:latin typeface="Times New Roman" panose="02020603050405020304" pitchFamily="18" charset="0"/>
+                <a:cs typeface="Times New Roman" panose="02020603050405020304" pitchFamily="18" charset="0"/>
+              </a:rPr>
+              <a:t>Attendus Applicatifs :</a:t>
+            </a:r>
+          </a:p>
+          <a:p>
+            <a:pPr marL="857250" indent="-857250">
+              <a:buFont typeface="Arial" panose="020B0604020202020204" pitchFamily="34" charset="0"/>
+              <a:buChar char="•"/>
+            </a:pPr>
+            <a:r>
+              <a:rPr lang="fr-FR" sz="4000" dirty="0">
+                <a:latin typeface="Times New Roman" panose="02020603050405020304" pitchFamily="18" charset="0"/>
+                <a:cs typeface="Times New Roman" panose="02020603050405020304" pitchFamily="18" charset="0"/>
+              </a:rPr>
+              <a:t>Visualisation de la température intérieure</a:t>
+            </a:r>
+          </a:p>
+          <a:p>
+            <a:pPr marL="857250" indent="-857250">
+              <a:buFont typeface="Arial" panose="020B0604020202020204" pitchFamily="34" charset="0"/>
+              <a:buChar char="•"/>
+            </a:pPr>
+            <a:r>
+              <a:rPr lang="fr-FR" sz="4000" dirty="0">
+                <a:latin typeface="Times New Roman" panose="02020603050405020304" pitchFamily="18" charset="0"/>
+                <a:cs typeface="Times New Roman" panose="02020603050405020304" pitchFamily="18" charset="0"/>
+              </a:rPr>
+              <a:t>Visualisation de la température extérieure</a:t>
+            </a:r>
+          </a:p>
+          <a:p>
+            <a:pPr marL="857250" indent="-857250">
+              <a:buFont typeface="Arial" panose="020B0604020202020204" pitchFamily="34" charset="0"/>
+              <a:buChar char="•"/>
+            </a:pPr>
+            <a:r>
+              <a:rPr lang="fr-FR" sz="4000" dirty="0">
+                <a:latin typeface="Times New Roman" panose="02020603050405020304" pitchFamily="18" charset="0"/>
+                <a:cs typeface="Times New Roman" panose="02020603050405020304" pitchFamily="18" charset="0"/>
+              </a:rPr>
+              <a:t>Visualisation de la température de consigne</a:t>
+            </a:r>
+          </a:p>
+          <a:p>
+            <a:pPr marL="857250" indent="-857250">
+              <a:buFont typeface="Arial" panose="020B0604020202020204" pitchFamily="34" charset="0"/>
+              <a:buChar char="•"/>
+            </a:pPr>
+            <a:r>
+              <a:rPr lang="fr-FR" sz="4000" dirty="0">
+                <a:latin typeface="Times New Roman" panose="02020603050405020304" pitchFamily="18" charset="0"/>
+                <a:cs typeface="Times New Roman" panose="02020603050405020304" pitchFamily="18" charset="0"/>
+              </a:rPr>
+              <a:t>Visualisation de l’humidité</a:t>
+            </a:r>
+          </a:p>
+          <a:p>
+            <a:pPr marL="857250" indent="-857250">
+              <a:buFont typeface="Arial" panose="020B0604020202020204" pitchFamily="34" charset="0"/>
+              <a:buChar char="•"/>
+            </a:pPr>
+            <a:r>
+              <a:rPr lang="fr-FR" sz="4000" dirty="0">
+                <a:latin typeface="Times New Roman" panose="02020603050405020304" pitchFamily="18" charset="0"/>
+                <a:cs typeface="Times New Roman" panose="02020603050405020304" pitchFamily="18" charset="0"/>
+              </a:rPr>
+              <a:t>Modification de la température de consigne</a:t>
+            </a:r>
+          </a:p>
+        </p:txBody>
+      </p:sp>
+      <p:sp>
+        <p:nvSpPr>
+          <p:cNvPr id="49" name="ZoneTexte 48"/>
+          <p:cNvSpPr txBox="1"/>
+          <p:nvPr/>
+        </p:nvSpPr>
+        <p:spPr>
+          <a:xfrm>
+            <a:off x="22139627" y="13875199"/>
+            <a:ext cx="13670280" cy="3416320"/>
+          </a:xfrm>
+          <a:prstGeom prst="rect">
+            <a:avLst/>
+          </a:prstGeom>
+          <a:noFill/>
+        </p:spPr>
+        <p:txBody>
+          <a:bodyPr wrap="square" rtlCol="0">
+            <a:spAutoFit/>
+          </a:bodyPr>
+          <a:lstStyle/>
+          <a:p>
+            <a:r>
+              <a:rPr lang="fr-FR" sz="7200" dirty="0" err="1">
+                <a:latin typeface="Times New Roman" panose="02020603050405020304" pitchFamily="18" charset="0"/>
+                <a:cs typeface="Times New Roman" panose="02020603050405020304" pitchFamily="18" charset="0"/>
+              </a:rPr>
+              <a:t>Diag</a:t>
+            </a:r>
+            <a:r>
+              <a:rPr lang="fr-FR" sz="7200" dirty="0">
+                <a:latin typeface="Times New Roman" panose="02020603050405020304" pitchFamily="18" charset="0"/>
+                <a:cs typeface="Times New Roman" panose="02020603050405020304" pitchFamily="18" charset="0"/>
+              </a:rPr>
+              <a:t> Composant, Choix Techniques et fonctionnement : Peltier, Pont Diviseur, Sciences</a:t>
+            </a:r>
+          </a:p>
+        </p:txBody>
+      </p:sp>
+      <p:sp>
+        <p:nvSpPr>
+          <p:cNvPr id="51" name="ZoneTexte 50"/>
+          <p:cNvSpPr txBox="1"/>
+          <p:nvPr/>
+        </p:nvSpPr>
+        <p:spPr>
+          <a:xfrm>
+            <a:off x="2609580" y="21883702"/>
+            <a:ext cx="13670280" cy="6740307"/>
+          </a:xfrm>
+          <a:prstGeom prst="rect">
+            <a:avLst/>
+          </a:prstGeom>
+          <a:noFill/>
+        </p:spPr>
+        <p:txBody>
+          <a:bodyPr wrap="square" rtlCol="0">
+            <a:spAutoFit/>
+          </a:bodyPr>
+          <a:lstStyle/>
+          <a:p>
+            <a:r>
+              <a:rPr lang="fr-FR" sz="7200" dirty="0">
+                <a:latin typeface="Times New Roman" panose="02020603050405020304" pitchFamily="18" charset="0"/>
+                <a:cs typeface="Times New Roman" panose="02020603050405020304" pitchFamily="18" charset="0"/>
+              </a:rPr>
+              <a:t>Problèmes rencontrés :</a:t>
+            </a:r>
+          </a:p>
+          <a:p>
+            <a:pPr marL="857250" indent="-857250">
+              <a:buFont typeface="Arial" panose="020B0604020202020204" pitchFamily="34" charset="0"/>
+              <a:buChar char="•"/>
+            </a:pPr>
+            <a:r>
+              <a:rPr lang="fr-FR" sz="7200" dirty="0" err="1">
+                <a:latin typeface="Times New Roman" panose="02020603050405020304" pitchFamily="18" charset="0"/>
+                <a:cs typeface="Times New Roman" panose="02020603050405020304" pitchFamily="18" charset="0"/>
+              </a:rPr>
+              <a:t>Extends</a:t>
+            </a:r>
+            <a:r>
+              <a:rPr lang="fr-FR" sz="7200" dirty="0">
+                <a:latin typeface="Times New Roman" panose="02020603050405020304" pitchFamily="18" charset="0"/>
+                <a:cs typeface="Times New Roman" panose="02020603050405020304" pitchFamily="18" charset="0"/>
+              </a:rPr>
+              <a:t> – Interface</a:t>
+            </a:r>
+          </a:p>
+          <a:p>
+            <a:pPr marL="857250" indent="-857250">
+              <a:buFont typeface="Arial" panose="020B0604020202020204" pitchFamily="34" charset="0"/>
+              <a:buChar char="•"/>
+            </a:pPr>
+            <a:r>
+              <a:rPr lang="fr-FR" sz="7200" dirty="0">
+                <a:latin typeface="Times New Roman" panose="02020603050405020304" pitchFamily="18" charset="0"/>
+                <a:cs typeface="Times New Roman" panose="02020603050405020304" pitchFamily="18" charset="0"/>
+              </a:rPr>
+              <a:t>Communication Arduino</a:t>
+            </a:r>
+          </a:p>
+          <a:p>
+            <a:pPr marL="857250" indent="-857250">
+              <a:buFont typeface="Arial" panose="020B0604020202020204" pitchFamily="34" charset="0"/>
+              <a:buChar char="•"/>
+            </a:pPr>
+            <a:r>
+              <a:rPr lang="fr-FR" sz="7200" dirty="0" err="1">
+                <a:latin typeface="Times New Roman" panose="02020603050405020304" pitchFamily="18" charset="0"/>
+                <a:cs typeface="Times New Roman" panose="02020603050405020304" pitchFamily="18" charset="0"/>
+              </a:rPr>
+              <a:t>JFreeChart</a:t>
+            </a:r>
+            <a:endParaRPr lang="fr-FR" sz="7200" dirty="0">
+              <a:latin typeface="Times New Roman" panose="02020603050405020304" pitchFamily="18" charset="0"/>
+              <a:cs typeface="Times New Roman" panose="02020603050405020304" pitchFamily="18" charset="0"/>
+            </a:endParaRPr>
+          </a:p>
+          <a:p>
+            <a:endParaRPr lang="fr-FR" sz="7200" dirty="0">
+              <a:latin typeface="Times New Roman" panose="02020603050405020304" pitchFamily="18" charset="0"/>
+              <a:cs typeface="Times New Roman" panose="02020603050405020304" pitchFamily="18" charset="0"/>
+            </a:endParaRPr>
+          </a:p>
+          <a:p>
+            <a:r>
+              <a:rPr lang="fr-FR" sz="7200" dirty="0">
+                <a:latin typeface="Times New Roman" panose="02020603050405020304" pitchFamily="18" charset="0"/>
+                <a:cs typeface="Times New Roman" panose="02020603050405020304" pitchFamily="18" charset="0"/>
+              </a:rPr>
+              <a:t>	Bilan</a:t>
+            </a:r>
+          </a:p>
+        </p:txBody>
+      </p:sp>
+      <p:sp>
+        <p:nvSpPr>
+          <p:cNvPr id="23" name="ZoneTexte 22"/>
+          <p:cNvSpPr txBox="1"/>
+          <p:nvPr/>
+        </p:nvSpPr>
+        <p:spPr>
+          <a:xfrm>
+            <a:off x="12925948" y="7698987"/>
+            <a:ext cx="7408984" cy="10002738"/>
+          </a:xfrm>
+          <a:prstGeom prst="rect">
+            <a:avLst/>
+          </a:prstGeom>
+          <a:noFill/>
+        </p:spPr>
+        <p:txBody>
+          <a:bodyPr wrap="square" rtlCol="0">
+            <a:spAutoFit/>
+          </a:bodyPr>
+          <a:lstStyle/>
+          <a:p>
+            <a:r>
+              <a:rPr lang="fr-FR" sz="4400" b="1" dirty="0">
+                <a:latin typeface="Times New Roman" panose="02020603050405020304" pitchFamily="18" charset="0"/>
+                <a:cs typeface="Times New Roman" panose="02020603050405020304" pitchFamily="18" charset="0"/>
+              </a:rPr>
+              <a:t>Livrables :</a:t>
+            </a:r>
+          </a:p>
+          <a:p>
+            <a:pPr marL="571500" indent="-571500">
+              <a:buFont typeface="Arial" panose="020B0604020202020204" pitchFamily="34" charset="0"/>
+              <a:buChar char="•"/>
+            </a:pPr>
+            <a:r>
+              <a:rPr lang="fr-FR" sz="4000" dirty="0">
+                <a:latin typeface="Times New Roman" panose="02020603050405020304" pitchFamily="18" charset="0"/>
+                <a:cs typeface="Times New Roman" panose="02020603050405020304" pitchFamily="18" charset="0"/>
+              </a:rPr>
+              <a:t>Gestion de Projet</a:t>
+            </a:r>
+          </a:p>
+          <a:p>
+            <a:pPr marL="2720705" lvl="1" indent="-571500">
+              <a:buFont typeface="Arial" panose="020B0604020202020204" pitchFamily="34" charset="0"/>
+              <a:buChar char="•"/>
+            </a:pPr>
+            <a:r>
+              <a:rPr lang="fr-FR" sz="4000" dirty="0">
+                <a:latin typeface="Times New Roman" panose="02020603050405020304" pitchFamily="18" charset="0"/>
+                <a:cs typeface="Times New Roman" panose="02020603050405020304" pitchFamily="18" charset="0"/>
+              </a:rPr>
+              <a:t>OBS</a:t>
+            </a:r>
+          </a:p>
+          <a:p>
+            <a:pPr marL="2720705" lvl="1" indent="-571500">
+              <a:buFont typeface="Arial" panose="020B0604020202020204" pitchFamily="34" charset="0"/>
+              <a:buChar char="•"/>
+            </a:pPr>
+            <a:r>
+              <a:rPr lang="fr-FR" sz="4000" dirty="0">
+                <a:latin typeface="Times New Roman" panose="02020603050405020304" pitchFamily="18" charset="0"/>
+                <a:cs typeface="Times New Roman" panose="02020603050405020304" pitchFamily="18" charset="0"/>
+              </a:rPr>
+              <a:t>WBS</a:t>
+            </a:r>
+          </a:p>
+          <a:p>
+            <a:pPr marL="2720705" lvl="1" indent="-571500">
+              <a:buFont typeface="Arial" panose="020B0604020202020204" pitchFamily="34" charset="0"/>
+              <a:buChar char="•"/>
+            </a:pPr>
+            <a:r>
+              <a:rPr lang="fr-FR" sz="4000" dirty="0">
+                <a:latin typeface="Times New Roman" panose="02020603050405020304" pitchFamily="18" charset="0"/>
+                <a:cs typeface="Times New Roman" panose="02020603050405020304" pitchFamily="18" charset="0"/>
+              </a:rPr>
+              <a:t>Planning Prévisionnel</a:t>
+            </a:r>
+          </a:p>
+          <a:p>
+            <a:pPr marL="571500" indent="-571500">
+              <a:buFont typeface="Arial" panose="020B0604020202020204" pitchFamily="34" charset="0"/>
+              <a:buChar char="•"/>
+            </a:pPr>
+            <a:r>
+              <a:rPr lang="fr-FR" sz="4000" dirty="0">
+                <a:latin typeface="Times New Roman" panose="02020603050405020304" pitchFamily="18" charset="0"/>
+                <a:cs typeface="Times New Roman" panose="02020603050405020304" pitchFamily="18" charset="0"/>
+              </a:rPr>
+              <a:t>Diagrammes</a:t>
+            </a:r>
+          </a:p>
+          <a:p>
+            <a:pPr marL="2720705" lvl="1" indent="-571500">
+              <a:buFont typeface="Arial" panose="020B0604020202020204" pitchFamily="34" charset="0"/>
+              <a:buChar char="•"/>
+            </a:pPr>
+            <a:r>
+              <a:rPr lang="fr-FR" sz="4000" dirty="0">
+                <a:latin typeface="Times New Roman" panose="02020603050405020304" pitchFamily="18" charset="0"/>
+                <a:cs typeface="Times New Roman" panose="02020603050405020304" pitchFamily="18" charset="0"/>
+              </a:rPr>
+              <a:t>Cas d’Utilisation</a:t>
+            </a:r>
+          </a:p>
+          <a:p>
+            <a:pPr marL="2720705" lvl="1" indent="-571500">
+              <a:buFont typeface="Arial" panose="020B0604020202020204" pitchFamily="34" charset="0"/>
+              <a:buChar char="•"/>
+            </a:pPr>
+            <a:r>
+              <a:rPr lang="fr-FR" sz="4000" dirty="0">
+                <a:latin typeface="Times New Roman" panose="02020603050405020304" pitchFamily="18" charset="0"/>
+                <a:cs typeface="Times New Roman" panose="02020603050405020304" pitchFamily="18" charset="0"/>
+              </a:rPr>
+              <a:t>Composants</a:t>
+            </a:r>
+          </a:p>
+          <a:p>
+            <a:pPr marL="2720705" lvl="1" indent="-571500">
+              <a:buFont typeface="Arial" panose="020B0604020202020204" pitchFamily="34" charset="0"/>
+              <a:buChar char="•"/>
+            </a:pPr>
+            <a:r>
+              <a:rPr lang="fr-FR" sz="4000" dirty="0">
+                <a:latin typeface="Times New Roman" panose="02020603050405020304" pitchFamily="18" charset="0"/>
+                <a:cs typeface="Times New Roman" panose="02020603050405020304" pitchFamily="18" charset="0"/>
+              </a:rPr>
+              <a:t>Classes</a:t>
+            </a:r>
+          </a:p>
+          <a:p>
+            <a:pPr marL="2720705" lvl="1" indent="-571500">
+              <a:buFont typeface="Arial" panose="020B0604020202020204" pitchFamily="34" charset="0"/>
+              <a:buChar char="•"/>
+            </a:pPr>
+            <a:r>
+              <a:rPr lang="fr-FR" sz="4000" dirty="0">
+                <a:latin typeface="Times New Roman" panose="02020603050405020304" pitchFamily="18" charset="0"/>
+                <a:cs typeface="Times New Roman" panose="02020603050405020304" pitchFamily="18" charset="0"/>
+              </a:rPr>
+              <a:t>Séquence</a:t>
+            </a:r>
+          </a:p>
+          <a:p>
+            <a:pPr marL="571500" indent="-571500">
+              <a:buFont typeface="Arial" panose="020B0604020202020204" pitchFamily="34" charset="0"/>
+              <a:buChar char="•"/>
+            </a:pPr>
+            <a:r>
+              <a:rPr lang="fr-FR" sz="4000" dirty="0">
+                <a:latin typeface="Times New Roman" panose="02020603050405020304" pitchFamily="18" charset="0"/>
+                <a:cs typeface="Times New Roman" panose="02020603050405020304" pitchFamily="18" charset="0"/>
+              </a:rPr>
+              <a:t>Documentation</a:t>
+            </a:r>
+          </a:p>
+          <a:p>
+            <a:pPr marL="571500" indent="-571500">
+              <a:buFont typeface="Arial" panose="020B0604020202020204" pitchFamily="34" charset="0"/>
+              <a:buChar char="•"/>
+            </a:pPr>
+            <a:r>
+              <a:rPr lang="fr-FR" sz="4000" dirty="0">
+                <a:latin typeface="Times New Roman" panose="02020603050405020304" pitchFamily="18" charset="0"/>
+                <a:cs typeface="Times New Roman" panose="02020603050405020304" pitchFamily="18" charset="0"/>
+              </a:rPr>
+              <a:t>Tests fonctionnels</a:t>
+            </a:r>
+          </a:p>
+          <a:p>
+            <a:pPr marL="571500" indent="-571500">
+              <a:buFont typeface="Arial" panose="020B0604020202020204" pitchFamily="34" charset="0"/>
+              <a:buChar char="•"/>
+            </a:pPr>
+            <a:r>
+              <a:rPr lang="fr-FR" sz="4000" dirty="0">
+                <a:latin typeface="Times New Roman" panose="02020603050405020304" pitchFamily="18" charset="0"/>
+                <a:cs typeface="Times New Roman" panose="02020603050405020304" pitchFamily="18" charset="0"/>
+              </a:rPr>
+              <a:t>Application</a:t>
+            </a:r>
+          </a:p>
+          <a:p>
+            <a:pPr marL="571500" indent="-571500">
+              <a:buFont typeface="Arial" panose="020B0604020202020204" pitchFamily="34" charset="0"/>
+              <a:buChar char="•"/>
+            </a:pPr>
+            <a:r>
+              <a:rPr lang="fr-FR" sz="4000" dirty="0">
+                <a:latin typeface="Times New Roman" panose="02020603050405020304" pitchFamily="18" charset="0"/>
+                <a:cs typeface="Times New Roman" panose="02020603050405020304" pitchFamily="18" charset="0"/>
+              </a:rPr>
+              <a:t>Mini Frigo</a:t>
+            </a:r>
+          </a:p>
+          <a:p>
+            <a:pPr marL="571500" indent="-571500">
+              <a:buFont typeface="Arial" panose="020B0604020202020204" pitchFamily="34" charset="0"/>
+              <a:buChar char="•"/>
+            </a:pPr>
+            <a:r>
+              <a:rPr lang="fr-FR" sz="4000" dirty="0">
+                <a:latin typeface="Times New Roman" panose="02020603050405020304" pitchFamily="18" charset="0"/>
+                <a:cs typeface="Times New Roman" panose="02020603050405020304" pitchFamily="18" charset="0"/>
+              </a:rPr>
+              <a:t>Poster</a:t>
+            </a:r>
+          </a:p>
+          <a:p>
+            <a:pPr marL="571500" indent="-571500">
+              <a:buFont typeface="Arial" panose="020B0604020202020204" pitchFamily="34" charset="0"/>
+              <a:buChar char="•"/>
+            </a:pPr>
+            <a:r>
+              <a:rPr lang="fr-FR" sz="4000" dirty="0">
+                <a:latin typeface="Times New Roman" panose="02020603050405020304" pitchFamily="18" charset="0"/>
+                <a:cs typeface="Times New Roman" panose="02020603050405020304" pitchFamily="18" charset="0"/>
+              </a:rPr>
+              <a:t>Rapport de Projet	</a:t>
+            </a:r>
+          </a:p>
+        </p:txBody>
+      </p:sp>
+      <p:sp>
+        <p:nvSpPr>
+          <p:cNvPr id="52" name="ZoneTexte 51"/>
+          <p:cNvSpPr txBox="1"/>
+          <p:nvPr/>
+        </p:nvSpPr>
+        <p:spPr>
+          <a:xfrm>
+            <a:off x="32641829" y="7846482"/>
+            <a:ext cx="7408984" cy="769441"/>
+          </a:xfrm>
+          <a:prstGeom prst="rect">
+            <a:avLst/>
+          </a:prstGeom>
+          <a:noFill/>
+        </p:spPr>
+        <p:txBody>
+          <a:bodyPr wrap="square" rtlCol="0">
+            <a:spAutoFit/>
+          </a:bodyPr>
+          <a:lstStyle/>
+          <a:p>
+            <a:endParaRPr lang="fr-FR" sz="4400" b="1" dirty="0">
+              <a:latin typeface="Times New Roman" panose="02020603050405020304" pitchFamily="18" charset="0"/>
+              <a:cs typeface="Times New Roman" panose="02020603050405020304" pitchFamily="18" charset="0"/>
+            </a:endParaRPr>
+          </a:p>
+        </p:txBody>
+      </p:sp>
+      <p:pic>
+        <p:nvPicPr>
+          <p:cNvPr id="28" name="Image 27"/>
+          <p:cNvPicPr>
+            <a:picLocks noChangeAspect="1"/>
+          </p:cNvPicPr>
+          <p:nvPr/>
+        </p:nvPicPr>
+        <p:blipFill>
+          <a:blip r:embed="rId3">
+            <a:extLst>
+              <a:ext uri="{28A0092B-C50C-407E-A947-70E740481C1C}">
+                <a14:useLocalDpi xmlns:a14="http://schemas.microsoft.com/office/drawing/2010/main" val="0"/>
+              </a:ext>
+            </a:extLst>
+          </a:blip>
+          <a:stretch>
+            <a:fillRect/>
+          </a:stretch>
+        </p:blipFill>
+        <p:spPr>
+          <a:xfrm>
+            <a:off x="21565783" y="7508827"/>
+            <a:ext cx="10902338" cy="6561135"/>
+          </a:xfrm>
+          <a:prstGeom prst="rect">
+            <a:avLst/>
+          </a:prstGeom>
+        </p:spPr>
+      </p:pic>
+      <p:pic>
+        <p:nvPicPr>
+          <p:cNvPr id="29" name="Image 28"/>
+          <p:cNvPicPr>
+            <a:picLocks noChangeAspect="1"/>
+          </p:cNvPicPr>
+          <p:nvPr/>
+        </p:nvPicPr>
+        <p:blipFill>
+          <a:blip r:embed="rId4"/>
+          <a:stretch>
+            <a:fillRect/>
+          </a:stretch>
+        </p:blipFill>
+        <p:spPr>
+          <a:xfrm>
+            <a:off x="31979629" y="9040316"/>
+            <a:ext cx="6267450" cy="7458075"/>
+          </a:xfrm>
+          <a:prstGeom prst="rect">
+            <a:avLst/>
+          </a:prstGeom>
+        </p:spPr>
+      </p:pic>
+      <p:pic>
+        <p:nvPicPr>
+          <p:cNvPr id="3" name="Image 2">
+            <a:extLst>
+              <a:ext uri="{FF2B5EF4-FFF2-40B4-BE49-F238E27FC236}">
+                <a16:creationId xmlns:a16="http://schemas.microsoft.com/office/drawing/2014/main" id="{C0B61347-EBBF-4104-BA12-BE3A2BAA892E}"/>
+              </a:ext>
+            </a:extLst>
+          </p:cNvPr>
+          <p:cNvPicPr>
+            <a:picLocks noChangeAspect="1"/>
+          </p:cNvPicPr>
+          <p:nvPr/>
+        </p:nvPicPr>
+        <p:blipFill>
+          <a:blip r:embed="rId5">
+            <a:extLst>
+              <a:ext uri="{28A0092B-C50C-407E-A947-70E740481C1C}">
+                <a14:useLocalDpi xmlns:a14="http://schemas.microsoft.com/office/drawing/2010/main" val="0"/>
+              </a:ext>
+            </a:extLst>
+          </a:blip>
+          <a:stretch>
+            <a:fillRect/>
+          </a:stretch>
+        </p:blipFill>
+        <p:spPr>
+          <a:xfrm>
+            <a:off x="29296963" y="22902374"/>
+            <a:ext cx="11941575" cy="5342083"/>
+          </a:xfrm>
+          <a:prstGeom prst="rect">
+            <a:avLst/>
+          </a:prstGeom>
+        </p:spPr>
+      </p:pic>
+      <p:pic>
+        <p:nvPicPr>
+          <p:cNvPr id="5" name="Image 4">
+            <a:extLst>
+              <a:ext uri="{FF2B5EF4-FFF2-40B4-BE49-F238E27FC236}">
+                <a16:creationId xmlns:a16="http://schemas.microsoft.com/office/drawing/2014/main" id="{F29AFDD1-9B61-484B-9A03-D46D3CB2A434}"/>
+              </a:ext>
+            </a:extLst>
+          </p:cNvPr>
+          <p:cNvPicPr>
+            <a:picLocks noChangeAspect="1"/>
+          </p:cNvPicPr>
+          <p:nvPr/>
+        </p:nvPicPr>
+        <p:blipFill>
+          <a:blip r:embed="rId6">
+            <a:extLst>
+              <a:ext uri="{28A0092B-C50C-407E-A947-70E740481C1C}">
+                <a14:useLocalDpi xmlns:a14="http://schemas.microsoft.com/office/drawing/2010/main" val="0"/>
+              </a:ext>
+            </a:extLst>
+          </a:blip>
+          <a:stretch>
+            <a:fillRect/>
+          </a:stretch>
+        </p:blipFill>
+        <p:spPr>
+          <a:xfrm>
+            <a:off x="15818859" y="22596097"/>
+            <a:ext cx="12292125" cy="5395428"/>
+          </a:xfrm>
+          <a:prstGeom prst="rect">
+            <a:avLst/>
+          </a:prstGeom>
+        </p:spPr>
+      </p:pic>
+    </p:spTree>
+    <p:extLst>
+      <p:ext uri="{BB962C8B-B14F-4D97-AF65-F5344CB8AC3E}">
+        <p14:creationId xmlns:p14="http://schemas.microsoft.com/office/powerpoint/2010/main" val="2219327838"/>
       </p:ext>
     </p:extLst>
   </p:cSld>

--- a/livrables/PosterSoutenance.pptx
+++ b/livrables/PosterSoutenance.pptx
@@ -6,14 +6,13 @@
     <p:sldMasterId id="2147483653" r:id="rId2"/>
   </p:sldMasterIdLst>
   <p:notesMasterIdLst>
-    <p:notesMasterId r:id="rId5"/>
+    <p:notesMasterId r:id="rId4"/>
   </p:notesMasterIdLst>
   <p:handoutMasterIdLst>
-    <p:handoutMasterId r:id="rId6"/>
+    <p:handoutMasterId r:id="rId5"/>
   </p:handoutMasterIdLst>
   <p:sldIdLst>
-    <p:sldId id="256" r:id="rId3"/>
-    <p:sldId id="257" r:id="rId4"/>
+    <p:sldId id="258" r:id="rId3"/>
   </p:sldIdLst>
   <p:sldSz cx="42803763" cy="30275213"/>
   <p:notesSz cx="9144000" cy="6858000"/>
@@ -745,28 +744,27 @@
         <p:spPr/>
         <p:txBody>
           <a:bodyPr>
-            <a:normAutofit fontScale="92500"/>
+            <a:normAutofit fontScale="55000" lnSpcReduction="20000"/>
           </a:bodyPr>
           <a:lstStyle/>
           <a:p>
+            <a:r>
+              <a:rPr lang="fr-FR" sz="6000" b="1" noProof="0" dirty="0" smtClean="0"/>
+              <a:t>Bilan : Gestion de projet toujours aussi longue, mais une meilleure organisation</a:t>
+            </a:r>
+          </a:p>
+          <a:p>
+            <a:r>
+              <a:rPr lang="fr-FR" sz="6000" b="1" noProof="0" dirty="0" smtClean="0"/>
+              <a:t>Réaliser les tests</a:t>
+            </a:r>
+          </a:p>
+          <a:p>
+            <a:r>
+              <a:rPr lang="fr-FR" sz="6000" b="1" noProof="0" dirty="0" smtClean="0"/>
+              <a:t>Mauvaise vision de l’aboutissement du projet, donc les tests unitaires n’ont pas pu être faits.</a:t>
+            </a:r>
             <a:endParaRPr lang="fr-FR" sz="6000" b="1" noProof="0" dirty="0"/>
-          </a:p>
-          <a:p>
-            <a:endParaRPr lang="fr-FR" sz="6000" b="1" noProof="0" dirty="0"/>
-          </a:p>
-          <a:p>
-            <a:r>
-              <a:rPr lang="fr-FR" sz="6000" b="1" noProof="0" dirty="0"/>
-              <a:t>Problèmes rencontré on peut pas </a:t>
-            </a:r>
-            <a:r>
-              <a:rPr lang="fr-FR" sz="6000" b="1" noProof="0" dirty="0" err="1"/>
-              <a:t>extend</a:t>
-            </a:r>
-            <a:r>
-              <a:rPr lang="fr-FR" sz="6000" b="1" noProof="0" dirty="0"/>
-              <a:t> une interface</a:t>
-            </a:r>
           </a:p>
         </p:txBody>
       </p:sp>
@@ -797,119 +795,7 @@
     </p:spTree>
     <p:extLst>
       <p:ext uri="{BB962C8B-B14F-4D97-AF65-F5344CB8AC3E}">
-        <p14:creationId xmlns:p14="http://schemas.microsoft.com/office/powerpoint/2010/main" val="807660202"/>
-      </p:ext>
-    </p:extLst>
-  </p:cSld>
-  <p:clrMapOvr>
-    <a:masterClrMapping/>
-  </p:clrMapOvr>
-</p:notes>
-</file>
-
-<file path=ppt/notesSlides/notesSlide2.xml><?xml version="1.0" encoding="utf-8"?>
-<p:notes xmlns:a="http://schemas.openxmlformats.org/drawingml/2006/main" xmlns:r="http://schemas.openxmlformats.org/officeDocument/2006/relationships" xmlns:p="http://schemas.openxmlformats.org/presentationml/2006/main">
-  <p:cSld>
-    <p:spTree>
-      <p:nvGrpSpPr>
-        <p:cNvPr id="1" name=""/>
-        <p:cNvGrpSpPr/>
-        <p:nvPr/>
-      </p:nvGrpSpPr>
-      <p:grpSpPr>
-        <a:xfrm>
-          <a:off x="0" y="0"/>
-          <a:ext cx="0" cy="0"/>
-          <a:chOff x="0" y="0"/>
-          <a:chExt cx="0" cy="0"/>
-        </a:xfrm>
-      </p:grpSpPr>
-      <p:sp>
-        <p:nvSpPr>
-          <p:cNvPr id="2" name="Slide Image Placeholder 1"/>
-          <p:cNvSpPr>
-            <a:spLocks noGrp="1" noRot="1" noChangeAspect="1"/>
-          </p:cNvSpPr>
-          <p:nvPr>
-            <p:ph type="sldImg"/>
-          </p:nvPr>
-        </p:nvSpPr>
-        <p:spPr>
-          <a:xfrm>
-            <a:off x="2754313" y="514350"/>
-            <a:ext cx="3635375" cy="2571750"/>
-          </a:xfrm>
-        </p:spPr>
-      </p:sp>
-      <p:sp>
-        <p:nvSpPr>
-          <p:cNvPr id="3" name="Notes Placeholder 2"/>
-          <p:cNvSpPr>
-            <a:spLocks noGrp="1"/>
-          </p:cNvSpPr>
-          <p:nvPr>
-            <p:ph type="body" idx="1"/>
-          </p:nvPr>
-        </p:nvSpPr>
-        <p:spPr/>
-        <p:txBody>
-          <a:bodyPr>
-            <a:normAutofit fontScale="77500" lnSpcReduction="20000"/>
-          </a:bodyPr>
-          <a:lstStyle/>
-          <a:p>
-            <a:r>
-              <a:rPr lang="fr-FR" sz="6000" b="1" noProof="0" dirty="0"/>
-              <a:t>Bilan : Gestion de projet toujours aussi longue, mais une meilleure organisation</a:t>
-            </a:r>
-          </a:p>
-          <a:p>
-            <a:r>
-              <a:rPr lang="fr-FR" sz="6000" b="1" noProof="0" dirty="0"/>
-              <a:t>Réaliser les tests</a:t>
-            </a:r>
-          </a:p>
-          <a:p>
-            <a:r>
-              <a:rPr lang="fr-FR" sz="6000" b="1" noProof="0" dirty="0"/>
-              <a:t>Mauvaise vision de l’aboutissement du projet, donc les tests unitaires n’ont pas </a:t>
-            </a:r>
-            <a:r>
-              <a:rPr lang="fr-FR" sz="6000" b="1" noProof="0"/>
-              <a:t>pu être faits.</a:t>
-            </a:r>
-            <a:endParaRPr lang="fr-FR" sz="6000" b="1" noProof="0" dirty="0"/>
-          </a:p>
-        </p:txBody>
-      </p:sp>
-      <p:sp>
-        <p:nvSpPr>
-          <p:cNvPr id="4" name="Slide Number Placeholder 3"/>
-          <p:cNvSpPr>
-            <a:spLocks noGrp="1"/>
-          </p:cNvSpPr>
-          <p:nvPr>
-            <p:ph type="sldNum" sz="quarter" idx="10"/>
-          </p:nvPr>
-        </p:nvSpPr>
-        <p:spPr/>
-        <p:txBody>
-          <a:bodyPr/>
-          <a:lstStyle/>
-          <a:p>
-            <a:fld id="{26A1A87D-CAF7-4BDC-A0D3-C0DBEDE81619}" type="slidenum">
-              <a:rPr lang="en-US" smtClean="0"/>
-              <a:pPr/>
-              <a:t>2</a:t>
-            </a:fld>
-            <a:endParaRPr lang="en-US" dirty="0"/>
-          </a:p>
-        </p:txBody>
-      </p:sp>
-    </p:spTree>
-    <p:extLst>
-      <p:ext uri="{BB962C8B-B14F-4D97-AF65-F5344CB8AC3E}">
-        <p14:creationId xmlns:p14="http://schemas.microsoft.com/office/powerpoint/2010/main" val="1841422749"/>
+        <p14:creationId xmlns:p14="http://schemas.microsoft.com/office/powerpoint/2010/main" val="3781927627"/>
       </p:ext>
     </p:extLst>
   </p:cSld>
@@ -3751,6 +3637,15 @@
                 </a:rPr>
                 <a:t>PosterPresentations.com</a:t>
               </a:r>
+              <a:r>
+                <a:rPr lang="en-US" sz="2546" dirty="0">
+                  <a:solidFill>
+                    <a:schemeClr val="bg1"/>
+                  </a:solidFill>
+                  <a:latin typeface="Trebuchet MS" pitchFamily="34" charset="0"/>
+                </a:rPr>
+                <a:t/>
+              </a:r>
               <a:br>
                 <a:rPr lang="en-US" sz="2546" dirty="0">
                   <a:solidFill>
@@ -3963,6 +3858,15 @@
             </a:p>
             <a:p>
               <a:pPr algn="l"/>
+              <a:r>
+                <a:rPr lang="en-US" sz="2546" b="1" baseline="0" dirty="0">
+                  <a:solidFill>
+                    <a:schemeClr val="bg1"/>
+                  </a:solidFill>
+                  <a:latin typeface="Trebuchet MS" pitchFamily="34" charset="0"/>
+                </a:rPr>
+                <a:t/>
+              </a:r>
               <a:br>
                 <a:rPr lang="en-US" sz="2546" b="1" baseline="0" dirty="0">
                   <a:solidFill>
@@ -4580,7 +4484,7 @@
               <a:graphicData uri="http://schemas.openxmlformats.org/presentationml/2006/ole">
                 <mc:AlternateContent xmlns:mc="http://schemas.openxmlformats.org/markup-compatibility/2006">
                   <mc:Choice xmlns:v="urn:schemas-microsoft-com:vml" Requires="v">
-                    <p:oleObj spid="_x0000_s2326" name="Image" r:id="rId8" imgW="1828440" imgH="1117440" progId="Photoshop.Image.13">
+                    <p:oleObj spid="_x0000_s2330" name="Image" r:id="rId8" imgW="1828440" imgH="1117440" progId="Photoshop.Image.13">
                       <p:embed/>
                     </p:oleObj>
                   </mc:Choice>
@@ -4637,7 +4541,7 @@
               <a:graphicData uri="http://schemas.openxmlformats.org/presentationml/2006/ole">
                 <mc:AlternateContent xmlns:mc="http://schemas.openxmlformats.org/markup-compatibility/2006">
                   <mc:Choice xmlns:v="urn:schemas-microsoft-com:vml" Requires="v">
-                    <p:oleObj spid="_x0000_s2327" name="Image" r:id="rId10" imgW="1828440" imgH="1117440" progId="Photoshop.Image.13">
+                    <p:oleObj spid="_x0000_s2331" name="Image" r:id="rId10" imgW="1828440" imgH="1117440" progId="Photoshop.Image.13">
                       <p:embed/>
                     </p:oleObj>
                   </mc:Choice>
@@ -5772,7 +5676,7 @@
             <a:graphicData uri="http://schemas.openxmlformats.org/presentationml/2006/ole">
               <mc:AlternateContent xmlns:mc="http://schemas.openxmlformats.org/markup-compatibility/2006">
                 <mc:Choice xmlns:v="urn:schemas-microsoft-com:vml" Requires="v">
-                  <p:oleObj spid="_x0000_s2328" name="Image" r:id="rId12" imgW="4571280" imgH="1688760" progId="Photoshop.Image.13">
+                  <p:oleObj spid="_x0000_s2332" name="Image" r:id="rId12" imgW="4571280" imgH="1688760" progId="Photoshop.Image.13">
                     <p:embed/>
                   </p:oleObj>
                 </mc:Choice>
@@ -5856,7 +5760,7 @@
             <a:graphicData uri="http://schemas.openxmlformats.org/presentationml/2006/ole">
               <mc:AlternateContent xmlns:mc="http://schemas.openxmlformats.org/markup-compatibility/2006">
                 <mc:Choice xmlns:v="urn:schemas-microsoft-com:vml" Requires="v">
-                  <p:oleObj spid="_x0000_s2329" name="Image" r:id="rId15" imgW="1574280" imgH="1053720" progId="Photoshop.Image.13">
+                  <p:oleObj spid="_x0000_s2333" name="Image" r:id="rId15" imgW="1574280" imgH="1053720" progId="Photoshop.Image.13">
                     <p:embed/>
                   </p:oleObj>
                 </mc:Choice>
@@ -6185,6 +6089,14 @@
                 </a:solidFill>
               </a:rPr>
               <a:t>94710</a:t>
+            </a:r>
+            <a:r>
+              <a:rPr lang="en-US" sz="1698" baseline="0" dirty="0">
+                <a:solidFill>
+                  <a:schemeClr val="bg1"/>
+                </a:solidFill>
+              </a:rPr>
+              <a:t/>
             </a:r>
             <a:br>
               <a:rPr lang="en-US" sz="1698" baseline="0" dirty="0">
@@ -6547,14 +6459,6 @@
 <file path=ppt/slides/slide1.xml><?xml version="1.0" encoding="utf-8"?>
 <p:sld xmlns:a="http://schemas.openxmlformats.org/drawingml/2006/main" xmlns:r="http://schemas.openxmlformats.org/officeDocument/2006/relationships" xmlns:p="http://schemas.openxmlformats.org/presentationml/2006/main">
   <p:cSld>
-    <p:bg>
-      <p:bgPr>
-        <a:solidFill>
-          <a:schemeClr val="bg1"/>
-        </a:solidFill>
-        <a:effectLst/>
-      </p:bgPr>
-    </p:bg>
     <p:spTree>
       <p:nvGrpSpPr>
         <p:cNvPr id="1" name=""/>
@@ -8191,10 +8095,10 @@
       </p:pic>
       <p:pic>
         <p:nvPicPr>
-          <p:cNvPr id="3" name="Image 2">
+          <p:cNvPr id="5" name="Image 4">
             <a:extLst>
               <a:ext uri="{FF2B5EF4-FFF2-40B4-BE49-F238E27FC236}">
-                <a16:creationId xmlns:a16="http://schemas.microsoft.com/office/drawing/2014/main" id="{C0B61347-EBBF-4104-BA12-BE3A2BAA892E}"/>
+                <a16:creationId xmlns:a16="http://schemas.microsoft.com/office/drawing/2014/main" id="{F29AFDD1-9B61-484B-9A03-D46D3CB2A434}"/>
               </a:ext>
             </a:extLst>
           </p:cNvPr>
@@ -8217,8 +8121,8 @@
         </p:blipFill>
         <p:spPr>
           <a:xfrm>
-            <a:off x="29296963" y="22902374"/>
-            <a:ext cx="11941575" cy="5342083"/>
+            <a:off x="28946413" y="19713868"/>
+            <a:ext cx="12292125" cy="5395428"/>
           </a:xfrm>
           <a:prstGeom prst="rect">
             <a:avLst/>
@@ -8227,1684 +8131,22 @@
       </p:pic>
       <p:pic>
         <p:nvPicPr>
-          <p:cNvPr id="5" name="Image 4">
-            <a:extLst>
-              <a:ext uri="{FF2B5EF4-FFF2-40B4-BE49-F238E27FC236}">
-                <a16:creationId xmlns:a16="http://schemas.microsoft.com/office/drawing/2014/main" id="{F29AFDD1-9B61-484B-9A03-D46D3CB2A434}"/>
-              </a:ext>
-            </a:extLst>
-          </p:cNvPr>
+          <p:cNvPr id="2" name="Image 1"/>
           <p:cNvPicPr>
             <a:picLocks noChangeAspect="1"/>
           </p:cNvPicPr>
           <p:nvPr/>
         </p:nvPicPr>
         <p:blipFill>
-          <a:blip r:embed="rId6">
-            <a:extLst>
-              <a:ext uri="{28A0092B-C50C-407E-A947-70E740481C1C}">
-                <a14:useLocalDpi xmlns:a14="http://schemas.microsoft.com/office/drawing/2010/main" val="0"/>
-              </a:ext>
-            </a:extLst>
-          </a:blip>
+          <a:blip r:embed="rId6"/>
           <a:stretch>
             <a:fillRect/>
           </a:stretch>
         </p:blipFill>
         <p:spPr>
           <a:xfrm>
-            <a:off x="15818859" y="22596097"/>
-            <a:ext cx="12292125" cy="5395428"/>
-          </a:xfrm>
-          <a:prstGeom prst="rect">
-            <a:avLst/>
-          </a:prstGeom>
-        </p:spPr>
-      </p:pic>
-    </p:spTree>
-    <p:extLst>
-      <p:ext uri="{BB962C8B-B14F-4D97-AF65-F5344CB8AC3E}">
-        <p14:creationId xmlns:p14="http://schemas.microsoft.com/office/powerpoint/2010/main" val="3874869272"/>
-      </p:ext>
-    </p:extLst>
-  </p:cSld>
-  <p:clrMapOvr>
-    <a:masterClrMapping/>
-  </p:clrMapOvr>
-</p:sld>
-</file>
-
-<file path=ppt/slides/slide2.xml><?xml version="1.0" encoding="utf-8"?>
-<p:sld xmlns:a="http://schemas.openxmlformats.org/drawingml/2006/main" xmlns:r="http://schemas.openxmlformats.org/officeDocument/2006/relationships" xmlns:p="http://schemas.openxmlformats.org/presentationml/2006/main">
-  <p:cSld>
-    <p:spTree>
-      <p:nvGrpSpPr>
-        <p:cNvPr id="1" name=""/>
-        <p:cNvGrpSpPr/>
-        <p:nvPr/>
-      </p:nvGrpSpPr>
-      <p:grpSpPr>
-        <a:xfrm>
-          <a:off x="0" y="0"/>
-          <a:ext cx="0" cy="0"/>
-          <a:chOff x="0" y="0"/>
-          <a:chExt cx="0" cy="0"/>
-        </a:xfrm>
-      </p:grpSpPr>
-      <p:sp>
-        <p:nvSpPr>
-          <p:cNvPr id="8" name="Espace réservé du texte 7"/>
-          <p:cNvSpPr>
-            <a:spLocks noGrp="1"/>
-          </p:cNvSpPr>
-          <p:nvPr>
-            <p:ph type="body" sz="quarter" idx="151"/>
-          </p:nvPr>
-        </p:nvSpPr>
-        <p:spPr/>
-        <p:txBody>
-          <a:bodyPr/>
-          <a:lstStyle/>
-          <a:p>
-            <a:r>
-              <a:rPr lang="fr-FR" dirty="0"/>
-              <a:t>Robin MAISANO – Florian VOUTERS</a:t>
-            </a:r>
-          </a:p>
-        </p:txBody>
-      </p:sp>
-      <p:sp>
-        <p:nvSpPr>
-          <p:cNvPr id="11" name="Espace réservé du texte 10"/>
-          <p:cNvSpPr>
-            <a:spLocks noGrp="1"/>
-          </p:cNvSpPr>
-          <p:nvPr>
-            <p:ph type="body" sz="quarter" idx="153"/>
-          </p:nvPr>
-        </p:nvSpPr>
-        <p:spPr/>
-        <p:txBody>
-          <a:bodyPr/>
-          <a:lstStyle/>
-          <a:p>
-            <a:r>
-              <a:rPr lang="fr-FR" dirty="0"/>
-              <a:t>Projet : </a:t>
-            </a:r>
-            <a:r>
-              <a:rPr lang="fr-FR" dirty="0" err="1"/>
-              <a:t>Pimp</a:t>
-            </a:r>
-            <a:r>
-              <a:rPr lang="fr-FR" dirty="0"/>
-              <a:t> </a:t>
-            </a:r>
-            <a:r>
-              <a:rPr lang="fr-FR" dirty="0" err="1"/>
-              <a:t>My</a:t>
-            </a:r>
-            <a:r>
-              <a:rPr lang="fr-FR" dirty="0"/>
-              <a:t> </a:t>
-            </a:r>
-            <a:r>
-              <a:rPr lang="fr-FR" dirty="0" err="1"/>
-              <a:t>Fridge</a:t>
-            </a:r>
-            <a:endParaRPr lang="fr-FR" dirty="0"/>
-          </a:p>
-        </p:txBody>
-      </p:sp>
-      <p:sp>
-        <p:nvSpPr>
-          <p:cNvPr id="12" name="Espace réservé du texte 11"/>
-          <p:cNvSpPr>
-            <a:spLocks noGrp="1"/>
-          </p:cNvSpPr>
-          <p:nvPr>
-            <p:ph type="body" sz="quarter" idx="150"/>
-          </p:nvPr>
-        </p:nvSpPr>
-        <p:spPr/>
-        <p:txBody>
-          <a:bodyPr/>
-          <a:lstStyle/>
-          <a:p>
-            <a:r>
-              <a:rPr lang="fr-FR" dirty="0"/>
-              <a:t>Projet Electronique A2 </a:t>
-            </a:r>
-          </a:p>
-        </p:txBody>
-      </p:sp>
-      <p:sp>
-        <p:nvSpPr>
-          <p:cNvPr id="35" name="Rectangle 34"/>
-          <p:cNvSpPr/>
-          <p:nvPr/>
-        </p:nvSpPr>
-        <p:spPr>
-          <a:xfrm>
-            <a:off x="0" y="4032738"/>
-            <a:ext cx="42803763" cy="26242475"/>
-          </a:xfrm>
-          <a:prstGeom prst="rect">
-            <a:avLst/>
-          </a:prstGeom>
-          <a:solidFill>
-            <a:schemeClr val="bg1"/>
-          </a:solidFill>
-          <a:ln>
-            <a:solidFill>
-              <a:schemeClr val="bg1"/>
-            </a:solidFill>
-          </a:ln>
-        </p:spPr>
-        <p:style>
-          <a:lnRef idx="2">
-            <a:schemeClr val="accent1">
-              <a:shade val="50000"/>
-            </a:schemeClr>
-          </a:lnRef>
-          <a:fillRef idx="1">
-            <a:schemeClr val="accent1"/>
-          </a:fillRef>
-          <a:effectRef idx="0">
-            <a:schemeClr val="accent1"/>
-          </a:effectRef>
-          <a:fontRef idx="minor">
-            <a:schemeClr val="lt1"/>
-          </a:fontRef>
-        </p:style>
-        <p:txBody>
-          <a:bodyPr rtlCol="0" anchor="ctr"/>
-          <a:lstStyle/>
-          <a:p>
-            <a:pPr algn="ctr"/>
-            <a:r>
-              <a:rPr lang="fr-FR" dirty="0"/>
-              <a:t>s</a:t>
-            </a:r>
-          </a:p>
-        </p:txBody>
-      </p:sp>
-      <p:grpSp>
-        <p:nvGrpSpPr>
-          <p:cNvPr id="36" name="Groupe 35"/>
-          <p:cNvGrpSpPr/>
-          <p:nvPr/>
-        </p:nvGrpSpPr>
-        <p:grpSpPr>
-          <a:xfrm>
-            <a:off x="6081957" y="4620446"/>
-            <a:ext cx="30889523" cy="21350201"/>
-            <a:chOff x="8012571" y="4862125"/>
-            <a:chExt cx="30889523" cy="21350201"/>
-          </a:xfrm>
-        </p:grpSpPr>
-        <p:sp>
-          <p:nvSpPr>
-            <p:cNvPr id="37" name="Flèche en arc 36"/>
-            <p:cNvSpPr/>
-            <p:nvPr/>
-          </p:nvSpPr>
-          <p:spPr>
-            <a:xfrm>
-              <a:off x="10582600" y="4862125"/>
-              <a:ext cx="21350201" cy="21350201"/>
-            </a:xfrm>
-            <a:prstGeom prst="circularArrow">
-              <a:avLst>
-                <a:gd name="adj1" fmla="val 4668"/>
-                <a:gd name="adj2" fmla="val 272909"/>
-                <a:gd name="adj3" fmla="val 14845281"/>
-                <a:gd name="adj4" fmla="val 16796173"/>
-                <a:gd name="adj5" fmla="val 4847"/>
-              </a:avLst>
-            </a:prstGeom>
-            <a:noFill/>
-          </p:spPr>
-          <p:style>
-            <a:lnRef idx="0">
-              <a:schemeClr val="dk1">
-                <a:hueOff val="0"/>
-                <a:satOff val="0"/>
-                <a:lumOff val="0"/>
-                <a:alphaOff val="0"/>
-              </a:schemeClr>
-            </a:lnRef>
-            <a:fillRef idx="1">
-              <a:scrgbClr r="0" g="0" b="0"/>
-            </a:fillRef>
-            <a:effectRef idx="0">
-              <a:schemeClr val="accent3">
-                <a:tint val="40000"/>
-                <a:hueOff val="0"/>
-                <a:satOff val="0"/>
-                <a:lumOff val="0"/>
-                <a:alphaOff val="0"/>
-              </a:schemeClr>
-            </a:effectRef>
-            <a:fontRef idx="minor">
-              <a:schemeClr val="dk1">
-                <a:hueOff val="0"/>
-                <a:satOff val="0"/>
-                <a:lumOff val="0"/>
-                <a:alphaOff val="0"/>
-              </a:schemeClr>
-            </a:fontRef>
-          </p:style>
-        </p:sp>
-        <p:sp>
-          <p:nvSpPr>
-            <p:cNvPr id="41" name="Forme libre 40"/>
-            <p:cNvSpPr/>
-            <p:nvPr/>
-          </p:nvSpPr>
-          <p:spPr>
-            <a:xfrm>
-              <a:off x="8012571" y="4895471"/>
-              <a:ext cx="5458143" cy="2818558"/>
-            </a:xfrm>
-            <a:custGeom>
-              <a:avLst/>
-              <a:gdLst>
-                <a:gd name="connsiteX0" fmla="*/ 0 w 5458143"/>
-                <a:gd name="connsiteY0" fmla="*/ 469769 h 2818558"/>
-                <a:gd name="connsiteX1" fmla="*/ 469769 w 5458143"/>
-                <a:gd name="connsiteY1" fmla="*/ 0 h 2818558"/>
-                <a:gd name="connsiteX2" fmla="*/ 4988374 w 5458143"/>
-                <a:gd name="connsiteY2" fmla="*/ 0 h 2818558"/>
-                <a:gd name="connsiteX3" fmla="*/ 5458143 w 5458143"/>
-                <a:gd name="connsiteY3" fmla="*/ 469769 h 2818558"/>
-                <a:gd name="connsiteX4" fmla="*/ 5458143 w 5458143"/>
-                <a:gd name="connsiteY4" fmla="*/ 2348789 h 2818558"/>
-                <a:gd name="connsiteX5" fmla="*/ 4988374 w 5458143"/>
-                <a:gd name="connsiteY5" fmla="*/ 2818558 h 2818558"/>
-                <a:gd name="connsiteX6" fmla="*/ 469769 w 5458143"/>
-                <a:gd name="connsiteY6" fmla="*/ 2818558 h 2818558"/>
-                <a:gd name="connsiteX7" fmla="*/ 0 w 5458143"/>
-                <a:gd name="connsiteY7" fmla="*/ 2348789 h 2818558"/>
-                <a:gd name="connsiteX8" fmla="*/ 0 w 5458143"/>
-                <a:gd name="connsiteY8" fmla="*/ 469769 h 2818558"/>
-              </a:gdLst>
-              <a:ahLst/>
-              <a:cxnLst>
-                <a:cxn ang="0">
-                  <a:pos x="connsiteX0" y="connsiteY0"/>
-                </a:cxn>
-                <a:cxn ang="0">
-                  <a:pos x="connsiteX1" y="connsiteY1"/>
-                </a:cxn>
-                <a:cxn ang="0">
-                  <a:pos x="connsiteX2" y="connsiteY2"/>
-                </a:cxn>
-                <a:cxn ang="0">
-                  <a:pos x="connsiteX3" y="connsiteY3"/>
-                </a:cxn>
-                <a:cxn ang="0">
-                  <a:pos x="connsiteX4" y="connsiteY4"/>
-                </a:cxn>
-                <a:cxn ang="0">
-                  <a:pos x="connsiteX5" y="connsiteY5"/>
-                </a:cxn>
-                <a:cxn ang="0">
-                  <a:pos x="connsiteX6" y="connsiteY6"/>
-                </a:cxn>
-                <a:cxn ang="0">
-                  <a:pos x="connsiteX7" y="connsiteY7"/>
-                </a:cxn>
-                <a:cxn ang="0">
-                  <a:pos x="connsiteX8" y="connsiteY8"/>
-                </a:cxn>
-              </a:cxnLst>
-              <a:rect l="l" t="t" r="r" b="b"/>
-              <a:pathLst>
-                <a:path w="5458143" h="2818558">
-                  <a:moveTo>
-                    <a:pt x="0" y="469769"/>
-                  </a:moveTo>
-                  <a:cubicBezTo>
-                    <a:pt x="0" y="210323"/>
-                    <a:pt x="210323" y="0"/>
-                    <a:pt x="469769" y="0"/>
-                  </a:cubicBezTo>
-                  <a:lnTo>
-                    <a:pt x="4988374" y="0"/>
-                  </a:lnTo>
-                  <a:cubicBezTo>
-                    <a:pt x="5247820" y="0"/>
-                    <a:pt x="5458143" y="210323"/>
-                    <a:pt x="5458143" y="469769"/>
-                  </a:cubicBezTo>
-                  <a:lnTo>
-                    <a:pt x="5458143" y="2348789"/>
-                  </a:lnTo>
-                  <a:cubicBezTo>
-                    <a:pt x="5458143" y="2608235"/>
-                    <a:pt x="5247820" y="2818558"/>
-                    <a:pt x="4988374" y="2818558"/>
-                  </a:cubicBezTo>
-                  <a:lnTo>
-                    <a:pt x="469769" y="2818558"/>
-                  </a:lnTo>
-                  <a:cubicBezTo>
-                    <a:pt x="210323" y="2818558"/>
-                    <a:pt x="0" y="2608235"/>
-                    <a:pt x="0" y="2348789"/>
-                  </a:cubicBezTo>
-                  <a:lnTo>
-                    <a:pt x="0" y="469769"/>
-                  </a:lnTo>
-                  <a:close/>
-                </a:path>
-              </a:pathLst>
-            </a:custGeom>
-            <a:solidFill>
-              <a:srgbClr val="00B0F0"/>
-            </a:solidFill>
-          </p:spPr>
-          <p:style>
-            <a:lnRef idx="2">
-              <a:schemeClr val="lt1">
-                <a:hueOff val="0"/>
-                <a:satOff val="0"/>
-                <a:lumOff val="0"/>
-                <a:alphaOff val="0"/>
-              </a:schemeClr>
-            </a:lnRef>
-            <a:fillRef idx="1">
-              <a:scrgbClr r="0" g="0" b="0"/>
-            </a:fillRef>
-            <a:effectRef idx="0">
-              <a:schemeClr val="accent3">
-                <a:hueOff val="0"/>
-                <a:satOff val="0"/>
-                <a:lumOff val="0"/>
-                <a:alphaOff val="0"/>
-              </a:schemeClr>
-            </a:effectRef>
-            <a:fontRef idx="minor">
-              <a:schemeClr val="lt1"/>
-            </a:fontRef>
-          </p:style>
-          <p:txBody>
-            <a:bodyPr spcFirstLastPara="0" vert="horz" wrap="square" lIns="385241" tIns="385241" rIns="385241" bIns="385241" numCol="1" spcCol="1270" anchor="ctr" anchorCtr="0">
-              <a:noAutofit/>
-            </a:bodyPr>
-            <a:lstStyle/>
-            <a:p>
-              <a:pPr lvl="0" algn="ctr" defTabSz="2889250">
-                <a:lnSpc>
-                  <a:spcPct val="90000"/>
-                </a:lnSpc>
-                <a:spcBef>
-                  <a:spcPct val="0"/>
-                </a:spcBef>
-                <a:spcAft>
-                  <a:spcPct val="35000"/>
-                </a:spcAft>
-              </a:pPr>
-              <a:r>
-                <a:rPr lang="fr-FR" sz="6500" kern="1200" dirty="0"/>
-                <a:t>CONCEIVE</a:t>
-              </a:r>
-            </a:p>
-          </p:txBody>
-        </p:sp>
-        <p:sp>
-          <p:nvSpPr>
-            <p:cNvPr id="42" name="Forme libre 41"/>
-            <p:cNvSpPr/>
-            <p:nvPr/>
-          </p:nvSpPr>
-          <p:spPr>
-            <a:xfrm>
-              <a:off x="33515301" y="4933048"/>
-              <a:ext cx="5386793" cy="2745043"/>
-            </a:xfrm>
-            <a:custGeom>
-              <a:avLst/>
-              <a:gdLst>
-                <a:gd name="connsiteX0" fmla="*/ 0 w 5386793"/>
-                <a:gd name="connsiteY0" fmla="*/ 457516 h 2745043"/>
-                <a:gd name="connsiteX1" fmla="*/ 457516 w 5386793"/>
-                <a:gd name="connsiteY1" fmla="*/ 0 h 2745043"/>
-                <a:gd name="connsiteX2" fmla="*/ 4929277 w 5386793"/>
-                <a:gd name="connsiteY2" fmla="*/ 0 h 2745043"/>
-                <a:gd name="connsiteX3" fmla="*/ 5386793 w 5386793"/>
-                <a:gd name="connsiteY3" fmla="*/ 457516 h 2745043"/>
-                <a:gd name="connsiteX4" fmla="*/ 5386793 w 5386793"/>
-                <a:gd name="connsiteY4" fmla="*/ 2287527 h 2745043"/>
-                <a:gd name="connsiteX5" fmla="*/ 4929277 w 5386793"/>
-                <a:gd name="connsiteY5" fmla="*/ 2745043 h 2745043"/>
-                <a:gd name="connsiteX6" fmla="*/ 457516 w 5386793"/>
-                <a:gd name="connsiteY6" fmla="*/ 2745043 h 2745043"/>
-                <a:gd name="connsiteX7" fmla="*/ 0 w 5386793"/>
-                <a:gd name="connsiteY7" fmla="*/ 2287527 h 2745043"/>
-                <a:gd name="connsiteX8" fmla="*/ 0 w 5386793"/>
-                <a:gd name="connsiteY8" fmla="*/ 457516 h 2745043"/>
-              </a:gdLst>
-              <a:ahLst/>
-              <a:cxnLst>
-                <a:cxn ang="0">
-                  <a:pos x="connsiteX0" y="connsiteY0"/>
-                </a:cxn>
-                <a:cxn ang="0">
-                  <a:pos x="connsiteX1" y="connsiteY1"/>
-                </a:cxn>
-                <a:cxn ang="0">
-                  <a:pos x="connsiteX2" y="connsiteY2"/>
-                </a:cxn>
-                <a:cxn ang="0">
-                  <a:pos x="connsiteX3" y="connsiteY3"/>
-                </a:cxn>
-                <a:cxn ang="0">
-                  <a:pos x="connsiteX4" y="connsiteY4"/>
-                </a:cxn>
-                <a:cxn ang="0">
-                  <a:pos x="connsiteX5" y="connsiteY5"/>
-                </a:cxn>
-                <a:cxn ang="0">
-                  <a:pos x="connsiteX6" y="connsiteY6"/>
-                </a:cxn>
-                <a:cxn ang="0">
-                  <a:pos x="connsiteX7" y="connsiteY7"/>
-                </a:cxn>
-                <a:cxn ang="0">
-                  <a:pos x="connsiteX8" y="connsiteY8"/>
-                </a:cxn>
-              </a:cxnLst>
-              <a:rect l="l" t="t" r="r" b="b"/>
-              <a:pathLst>
-                <a:path w="5386793" h="2745043">
-                  <a:moveTo>
-                    <a:pt x="0" y="457516"/>
-                  </a:moveTo>
-                  <a:cubicBezTo>
-                    <a:pt x="0" y="204837"/>
-                    <a:pt x="204837" y="0"/>
-                    <a:pt x="457516" y="0"/>
-                  </a:cubicBezTo>
-                  <a:lnTo>
-                    <a:pt x="4929277" y="0"/>
-                  </a:lnTo>
-                  <a:cubicBezTo>
-                    <a:pt x="5181956" y="0"/>
-                    <a:pt x="5386793" y="204837"/>
-                    <a:pt x="5386793" y="457516"/>
-                  </a:cubicBezTo>
-                  <a:lnTo>
-                    <a:pt x="5386793" y="2287527"/>
-                  </a:lnTo>
-                  <a:cubicBezTo>
-                    <a:pt x="5386793" y="2540206"/>
-                    <a:pt x="5181956" y="2745043"/>
-                    <a:pt x="4929277" y="2745043"/>
-                  </a:cubicBezTo>
-                  <a:lnTo>
-                    <a:pt x="457516" y="2745043"/>
-                  </a:lnTo>
-                  <a:cubicBezTo>
-                    <a:pt x="204837" y="2745043"/>
-                    <a:pt x="0" y="2540206"/>
-                    <a:pt x="0" y="2287527"/>
-                  </a:cubicBezTo>
-                  <a:lnTo>
-                    <a:pt x="0" y="457516"/>
-                  </a:lnTo>
-                  <a:close/>
-                </a:path>
-              </a:pathLst>
-            </a:custGeom>
-            <a:solidFill>
-              <a:srgbClr val="7030A0"/>
-            </a:solidFill>
-          </p:spPr>
-          <p:style>
-            <a:lnRef idx="2">
-              <a:schemeClr val="lt1">
-                <a:hueOff val="0"/>
-                <a:satOff val="0"/>
-                <a:lumOff val="0"/>
-                <a:alphaOff val="0"/>
-              </a:schemeClr>
-            </a:lnRef>
-            <a:fillRef idx="1">
-              <a:scrgbClr r="0" g="0" b="0"/>
-            </a:fillRef>
-            <a:effectRef idx="0">
-              <a:schemeClr val="accent3">
-                <a:hueOff val="3000641"/>
-                <a:satOff val="271"/>
-                <a:lumOff val="-2877"/>
-                <a:alphaOff val="0"/>
-              </a:schemeClr>
-            </a:effectRef>
-            <a:fontRef idx="minor">
-              <a:schemeClr val="lt1"/>
-            </a:fontRef>
-          </p:style>
-          <p:txBody>
-            <a:bodyPr spcFirstLastPara="0" vert="horz" wrap="square" lIns="381652" tIns="381652" rIns="381652" bIns="381652" numCol="1" spcCol="1270" anchor="ctr" anchorCtr="0">
-              <a:noAutofit/>
-            </a:bodyPr>
-            <a:lstStyle/>
-            <a:p>
-              <a:pPr lvl="0" algn="ctr" defTabSz="2889250">
-                <a:lnSpc>
-                  <a:spcPct val="90000"/>
-                </a:lnSpc>
-                <a:spcBef>
-                  <a:spcPct val="0"/>
-                </a:spcBef>
-                <a:spcAft>
-                  <a:spcPct val="35000"/>
-                </a:spcAft>
-              </a:pPr>
-              <a:r>
-                <a:rPr lang="fr-FR" sz="6500" kern="1200" dirty="0"/>
-                <a:t>DESIGN</a:t>
-              </a:r>
-            </a:p>
-          </p:txBody>
-        </p:sp>
-        <p:sp>
-          <p:nvSpPr>
-            <p:cNvPr id="43" name="Forme libre 42"/>
-            <p:cNvSpPr/>
-            <p:nvPr/>
-          </p:nvSpPr>
-          <p:spPr>
-            <a:xfrm>
-              <a:off x="33475148" y="17338435"/>
-              <a:ext cx="5426946" cy="2379411"/>
-            </a:xfrm>
-            <a:custGeom>
-              <a:avLst/>
-              <a:gdLst>
-                <a:gd name="connsiteX0" fmla="*/ 0 w 5426946"/>
-                <a:gd name="connsiteY0" fmla="*/ 396576 h 2379411"/>
-                <a:gd name="connsiteX1" fmla="*/ 396576 w 5426946"/>
-                <a:gd name="connsiteY1" fmla="*/ 0 h 2379411"/>
-                <a:gd name="connsiteX2" fmla="*/ 5030370 w 5426946"/>
-                <a:gd name="connsiteY2" fmla="*/ 0 h 2379411"/>
-                <a:gd name="connsiteX3" fmla="*/ 5426946 w 5426946"/>
-                <a:gd name="connsiteY3" fmla="*/ 396576 h 2379411"/>
-                <a:gd name="connsiteX4" fmla="*/ 5426946 w 5426946"/>
-                <a:gd name="connsiteY4" fmla="*/ 1982835 h 2379411"/>
-                <a:gd name="connsiteX5" fmla="*/ 5030370 w 5426946"/>
-                <a:gd name="connsiteY5" fmla="*/ 2379411 h 2379411"/>
-                <a:gd name="connsiteX6" fmla="*/ 396576 w 5426946"/>
-                <a:gd name="connsiteY6" fmla="*/ 2379411 h 2379411"/>
-                <a:gd name="connsiteX7" fmla="*/ 0 w 5426946"/>
-                <a:gd name="connsiteY7" fmla="*/ 1982835 h 2379411"/>
-                <a:gd name="connsiteX8" fmla="*/ 0 w 5426946"/>
-                <a:gd name="connsiteY8" fmla="*/ 396576 h 2379411"/>
-              </a:gdLst>
-              <a:ahLst/>
-              <a:cxnLst>
-                <a:cxn ang="0">
-                  <a:pos x="connsiteX0" y="connsiteY0"/>
-                </a:cxn>
-                <a:cxn ang="0">
-                  <a:pos x="connsiteX1" y="connsiteY1"/>
-                </a:cxn>
-                <a:cxn ang="0">
-                  <a:pos x="connsiteX2" y="connsiteY2"/>
-                </a:cxn>
-                <a:cxn ang="0">
-                  <a:pos x="connsiteX3" y="connsiteY3"/>
-                </a:cxn>
-                <a:cxn ang="0">
-                  <a:pos x="connsiteX4" y="connsiteY4"/>
-                </a:cxn>
-                <a:cxn ang="0">
-                  <a:pos x="connsiteX5" y="connsiteY5"/>
-                </a:cxn>
-                <a:cxn ang="0">
-                  <a:pos x="connsiteX6" y="connsiteY6"/>
-                </a:cxn>
-                <a:cxn ang="0">
-                  <a:pos x="connsiteX7" y="connsiteY7"/>
-                </a:cxn>
-                <a:cxn ang="0">
-                  <a:pos x="connsiteX8" y="connsiteY8"/>
-                </a:cxn>
-              </a:cxnLst>
-              <a:rect l="l" t="t" r="r" b="b"/>
-              <a:pathLst>
-                <a:path w="5426946" h="2379411">
-                  <a:moveTo>
-                    <a:pt x="0" y="396576"/>
-                  </a:moveTo>
-                  <a:cubicBezTo>
-                    <a:pt x="0" y="177553"/>
-                    <a:pt x="177553" y="0"/>
-                    <a:pt x="396576" y="0"/>
-                  </a:cubicBezTo>
-                  <a:lnTo>
-                    <a:pt x="5030370" y="0"/>
-                  </a:lnTo>
-                  <a:cubicBezTo>
-                    <a:pt x="5249393" y="0"/>
-                    <a:pt x="5426946" y="177553"/>
-                    <a:pt x="5426946" y="396576"/>
-                  </a:cubicBezTo>
-                  <a:lnTo>
-                    <a:pt x="5426946" y="1982835"/>
-                  </a:lnTo>
-                  <a:cubicBezTo>
-                    <a:pt x="5426946" y="2201858"/>
-                    <a:pt x="5249393" y="2379411"/>
-                    <a:pt x="5030370" y="2379411"/>
-                  </a:cubicBezTo>
-                  <a:lnTo>
-                    <a:pt x="396576" y="2379411"/>
-                  </a:lnTo>
-                  <a:cubicBezTo>
-                    <a:pt x="177553" y="2379411"/>
-                    <a:pt x="0" y="2201858"/>
-                    <a:pt x="0" y="1982835"/>
-                  </a:cubicBezTo>
-                  <a:lnTo>
-                    <a:pt x="0" y="396576"/>
-                  </a:lnTo>
-                  <a:close/>
-                </a:path>
-              </a:pathLst>
-            </a:custGeom>
-            <a:solidFill>
-              <a:srgbClr val="FC1C1C"/>
-            </a:solidFill>
-          </p:spPr>
-          <p:style>
-            <a:lnRef idx="2">
-              <a:schemeClr val="lt1">
-                <a:hueOff val="0"/>
-                <a:satOff val="0"/>
-                <a:lumOff val="0"/>
-                <a:alphaOff val="0"/>
-              </a:schemeClr>
-            </a:lnRef>
-            <a:fillRef idx="1">
-              <a:scrgbClr r="0" g="0" b="0"/>
-            </a:fillRef>
-            <a:effectRef idx="0">
-              <a:schemeClr val="accent3">
-                <a:hueOff val="6001281"/>
-                <a:satOff val="542"/>
-                <a:lumOff val="-5754"/>
-                <a:alphaOff val="0"/>
-              </a:schemeClr>
-            </a:effectRef>
-            <a:fontRef idx="minor">
-              <a:schemeClr val="lt1"/>
-            </a:fontRef>
-          </p:style>
-          <p:txBody>
-            <a:bodyPr spcFirstLastPara="0" vert="horz" wrap="square" lIns="363803" tIns="363803" rIns="363803" bIns="363803" numCol="1" spcCol="1270" anchor="ctr" anchorCtr="0">
-              <a:noAutofit/>
-            </a:bodyPr>
-            <a:lstStyle/>
-            <a:p>
-              <a:pPr lvl="0" algn="ctr" defTabSz="2889250">
-                <a:lnSpc>
-                  <a:spcPct val="90000"/>
-                </a:lnSpc>
-                <a:spcBef>
-                  <a:spcPct val="0"/>
-                </a:spcBef>
-                <a:spcAft>
-                  <a:spcPct val="35000"/>
-                </a:spcAft>
-              </a:pPr>
-              <a:r>
-                <a:rPr lang="fr-FR" sz="6500" kern="1200" dirty="0"/>
-                <a:t>IMPLEMENTS</a:t>
-              </a:r>
-            </a:p>
-          </p:txBody>
-        </p:sp>
-        <p:sp>
-          <p:nvSpPr>
-            <p:cNvPr id="44" name="Forme libre 43"/>
-            <p:cNvSpPr/>
-            <p:nvPr/>
-          </p:nvSpPr>
-          <p:spPr>
-            <a:xfrm>
-              <a:off x="8022123" y="17943404"/>
-              <a:ext cx="5439037" cy="2399338"/>
-            </a:xfrm>
-            <a:custGeom>
-              <a:avLst/>
-              <a:gdLst>
-                <a:gd name="connsiteX0" fmla="*/ 0 w 5439037"/>
-                <a:gd name="connsiteY0" fmla="*/ 399898 h 2399338"/>
-                <a:gd name="connsiteX1" fmla="*/ 399898 w 5439037"/>
-                <a:gd name="connsiteY1" fmla="*/ 0 h 2399338"/>
-                <a:gd name="connsiteX2" fmla="*/ 5039139 w 5439037"/>
-                <a:gd name="connsiteY2" fmla="*/ 0 h 2399338"/>
-                <a:gd name="connsiteX3" fmla="*/ 5439037 w 5439037"/>
-                <a:gd name="connsiteY3" fmla="*/ 399898 h 2399338"/>
-                <a:gd name="connsiteX4" fmla="*/ 5439037 w 5439037"/>
-                <a:gd name="connsiteY4" fmla="*/ 1999440 h 2399338"/>
-                <a:gd name="connsiteX5" fmla="*/ 5039139 w 5439037"/>
-                <a:gd name="connsiteY5" fmla="*/ 2399338 h 2399338"/>
-                <a:gd name="connsiteX6" fmla="*/ 399898 w 5439037"/>
-                <a:gd name="connsiteY6" fmla="*/ 2399338 h 2399338"/>
-                <a:gd name="connsiteX7" fmla="*/ 0 w 5439037"/>
-                <a:gd name="connsiteY7" fmla="*/ 1999440 h 2399338"/>
-                <a:gd name="connsiteX8" fmla="*/ 0 w 5439037"/>
-                <a:gd name="connsiteY8" fmla="*/ 399898 h 2399338"/>
-              </a:gdLst>
-              <a:ahLst/>
-              <a:cxnLst>
-                <a:cxn ang="0">
-                  <a:pos x="connsiteX0" y="connsiteY0"/>
-                </a:cxn>
-                <a:cxn ang="0">
-                  <a:pos x="connsiteX1" y="connsiteY1"/>
-                </a:cxn>
-                <a:cxn ang="0">
-                  <a:pos x="connsiteX2" y="connsiteY2"/>
-                </a:cxn>
-                <a:cxn ang="0">
-                  <a:pos x="connsiteX3" y="connsiteY3"/>
-                </a:cxn>
-                <a:cxn ang="0">
-                  <a:pos x="connsiteX4" y="connsiteY4"/>
-                </a:cxn>
-                <a:cxn ang="0">
-                  <a:pos x="connsiteX5" y="connsiteY5"/>
-                </a:cxn>
-                <a:cxn ang="0">
-                  <a:pos x="connsiteX6" y="connsiteY6"/>
-                </a:cxn>
-                <a:cxn ang="0">
-                  <a:pos x="connsiteX7" y="connsiteY7"/>
-                </a:cxn>
-                <a:cxn ang="0">
-                  <a:pos x="connsiteX8" y="connsiteY8"/>
-                </a:cxn>
-              </a:cxnLst>
-              <a:rect l="l" t="t" r="r" b="b"/>
-              <a:pathLst>
-                <a:path w="5439037" h="2399338">
-                  <a:moveTo>
-                    <a:pt x="0" y="399898"/>
-                  </a:moveTo>
-                  <a:cubicBezTo>
-                    <a:pt x="0" y="179040"/>
-                    <a:pt x="179040" y="0"/>
-                    <a:pt x="399898" y="0"/>
-                  </a:cubicBezTo>
-                  <a:lnTo>
-                    <a:pt x="5039139" y="0"/>
-                  </a:lnTo>
-                  <a:cubicBezTo>
-                    <a:pt x="5259997" y="0"/>
-                    <a:pt x="5439037" y="179040"/>
-                    <a:pt x="5439037" y="399898"/>
-                  </a:cubicBezTo>
-                  <a:lnTo>
-                    <a:pt x="5439037" y="1999440"/>
-                  </a:lnTo>
-                  <a:cubicBezTo>
-                    <a:pt x="5439037" y="2220298"/>
-                    <a:pt x="5259997" y="2399338"/>
-                    <a:pt x="5039139" y="2399338"/>
-                  </a:cubicBezTo>
-                  <a:lnTo>
-                    <a:pt x="399898" y="2399338"/>
-                  </a:lnTo>
-                  <a:cubicBezTo>
-                    <a:pt x="179040" y="2399338"/>
-                    <a:pt x="0" y="2220298"/>
-                    <a:pt x="0" y="1999440"/>
-                  </a:cubicBezTo>
-                  <a:lnTo>
-                    <a:pt x="0" y="399898"/>
-                  </a:lnTo>
-                  <a:close/>
-                </a:path>
-              </a:pathLst>
-            </a:custGeom>
-            <a:solidFill>
-              <a:schemeClr val="accent1">
-                <a:lumMod val="75000"/>
-              </a:schemeClr>
-            </a:solidFill>
-          </p:spPr>
-          <p:style>
-            <a:lnRef idx="2">
-              <a:schemeClr val="lt1">
-                <a:hueOff val="0"/>
-                <a:satOff val="0"/>
-                <a:lumOff val="0"/>
-                <a:alphaOff val="0"/>
-              </a:schemeClr>
-            </a:lnRef>
-            <a:fillRef idx="1">
-              <a:scrgbClr r="0" g="0" b="0"/>
-            </a:fillRef>
-            <a:effectRef idx="0">
-              <a:schemeClr val="accent3">
-                <a:hueOff val="9001922"/>
-                <a:satOff val="813"/>
-                <a:lumOff val="-8631"/>
-                <a:alphaOff val="0"/>
-              </a:schemeClr>
-            </a:effectRef>
-            <a:fontRef idx="minor">
-              <a:schemeClr val="lt1"/>
-            </a:fontRef>
-          </p:style>
-          <p:txBody>
-            <a:bodyPr spcFirstLastPara="0" vert="horz" wrap="square" lIns="364776" tIns="364776" rIns="364776" bIns="364776" numCol="1" spcCol="1270" anchor="ctr" anchorCtr="0">
-              <a:noAutofit/>
-            </a:bodyPr>
-            <a:lstStyle/>
-            <a:p>
-              <a:pPr lvl="0" algn="ctr" defTabSz="2889250">
-                <a:lnSpc>
-                  <a:spcPct val="90000"/>
-                </a:lnSpc>
-                <a:spcBef>
-                  <a:spcPct val="0"/>
-                </a:spcBef>
-                <a:spcAft>
-                  <a:spcPct val="35000"/>
-                </a:spcAft>
-              </a:pPr>
-              <a:r>
-                <a:rPr lang="fr-FR" sz="6500" kern="1200" dirty="0"/>
-                <a:t>OPPERATE</a:t>
-              </a:r>
-            </a:p>
-          </p:txBody>
-        </p:sp>
-      </p:grpSp>
-      <p:sp>
-        <p:nvSpPr>
-          <p:cNvPr id="45" name="Flèche droite 44"/>
-          <p:cNvSpPr/>
-          <p:nvPr/>
-        </p:nvSpPr>
-        <p:spPr>
-          <a:xfrm>
-            <a:off x="16077339" y="5240618"/>
-            <a:ext cx="10655129" cy="1341120"/>
-          </a:xfrm>
-          <a:prstGeom prst="rightArrow">
-            <a:avLst>
-              <a:gd name="adj1" fmla="val 40909"/>
-              <a:gd name="adj2" fmla="val 125000"/>
-            </a:avLst>
-          </a:prstGeom>
-          <a:solidFill>
-            <a:srgbClr val="FFC000"/>
-          </a:solidFill>
-          <a:ln>
-            <a:noFill/>
-          </a:ln>
-        </p:spPr>
-        <p:style>
-          <a:lnRef idx="2">
-            <a:schemeClr val="accent1">
-              <a:shade val="50000"/>
-            </a:schemeClr>
-          </a:lnRef>
-          <a:fillRef idx="1">
-            <a:schemeClr val="accent1"/>
-          </a:fillRef>
-          <a:effectRef idx="0">
-            <a:schemeClr val="accent1"/>
-          </a:effectRef>
-          <a:fontRef idx="minor">
-            <a:schemeClr val="lt1"/>
-          </a:fontRef>
-        </p:style>
-        <p:txBody>
-          <a:bodyPr rtlCol="0" anchor="ctr"/>
-          <a:lstStyle/>
-          <a:p>
-            <a:pPr algn="ctr"/>
-            <a:endParaRPr lang="fr-FR"/>
-          </a:p>
-        </p:txBody>
-      </p:sp>
-      <p:sp>
-        <p:nvSpPr>
-          <p:cNvPr id="46" name="Flèche droite 45"/>
-          <p:cNvSpPr/>
-          <p:nvPr/>
-        </p:nvSpPr>
-        <p:spPr>
-          <a:xfrm rot="5400000">
-            <a:off x="35567518" y="12165435"/>
-            <a:ext cx="10655129" cy="1341120"/>
-          </a:xfrm>
-          <a:prstGeom prst="rightArrow">
-            <a:avLst>
-              <a:gd name="adj1" fmla="val 40909"/>
-              <a:gd name="adj2" fmla="val 125000"/>
-            </a:avLst>
-          </a:prstGeom>
-          <a:solidFill>
-            <a:srgbClr val="FFC000"/>
-          </a:solidFill>
-          <a:ln>
-            <a:noFill/>
-          </a:ln>
-        </p:spPr>
-        <p:style>
-          <a:lnRef idx="2">
-            <a:schemeClr val="accent1">
-              <a:shade val="50000"/>
-            </a:schemeClr>
-          </a:lnRef>
-          <a:fillRef idx="1">
-            <a:schemeClr val="accent1"/>
-          </a:fillRef>
-          <a:effectRef idx="0">
-            <a:schemeClr val="accent1"/>
-          </a:effectRef>
-          <a:fontRef idx="minor">
-            <a:schemeClr val="lt1"/>
-          </a:fontRef>
-        </p:style>
-        <p:txBody>
-          <a:bodyPr rtlCol="0" anchor="ctr"/>
-          <a:lstStyle/>
-          <a:p>
-            <a:pPr algn="ctr"/>
-            <a:endParaRPr lang="fr-FR"/>
-          </a:p>
-        </p:txBody>
-      </p:sp>
-      <p:sp>
-        <p:nvSpPr>
-          <p:cNvPr id="47" name="Flèche droite 46"/>
-          <p:cNvSpPr/>
-          <p:nvPr/>
-        </p:nvSpPr>
-        <p:spPr>
-          <a:xfrm rot="10800000">
-            <a:off x="16074316" y="28353451"/>
-            <a:ext cx="10655129" cy="1341120"/>
-          </a:xfrm>
-          <a:prstGeom prst="rightArrow">
-            <a:avLst>
-              <a:gd name="adj1" fmla="val 40909"/>
-              <a:gd name="adj2" fmla="val 125000"/>
-            </a:avLst>
-          </a:prstGeom>
-          <a:solidFill>
-            <a:srgbClr val="FFC000"/>
-          </a:solidFill>
-          <a:ln>
-            <a:noFill/>
-          </a:ln>
-        </p:spPr>
-        <p:style>
-          <a:lnRef idx="2">
-            <a:schemeClr val="accent1">
-              <a:shade val="50000"/>
-            </a:schemeClr>
-          </a:lnRef>
-          <a:fillRef idx="1">
-            <a:schemeClr val="accent1"/>
-          </a:fillRef>
-          <a:effectRef idx="0">
-            <a:schemeClr val="accent1"/>
-          </a:effectRef>
-          <a:fontRef idx="minor">
-            <a:schemeClr val="lt1"/>
-          </a:fontRef>
-        </p:style>
-        <p:txBody>
-          <a:bodyPr rtlCol="0" anchor="ctr"/>
-          <a:lstStyle/>
-          <a:p>
-            <a:pPr algn="ctr"/>
-            <a:endParaRPr lang="fr-FR"/>
-          </a:p>
-        </p:txBody>
-      </p:sp>
-      <p:sp>
-        <p:nvSpPr>
-          <p:cNvPr id="48" name="Flèche droite 47"/>
-          <p:cNvSpPr/>
-          <p:nvPr/>
-        </p:nvSpPr>
-        <p:spPr>
-          <a:xfrm rot="16200000">
-            <a:off x="-3939370" y="13382347"/>
-            <a:ext cx="10655129" cy="1341120"/>
-          </a:xfrm>
-          <a:prstGeom prst="rightArrow">
-            <a:avLst>
-              <a:gd name="adj1" fmla="val 40909"/>
-              <a:gd name="adj2" fmla="val 125000"/>
-            </a:avLst>
-          </a:prstGeom>
-          <a:solidFill>
-            <a:srgbClr val="FFC000"/>
-          </a:solidFill>
-          <a:ln>
-            <a:noFill/>
-          </a:ln>
-        </p:spPr>
-        <p:style>
-          <a:lnRef idx="2">
-            <a:schemeClr val="accent1">
-              <a:shade val="50000"/>
-            </a:schemeClr>
-          </a:lnRef>
-          <a:fillRef idx="1">
-            <a:schemeClr val="accent1"/>
-          </a:fillRef>
-          <a:effectRef idx="0">
-            <a:schemeClr val="accent1"/>
-          </a:effectRef>
-          <a:fontRef idx="minor">
-            <a:schemeClr val="lt1"/>
-          </a:fontRef>
-        </p:style>
-        <p:txBody>
-          <a:bodyPr rtlCol="0" anchor="ctr"/>
-          <a:lstStyle/>
-          <a:p>
-            <a:pPr algn="ctr"/>
-            <a:endParaRPr lang="fr-FR"/>
-          </a:p>
-        </p:txBody>
-      </p:sp>
-      <p:sp>
-        <p:nvSpPr>
-          <p:cNvPr id="21" name="ZoneTexte 20"/>
-          <p:cNvSpPr txBox="1"/>
-          <p:nvPr/>
-        </p:nvSpPr>
-        <p:spPr>
-          <a:xfrm>
-            <a:off x="2776390" y="7698987"/>
-            <a:ext cx="10149558" cy="6370975"/>
-          </a:xfrm>
-          <a:prstGeom prst="rect">
-            <a:avLst/>
-          </a:prstGeom>
-          <a:noFill/>
-        </p:spPr>
-        <p:txBody>
-          <a:bodyPr wrap="square" rtlCol="0">
-            <a:spAutoFit/>
-          </a:bodyPr>
-          <a:lstStyle/>
-          <a:p>
-            <a:r>
-              <a:rPr lang="fr-FR" sz="4400" b="1" dirty="0">
-                <a:latin typeface="Times New Roman" panose="02020603050405020304" pitchFamily="18" charset="0"/>
-                <a:cs typeface="Times New Roman" panose="02020603050405020304" pitchFamily="18" charset="0"/>
-              </a:rPr>
-              <a:t>Attendus Physiques :</a:t>
-            </a:r>
-          </a:p>
-          <a:p>
-            <a:pPr marL="857250" indent="-857250">
-              <a:buFont typeface="Arial" panose="020B0604020202020204" pitchFamily="34" charset="0"/>
-              <a:buChar char="•"/>
-            </a:pPr>
-            <a:r>
-              <a:rPr lang="fr-FR" sz="4000" dirty="0">
-                <a:latin typeface="Times New Roman" panose="02020603050405020304" pitchFamily="18" charset="0"/>
-                <a:cs typeface="Times New Roman" panose="02020603050405020304" pitchFamily="18" charset="0"/>
-              </a:rPr>
-              <a:t>Mini frigo</a:t>
-            </a:r>
-          </a:p>
-          <a:p>
-            <a:pPr marL="857250" indent="-857250">
-              <a:buFont typeface="Arial" panose="020B0604020202020204" pitchFamily="34" charset="0"/>
-              <a:buChar char="•"/>
-            </a:pPr>
-            <a:r>
-              <a:rPr lang="fr-FR" sz="4000" dirty="0">
-                <a:latin typeface="Times New Roman" panose="02020603050405020304" pitchFamily="18" charset="0"/>
-                <a:cs typeface="Times New Roman" panose="02020603050405020304" pitchFamily="18" charset="0"/>
-              </a:rPr>
-              <a:t>Régulation de la température</a:t>
-            </a:r>
-          </a:p>
-          <a:p>
-            <a:pPr marL="857250" indent="-857250">
-              <a:buFont typeface="Arial" panose="020B0604020202020204" pitchFamily="34" charset="0"/>
-              <a:buChar char="•"/>
-            </a:pPr>
-            <a:endParaRPr lang="fr-FR" sz="4000" dirty="0">
-              <a:latin typeface="Times New Roman" panose="02020603050405020304" pitchFamily="18" charset="0"/>
-              <a:cs typeface="Times New Roman" panose="02020603050405020304" pitchFamily="18" charset="0"/>
-            </a:endParaRPr>
-          </a:p>
-          <a:p>
-            <a:r>
-              <a:rPr lang="fr-FR" sz="4400" b="1" dirty="0">
-                <a:latin typeface="Times New Roman" panose="02020603050405020304" pitchFamily="18" charset="0"/>
-                <a:cs typeface="Times New Roman" panose="02020603050405020304" pitchFamily="18" charset="0"/>
-              </a:rPr>
-              <a:t>Attendus Applicatifs :</a:t>
-            </a:r>
-          </a:p>
-          <a:p>
-            <a:pPr marL="857250" indent="-857250">
-              <a:buFont typeface="Arial" panose="020B0604020202020204" pitchFamily="34" charset="0"/>
-              <a:buChar char="•"/>
-            </a:pPr>
-            <a:r>
-              <a:rPr lang="fr-FR" sz="4000" dirty="0">
-                <a:latin typeface="Times New Roman" panose="02020603050405020304" pitchFamily="18" charset="0"/>
-                <a:cs typeface="Times New Roman" panose="02020603050405020304" pitchFamily="18" charset="0"/>
-              </a:rPr>
-              <a:t>Visualisation de la température intérieure</a:t>
-            </a:r>
-          </a:p>
-          <a:p>
-            <a:pPr marL="857250" indent="-857250">
-              <a:buFont typeface="Arial" panose="020B0604020202020204" pitchFamily="34" charset="0"/>
-              <a:buChar char="•"/>
-            </a:pPr>
-            <a:r>
-              <a:rPr lang="fr-FR" sz="4000" dirty="0">
-                <a:latin typeface="Times New Roman" panose="02020603050405020304" pitchFamily="18" charset="0"/>
-                <a:cs typeface="Times New Roman" panose="02020603050405020304" pitchFamily="18" charset="0"/>
-              </a:rPr>
-              <a:t>Visualisation de la température extérieure</a:t>
-            </a:r>
-          </a:p>
-          <a:p>
-            <a:pPr marL="857250" indent="-857250">
-              <a:buFont typeface="Arial" panose="020B0604020202020204" pitchFamily="34" charset="0"/>
-              <a:buChar char="•"/>
-            </a:pPr>
-            <a:r>
-              <a:rPr lang="fr-FR" sz="4000" dirty="0">
-                <a:latin typeface="Times New Roman" panose="02020603050405020304" pitchFamily="18" charset="0"/>
-                <a:cs typeface="Times New Roman" panose="02020603050405020304" pitchFamily="18" charset="0"/>
-              </a:rPr>
-              <a:t>Visualisation de la température de consigne</a:t>
-            </a:r>
-          </a:p>
-          <a:p>
-            <a:pPr marL="857250" indent="-857250">
-              <a:buFont typeface="Arial" panose="020B0604020202020204" pitchFamily="34" charset="0"/>
-              <a:buChar char="•"/>
-            </a:pPr>
-            <a:r>
-              <a:rPr lang="fr-FR" sz="4000" dirty="0">
-                <a:latin typeface="Times New Roman" panose="02020603050405020304" pitchFamily="18" charset="0"/>
-                <a:cs typeface="Times New Roman" panose="02020603050405020304" pitchFamily="18" charset="0"/>
-              </a:rPr>
-              <a:t>Visualisation de l’humidité</a:t>
-            </a:r>
-          </a:p>
-          <a:p>
-            <a:pPr marL="857250" indent="-857250">
-              <a:buFont typeface="Arial" panose="020B0604020202020204" pitchFamily="34" charset="0"/>
-              <a:buChar char="•"/>
-            </a:pPr>
-            <a:r>
-              <a:rPr lang="fr-FR" sz="4000" dirty="0">
-                <a:latin typeface="Times New Roman" panose="02020603050405020304" pitchFamily="18" charset="0"/>
-                <a:cs typeface="Times New Roman" panose="02020603050405020304" pitchFamily="18" charset="0"/>
-              </a:rPr>
-              <a:t>Modification de la température de consigne</a:t>
-            </a:r>
-          </a:p>
-        </p:txBody>
-      </p:sp>
-      <p:sp>
-        <p:nvSpPr>
-          <p:cNvPr id="49" name="ZoneTexte 48"/>
-          <p:cNvSpPr txBox="1"/>
-          <p:nvPr/>
-        </p:nvSpPr>
-        <p:spPr>
-          <a:xfrm>
-            <a:off x="22139627" y="13875199"/>
-            <a:ext cx="13670280" cy="3416320"/>
-          </a:xfrm>
-          <a:prstGeom prst="rect">
-            <a:avLst/>
-          </a:prstGeom>
-          <a:noFill/>
-        </p:spPr>
-        <p:txBody>
-          <a:bodyPr wrap="square" rtlCol="0">
-            <a:spAutoFit/>
-          </a:bodyPr>
-          <a:lstStyle/>
-          <a:p>
-            <a:r>
-              <a:rPr lang="fr-FR" sz="7200" dirty="0" err="1">
-                <a:latin typeface="Times New Roman" panose="02020603050405020304" pitchFamily="18" charset="0"/>
-                <a:cs typeface="Times New Roman" panose="02020603050405020304" pitchFamily="18" charset="0"/>
-              </a:rPr>
-              <a:t>Diag</a:t>
-            </a:r>
-            <a:r>
-              <a:rPr lang="fr-FR" sz="7200" dirty="0">
-                <a:latin typeface="Times New Roman" panose="02020603050405020304" pitchFamily="18" charset="0"/>
-                <a:cs typeface="Times New Roman" panose="02020603050405020304" pitchFamily="18" charset="0"/>
-              </a:rPr>
-              <a:t> Composant, Choix Techniques et fonctionnement : Peltier, Pont Diviseur, Sciences</a:t>
-            </a:r>
-          </a:p>
-        </p:txBody>
-      </p:sp>
-      <p:sp>
-        <p:nvSpPr>
-          <p:cNvPr id="51" name="ZoneTexte 50"/>
-          <p:cNvSpPr txBox="1"/>
-          <p:nvPr/>
-        </p:nvSpPr>
-        <p:spPr>
-          <a:xfrm>
-            <a:off x="2609580" y="21883702"/>
-            <a:ext cx="13670280" cy="6740307"/>
-          </a:xfrm>
-          <a:prstGeom prst="rect">
-            <a:avLst/>
-          </a:prstGeom>
-          <a:noFill/>
-        </p:spPr>
-        <p:txBody>
-          <a:bodyPr wrap="square" rtlCol="0">
-            <a:spAutoFit/>
-          </a:bodyPr>
-          <a:lstStyle/>
-          <a:p>
-            <a:r>
-              <a:rPr lang="fr-FR" sz="7200" dirty="0">
-                <a:latin typeface="Times New Roman" panose="02020603050405020304" pitchFamily="18" charset="0"/>
-                <a:cs typeface="Times New Roman" panose="02020603050405020304" pitchFamily="18" charset="0"/>
-              </a:rPr>
-              <a:t>Problèmes rencontrés :</a:t>
-            </a:r>
-          </a:p>
-          <a:p>
-            <a:pPr marL="857250" indent="-857250">
-              <a:buFont typeface="Arial" panose="020B0604020202020204" pitchFamily="34" charset="0"/>
-              <a:buChar char="•"/>
-            </a:pPr>
-            <a:r>
-              <a:rPr lang="fr-FR" sz="7200" dirty="0" err="1">
-                <a:latin typeface="Times New Roman" panose="02020603050405020304" pitchFamily="18" charset="0"/>
-                <a:cs typeface="Times New Roman" panose="02020603050405020304" pitchFamily="18" charset="0"/>
-              </a:rPr>
-              <a:t>Extends</a:t>
-            </a:r>
-            <a:r>
-              <a:rPr lang="fr-FR" sz="7200" dirty="0">
-                <a:latin typeface="Times New Roman" panose="02020603050405020304" pitchFamily="18" charset="0"/>
-                <a:cs typeface="Times New Roman" panose="02020603050405020304" pitchFamily="18" charset="0"/>
-              </a:rPr>
-              <a:t> – Interface</a:t>
-            </a:r>
-          </a:p>
-          <a:p>
-            <a:pPr marL="857250" indent="-857250">
-              <a:buFont typeface="Arial" panose="020B0604020202020204" pitchFamily="34" charset="0"/>
-              <a:buChar char="•"/>
-            </a:pPr>
-            <a:r>
-              <a:rPr lang="fr-FR" sz="7200" dirty="0">
-                <a:latin typeface="Times New Roman" panose="02020603050405020304" pitchFamily="18" charset="0"/>
-                <a:cs typeface="Times New Roman" panose="02020603050405020304" pitchFamily="18" charset="0"/>
-              </a:rPr>
-              <a:t>Communication Arduino</a:t>
-            </a:r>
-          </a:p>
-          <a:p>
-            <a:pPr marL="857250" indent="-857250">
-              <a:buFont typeface="Arial" panose="020B0604020202020204" pitchFamily="34" charset="0"/>
-              <a:buChar char="•"/>
-            </a:pPr>
-            <a:r>
-              <a:rPr lang="fr-FR" sz="7200" dirty="0" err="1">
-                <a:latin typeface="Times New Roman" panose="02020603050405020304" pitchFamily="18" charset="0"/>
-                <a:cs typeface="Times New Roman" panose="02020603050405020304" pitchFamily="18" charset="0"/>
-              </a:rPr>
-              <a:t>JFreeChart</a:t>
-            </a:r>
-            <a:endParaRPr lang="fr-FR" sz="7200" dirty="0">
-              <a:latin typeface="Times New Roman" panose="02020603050405020304" pitchFamily="18" charset="0"/>
-              <a:cs typeface="Times New Roman" panose="02020603050405020304" pitchFamily="18" charset="0"/>
-            </a:endParaRPr>
-          </a:p>
-          <a:p>
-            <a:endParaRPr lang="fr-FR" sz="7200" dirty="0">
-              <a:latin typeface="Times New Roman" panose="02020603050405020304" pitchFamily="18" charset="0"/>
-              <a:cs typeface="Times New Roman" panose="02020603050405020304" pitchFamily="18" charset="0"/>
-            </a:endParaRPr>
-          </a:p>
-          <a:p>
-            <a:r>
-              <a:rPr lang="fr-FR" sz="7200" dirty="0">
-                <a:latin typeface="Times New Roman" panose="02020603050405020304" pitchFamily="18" charset="0"/>
-                <a:cs typeface="Times New Roman" panose="02020603050405020304" pitchFamily="18" charset="0"/>
-              </a:rPr>
-              <a:t>	Bilan</a:t>
-            </a:r>
-          </a:p>
-        </p:txBody>
-      </p:sp>
-      <p:sp>
-        <p:nvSpPr>
-          <p:cNvPr id="23" name="ZoneTexte 22"/>
-          <p:cNvSpPr txBox="1"/>
-          <p:nvPr/>
-        </p:nvSpPr>
-        <p:spPr>
-          <a:xfrm>
-            <a:off x="12925948" y="7698987"/>
-            <a:ext cx="7408984" cy="10002738"/>
-          </a:xfrm>
-          <a:prstGeom prst="rect">
-            <a:avLst/>
-          </a:prstGeom>
-          <a:noFill/>
-        </p:spPr>
-        <p:txBody>
-          <a:bodyPr wrap="square" rtlCol="0">
-            <a:spAutoFit/>
-          </a:bodyPr>
-          <a:lstStyle/>
-          <a:p>
-            <a:r>
-              <a:rPr lang="fr-FR" sz="4400" b="1" dirty="0">
-                <a:latin typeface="Times New Roman" panose="02020603050405020304" pitchFamily="18" charset="0"/>
-                <a:cs typeface="Times New Roman" panose="02020603050405020304" pitchFamily="18" charset="0"/>
-              </a:rPr>
-              <a:t>Livrables :</a:t>
-            </a:r>
-          </a:p>
-          <a:p>
-            <a:pPr marL="571500" indent="-571500">
-              <a:buFont typeface="Arial" panose="020B0604020202020204" pitchFamily="34" charset="0"/>
-              <a:buChar char="•"/>
-            </a:pPr>
-            <a:r>
-              <a:rPr lang="fr-FR" sz="4000" dirty="0">
-                <a:latin typeface="Times New Roman" panose="02020603050405020304" pitchFamily="18" charset="0"/>
-                <a:cs typeface="Times New Roman" panose="02020603050405020304" pitchFamily="18" charset="0"/>
-              </a:rPr>
-              <a:t>Gestion de Projet</a:t>
-            </a:r>
-          </a:p>
-          <a:p>
-            <a:pPr marL="2720705" lvl="1" indent="-571500">
-              <a:buFont typeface="Arial" panose="020B0604020202020204" pitchFamily="34" charset="0"/>
-              <a:buChar char="•"/>
-            </a:pPr>
-            <a:r>
-              <a:rPr lang="fr-FR" sz="4000" dirty="0">
-                <a:latin typeface="Times New Roman" panose="02020603050405020304" pitchFamily="18" charset="0"/>
-                <a:cs typeface="Times New Roman" panose="02020603050405020304" pitchFamily="18" charset="0"/>
-              </a:rPr>
-              <a:t>OBS</a:t>
-            </a:r>
-          </a:p>
-          <a:p>
-            <a:pPr marL="2720705" lvl="1" indent="-571500">
-              <a:buFont typeface="Arial" panose="020B0604020202020204" pitchFamily="34" charset="0"/>
-              <a:buChar char="•"/>
-            </a:pPr>
-            <a:r>
-              <a:rPr lang="fr-FR" sz="4000" dirty="0">
-                <a:latin typeface="Times New Roman" panose="02020603050405020304" pitchFamily="18" charset="0"/>
-                <a:cs typeface="Times New Roman" panose="02020603050405020304" pitchFamily="18" charset="0"/>
-              </a:rPr>
-              <a:t>WBS</a:t>
-            </a:r>
-          </a:p>
-          <a:p>
-            <a:pPr marL="2720705" lvl="1" indent="-571500">
-              <a:buFont typeface="Arial" panose="020B0604020202020204" pitchFamily="34" charset="0"/>
-              <a:buChar char="•"/>
-            </a:pPr>
-            <a:r>
-              <a:rPr lang="fr-FR" sz="4000" dirty="0">
-                <a:latin typeface="Times New Roman" panose="02020603050405020304" pitchFamily="18" charset="0"/>
-                <a:cs typeface="Times New Roman" panose="02020603050405020304" pitchFamily="18" charset="0"/>
-              </a:rPr>
-              <a:t>Planning Prévisionnel</a:t>
-            </a:r>
-          </a:p>
-          <a:p>
-            <a:pPr marL="571500" indent="-571500">
-              <a:buFont typeface="Arial" panose="020B0604020202020204" pitchFamily="34" charset="0"/>
-              <a:buChar char="•"/>
-            </a:pPr>
-            <a:r>
-              <a:rPr lang="fr-FR" sz="4000" dirty="0">
-                <a:latin typeface="Times New Roman" panose="02020603050405020304" pitchFamily="18" charset="0"/>
-                <a:cs typeface="Times New Roman" panose="02020603050405020304" pitchFamily="18" charset="0"/>
-              </a:rPr>
-              <a:t>Diagrammes</a:t>
-            </a:r>
-          </a:p>
-          <a:p>
-            <a:pPr marL="2720705" lvl="1" indent="-571500">
-              <a:buFont typeface="Arial" panose="020B0604020202020204" pitchFamily="34" charset="0"/>
-              <a:buChar char="•"/>
-            </a:pPr>
-            <a:r>
-              <a:rPr lang="fr-FR" sz="4000" dirty="0">
-                <a:latin typeface="Times New Roman" panose="02020603050405020304" pitchFamily="18" charset="0"/>
-                <a:cs typeface="Times New Roman" panose="02020603050405020304" pitchFamily="18" charset="0"/>
-              </a:rPr>
-              <a:t>Cas d’Utilisation</a:t>
-            </a:r>
-          </a:p>
-          <a:p>
-            <a:pPr marL="2720705" lvl="1" indent="-571500">
-              <a:buFont typeface="Arial" panose="020B0604020202020204" pitchFamily="34" charset="0"/>
-              <a:buChar char="•"/>
-            </a:pPr>
-            <a:r>
-              <a:rPr lang="fr-FR" sz="4000" dirty="0">
-                <a:latin typeface="Times New Roman" panose="02020603050405020304" pitchFamily="18" charset="0"/>
-                <a:cs typeface="Times New Roman" panose="02020603050405020304" pitchFamily="18" charset="0"/>
-              </a:rPr>
-              <a:t>Composants</a:t>
-            </a:r>
-          </a:p>
-          <a:p>
-            <a:pPr marL="2720705" lvl="1" indent="-571500">
-              <a:buFont typeface="Arial" panose="020B0604020202020204" pitchFamily="34" charset="0"/>
-              <a:buChar char="•"/>
-            </a:pPr>
-            <a:r>
-              <a:rPr lang="fr-FR" sz="4000" dirty="0">
-                <a:latin typeface="Times New Roman" panose="02020603050405020304" pitchFamily="18" charset="0"/>
-                <a:cs typeface="Times New Roman" panose="02020603050405020304" pitchFamily="18" charset="0"/>
-              </a:rPr>
-              <a:t>Classes</a:t>
-            </a:r>
-          </a:p>
-          <a:p>
-            <a:pPr marL="2720705" lvl="1" indent="-571500">
-              <a:buFont typeface="Arial" panose="020B0604020202020204" pitchFamily="34" charset="0"/>
-              <a:buChar char="•"/>
-            </a:pPr>
-            <a:r>
-              <a:rPr lang="fr-FR" sz="4000" dirty="0">
-                <a:latin typeface="Times New Roman" panose="02020603050405020304" pitchFamily="18" charset="0"/>
-                <a:cs typeface="Times New Roman" panose="02020603050405020304" pitchFamily="18" charset="0"/>
-              </a:rPr>
-              <a:t>Séquence</a:t>
-            </a:r>
-          </a:p>
-          <a:p>
-            <a:pPr marL="571500" indent="-571500">
-              <a:buFont typeface="Arial" panose="020B0604020202020204" pitchFamily="34" charset="0"/>
-              <a:buChar char="•"/>
-            </a:pPr>
-            <a:r>
-              <a:rPr lang="fr-FR" sz="4000" dirty="0">
-                <a:latin typeface="Times New Roman" panose="02020603050405020304" pitchFamily="18" charset="0"/>
-                <a:cs typeface="Times New Roman" panose="02020603050405020304" pitchFamily="18" charset="0"/>
-              </a:rPr>
-              <a:t>Documentation</a:t>
-            </a:r>
-          </a:p>
-          <a:p>
-            <a:pPr marL="571500" indent="-571500">
-              <a:buFont typeface="Arial" panose="020B0604020202020204" pitchFamily="34" charset="0"/>
-              <a:buChar char="•"/>
-            </a:pPr>
-            <a:r>
-              <a:rPr lang="fr-FR" sz="4000" dirty="0">
-                <a:latin typeface="Times New Roman" panose="02020603050405020304" pitchFamily="18" charset="0"/>
-                <a:cs typeface="Times New Roman" panose="02020603050405020304" pitchFamily="18" charset="0"/>
-              </a:rPr>
-              <a:t>Tests fonctionnels</a:t>
-            </a:r>
-          </a:p>
-          <a:p>
-            <a:pPr marL="571500" indent="-571500">
-              <a:buFont typeface="Arial" panose="020B0604020202020204" pitchFamily="34" charset="0"/>
-              <a:buChar char="•"/>
-            </a:pPr>
-            <a:r>
-              <a:rPr lang="fr-FR" sz="4000" dirty="0">
-                <a:latin typeface="Times New Roman" panose="02020603050405020304" pitchFamily="18" charset="0"/>
-                <a:cs typeface="Times New Roman" panose="02020603050405020304" pitchFamily="18" charset="0"/>
-              </a:rPr>
-              <a:t>Application</a:t>
-            </a:r>
-          </a:p>
-          <a:p>
-            <a:pPr marL="571500" indent="-571500">
-              <a:buFont typeface="Arial" panose="020B0604020202020204" pitchFamily="34" charset="0"/>
-              <a:buChar char="•"/>
-            </a:pPr>
-            <a:r>
-              <a:rPr lang="fr-FR" sz="4000" dirty="0">
-                <a:latin typeface="Times New Roman" panose="02020603050405020304" pitchFamily="18" charset="0"/>
-                <a:cs typeface="Times New Roman" panose="02020603050405020304" pitchFamily="18" charset="0"/>
-              </a:rPr>
-              <a:t>Mini Frigo</a:t>
-            </a:r>
-          </a:p>
-          <a:p>
-            <a:pPr marL="571500" indent="-571500">
-              <a:buFont typeface="Arial" panose="020B0604020202020204" pitchFamily="34" charset="0"/>
-              <a:buChar char="•"/>
-            </a:pPr>
-            <a:r>
-              <a:rPr lang="fr-FR" sz="4000" dirty="0">
-                <a:latin typeface="Times New Roman" panose="02020603050405020304" pitchFamily="18" charset="0"/>
-                <a:cs typeface="Times New Roman" panose="02020603050405020304" pitchFamily="18" charset="0"/>
-              </a:rPr>
-              <a:t>Poster</a:t>
-            </a:r>
-          </a:p>
-          <a:p>
-            <a:pPr marL="571500" indent="-571500">
-              <a:buFont typeface="Arial" panose="020B0604020202020204" pitchFamily="34" charset="0"/>
-              <a:buChar char="•"/>
-            </a:pPr>
-            <a:r>
-              <a:rPr lang="fr-FR" sz="4000" dirty="0">
-                <a:latin typeface="Times New Roman" panose="02020603050405020304" pitchFamily="18" charset="0"/>
-                <a:cs typeface="Times New Roman" panose="02020603050405020304" pitchFamily="18" charset="0"/>
-              </a:rPr>
-              <a:t>Rapport de Projet	</a:t>
-            </a:r>
-          </a:p>
-        </p:txBody>
-      </p:sp>
-      <p:sp>
-        <p:nvSpPr>
-          <p:cNvPr id="52" name="ZoneTexte 51"/>
-          <p:cNvSpPr txBox="1"/>
-          <p:nvPr/>
-        </p:nvSpPr>
-        <p:spPr>
-          <a:xfrm>
-            <a:off x="32641829" y="7846482"/>
-            <a:ext cx="7408984" cy="769441"/>
-          </a:xfrm>
-          <a:prstGeom prst="rect">
-            <a:avLst/>
-          </a:prstGeom>
-          <a:noFill/>
-        </p:spPr>
-        <p:txBody>
-          <a:bodyPr wrap="square" rtlCol="0">
-            <a:spAutoFit/>
-          </a:bodyPr>
-          <a:lstStyle/>
-          <a:p>
-            <a:endParaRPr lang="fr-FR" sz="4400" b="1" dirty="0">
-              <a:latin typeface="Times New Roman" panose="02020603050405020304" pitchFamily="18" charset="0"/>
-              <a:cs typeface="Times New Roman" panose="02020603050405020304" pitchFamily="18" charset="0"/>
-            </a:endParaRPr>
-          </a:p>
-        </p:txBody>
-      </p:sp>
-      <p:pic>
-        <p:nvPicPr>
-          <p:cNvPr id="28" name="Image 27"/>
-          <p:cNvPicPr>
-            <a:picLocks noChangeAspect="1"/>
-          </p:cNvPicPr>
-          <p:nvPr/>
-        </p:nvPicPr>
-        <p:blipFill>
-          <a:blip r:embed="rId3">
-            <a:extLst>
-              <a:ext uri="{28A0092B-C50C-407E-A947-70E740481C1C}">
-                <a14:useLocalDpi xmlns:a14="http://schemas.microsoft.com/office/drawing/2010/main" val="0"/>
-              </a:ext>
-            </a:extLst>
-          </a:blip>
-          <a:stretch>
-            <a:fillRect/>
-          </a:stretch>
-        </p:blipFill>
-        <p:spPr>
-          <a:xfrm>
-            <a:off x="21565783" y="7508827"/>
-            <a:ext cx="10902338" cy="6561135"/>
-          </a:xfrm>
-          <a:prstGeom prst="rect">
-            <a:avLst/>
-          </a:prstGeom>
-        </p:spPr>
-      </p:pic>
-      <p:pic>
-        <p:nvPicPr>
-          <p:cNvPr id="29" name="Image 28"/>
-          <p:cNvPicPr>
-            <a:picLocks noChangeAspect="1"/>
-          </p:cNvPicPr>
-          <p:nvPr/>
-        </p:nvPicPr>
-        <p:blipFill>
-          <a:blip r:embed="rId4"/>
-          <a:stretch>
-            <a:fillRect/>
-          </a:stretch>
-        </p:blipFill>
-        <p:spPr>
-          <a:xfrm>
-            <a:off x="31979629" y="9040316"/>
-            <a:ext cx="6267450" cy="7458075"/>
+            <a:off x="19190575" y="20369632"/>
+            <a:ext cx="9658250" cy="6955587"/>
           </a:xfrm>
           <a:prstGeom prst="rect">
             <a:avLst/>
@@ -9926,7 +8168,7 @@
           <p:nvPr/>
         </p:nvPicPr>
         <p:blipFill>
-          <a:blip r:embed="rId5">
+          <a:blip r:embed="rId7">
             <a:extLst>
               <a:ext uri="{28A0092B-C50C-407E-A947-70E740481C1C}">
                 <a14:useLocalDpi xmlns:a14="http://schemas.microsoft.com/office/drawing/2010/main" val="0"/>
@@ -9939,44 +8181,8 @@
         </p:blipFill>
         <p:spPr>
           <a:xfrm>
-            <a:off x="29296963" y="22902374"/>
+            <a:off x="29296963" y="23372020"/>
             <a:ext cx="11941575" cy="5342083"/>
-          </a:xfrm>
-          <a:prstGeom prst="rect">
-            <a:avLst/>
-          </a:prstGeom>
-        </p:spPr>
-      </p:pic>
-      <p:pic>
-        <p:nvPicPr>
-          <p:cNvPr id="5" name="Image 4">
-            <a:extLst>
-              <a:ext uri="{FF2B5EF4-FFF2-40B4-BE49-F238E27FC236}">
-                <a16:creationId xmlns:a16="http://schemas.microsoft.com/office/drawing/2014/main" id="{F29AFDD1-9B61-484B-9A03-D46D3CB2A434}"/>
-              </a:ext>
-            </a:extLst>
-          </p:cNvPr>
-          <p:cNvPicPr>
-            <a:picLocks noChangeAspect="1"/>
-          </p:cNvPicPr>
-          <p:nvPr/>
-        </p:nvPicPr>
-        <p:blipFill>
-          <a:blip r:embed="rId6">
-            <a:extLst>
-              <a:ext uri="{28A0092B-C50C-407E-A947-70E740481C1C}">
-                <a14:useLocalDpi xmlns:a14="http://schemas.microsoft.com/office/drawing/2010/main" val="0"/>
-              </a:ext>
-            </a:extLst>
-          </a:blip>
-          <a:stretch>
-            <a:fillRect/>
-          </a:stretch>
-        </p:blipFill>
-        <p:spPr>
-          <a:xfrm>
-            <a:off x="15818859" y="22596097"/>
-            <a:ext cx="12292125" cy="5395428"/>
           </a:xfrm>
           <a:prstGeom prst="rect">
             <a:avLst/>
@@ -9986,13 +8192,20 @@
     </p:spTree>
     <p:extLst>
       <p:ext uri="{BB962C8B-B14F-4D97-AF65-F5344CB8AC3E}">
-        <p14:creationId xmlns:p14="http://schemas.microsoft.com/office/powerpoint/2010/main" val="2219327838"/>
+        <p14:creationId xmlns:p14="http://schemas.microsoft.com/office/powerpoint/2010/main" val="1794577224"/>
       </p:ext>
     </p:extLst>
   </p:cSld>
   <p:clrMapOvr>
     <a:masterClrMapping/>
   </p:clrMapOvr>
+  <p:timing>
+    <p:tnLst>
+      <p:par>
+        <p:cTn id="1" dur="indefinite" restart="never" nodeType="tmRoot"/>
+      </p:par>
+    </p:tnLst>
+  </p:timing>
 </p:sld>
 </file>
 

--- a/livrables/PosterSoutenance.pptx
+++ b/livrables/PosterSoutenance.pptx
@@ -764,7 +764,20 @@
               <a:rPr lang="fr-FR" sz="6000" b="1" noProof="0" dirty="0" smtClean="0"/>
               <a:t>Mauvaise vision de l’aboutissement du projet, donc les tests unitaires n’ont pas pu être faits.</a:t>
             </a:r>
-            <a:endParaRPr lang="fr-FR" sz="6000" b="1" noProof="0" dirty="0"/>
+          </a:p>
+          <a:p>
+            <a:r>
+              <a:rPr lang="fr-FR" sz="6000" b="1" noProof="0" dirty="0" smtClean="0"/>
+              <a:t>PAR CONTRE</a:t>
+            </a:r>
+            <a:r>
+              <a:rPr lang="fr-FR" sz="6000" b="1" baseline="0" noProof="0" dirty="0" smtClean="0"/>
+              <a:t> Meilleure Utilisation </a:t>
+            </a:r>
+            <a:r>
+              <a:rPr lang="fr-FR" sz="6000" b="1" baseline="0" noProof="0" smtClean="0"/>
+              <a:t>de GitHub</a:t>
+            </a:r>
           </a:p>
         </p:txBody>
       </p:sp>
@@ -4484,7 +4497,7 @@
               <a:graphicData uri="http://schemas.openxmlformats.org/presentationml/2006/ole">
                 <mc:AlternateContent xmlns:mc="http://schemas.openxmlformats.org/markup-compatibility/2006">
                   <mc:Choice xmlns:v="urn:schemas-microsoft-com:vml" Requires="v">
-                    <p:oleObj spid="_x0000_s2330" name="Image" r:id="rId8" imgW="1828440" imgH="1117440" progId="Photoshop.Image.13">
+                    <p:oleObj spid="_x0000_s2334" name="Image" r:id="rId8" imgW="1828440" imgH="1117440" progId="Photoshop.Image.13">
                       <p:embed/>
                     </p:oleObj>
                   </mc:Choice>
@@ -4541,7 +4554,7 @@
               <a:graphicData uri="http://schemas.openxmlformats.org/presentationml/2006/ole">
                 <mc:AlternateContent xmlns:mc="http://schemas.openxmlformats.org/markup-compatibility/2006">
                   <mc:Choice xmlns:v="urn:schemas-microsoft-com:vml" Requires="v">
-                    <p:oleObj spid="_x0000_s2331" name="Image" r:id="rId10" imgW="1828440" imgH="1117440" progId="Photoshop.Image.13">
+                    <p:oleObj spid="_x0000_s2335" name="Image" r:id="rId10" imgW="1828440" imgH="1117440" progId="Photoshop.Image.13">
                       <p:embed/>
                     </p:oleObj>
                   </mc:Choice>
@@ -5676,7 +5689,7 @@
             <a:graphicData uri="http://schemas.openxmlformats.org/presentationml/2006/ole">
               <mc:AlternateContent xmlns:mc="http://schemas.openxmlformats.org/markup-compatibility/2006">
                 <mc:Choice xmlns:v="urn:schemas-microsoft-com:vml" Requires="v">
-                  <p:oleObj spid="_x0000_s2332" name="Image" r:id="rId12" imgW="4571280" imgH="1688760" progId="Photoshop.Image.13">
+                  <p:oleObj spid="_x0000_s2336" name="Image" r:id="rId12" imgW="4571280" imgH="1688760" progId="Photoshop.Image.13">
                     <p:embed/>
                   </p:oleObj>
                 </mc:Choice>
@@ -5760,7 +5773,7 @@
             <a:graphicData uri="http://schemas.openxmlformats.org/presentationml/2006/ole">
               <mc:AlternateContent xmlns:mc="http://schemas.openxmlformats.org/markup-compatibility/2006">
                 <mc:Choice xmlns:v="urn:schemas-microsoft-com:vml" Requires="v">
-                  <p:oleObj spid="_x0000_s2333" name="Image" r:id="rId15" imgW="1574280" imgH="1053720" progId="Photoshop.Image.13">
+                  <p:oleObj spid="_x0000_s2337" name="Image" r:id="rId15" imgW="1574280" imgH="1053720" progId="Photoshop.Image.13">
                     <p:embed/>
                   </p:oleObj>
                 </mc:Choice>
@@ -7755,7 +7768,7 @@
               <a:buChar char="•"/>
             </a:pPr>
             <a:r>
-              <a:rPr lang="fr-FR" sz="7200" dirty="0" err="1">
+              <a:rPr lang="fr-FR" sz="7200" dirty="0" err="1" smtClean="0">
                 <a:latin typeface="Times New Roman" panose="02020603050405020304" pitchFamily="18" charset="0"/>
                 <a:cs typeface="Times New Roman" panose="02020603050405020304" pitchFamily="18" charset="0"/>
               </a:rPr>
